--- a/materials/ch02/ch02-第一个小程序和相关说明.pptx
+++ b/materials/ch02/ch02-第一个小程序和相关说明.pptx
@@ -14,11 +14,14 @@
     <p:sldId id="265" r:id="rId8"/>
     <p:sldId id="266" r:id="rId9"/>
     <p:sldId id="263" r:id="rId10"/>
-    <p:sldId id="267" r:id="rId11"/>
-    <p:sldId id="262" r:id="rId12"/>
-    <p:sldId id="269" r:id="rId13"/>
-    <p:sldId id="268" r:id="rId14"/>
-    <p:sldId id="258" r:id="rId15"/>
+    <p:sldId id="270" r:id="rId11"/>
+    <p:sldId id="267" r:id="rId12"/>
+    <p:sldId id="262" r:id="rId13"/>
+    <p:sldId id="269" r:id="rId14"/>
+    <p:sldId id="271" r:id="rId15"/>
+    <p:sldId id="272" r:id="rId16"/>
+    <p:sldId id="273" r:id="rId17"/>
+    <p:sldId id="268" r:id="rId18"/>
   </p:sldIdLst>
   <p:sldSz cx="12192000" cy="6858000"/>
   <p:notesSz cx="6858000" cy="9144000"/>
@@ -551,7 +554,7 @@
           <a:p>
             <a:fld id="{10955001-8E90-43AD-87AF-166875BDDBE4}" type="datetimeFigureOut">
               <a:rPr lang="zh-CN" altLang="en-US" smtClean="0"/>
-              <a:t>2020/8/18</a:t>
+              <a:t>2020/8/19</a:t>
             </a:fld>
             <a:endParaRPr lang="zh-CN" altLang="en-US"/>
           </a:p>
@@ -783,7 +786,7 @@
           <a:p>
             <a:fld id="{10955001-8E90-43AD-87AF-166875BDDBE4}" type="datetimeFigureOut">
               <a:rPr lang="zh-CN" altLang="en-US" smtClean="0"/>
-              <a:t>2020/8/18</a:t>
+              <a:t>2020/8/19</a:t>
             </a:fld>
             <a:endParaRPr lang="zh-CN" altLang="en-US"/>
           </a:p>
@@ -966,7 +969,7 @@
                 <a:spcPts val="1200"/>
               </a:spcBef>
               <a:defRPr sz="2000" baseline="0">
-                <a:latin typeface="Victor Mono" panose="00000509000000000000" pitchFamily="49" charset="0"/>
+                <a:latin typeface="Ubuntu Mono" panose="020B0509030602030204" pitchFamily="49" charset="0"/>
                 <a:ea typeface="思源黑体 CN Light" panose="020B0300000000000000" pitchFamily="34" charset="-122"/>
               </a:defRPr>
             </a:lvl1pPr>
@@ -978,7 +981,7 @@
                 <a:spcPts val="1200"/>
               </a:spcBef>
               <a:defRPr sz="1800" baseline="0">
-                <a:latin typeface="Victor Mono" panose="00000509000000000000" pitchFamily="49" charset="0"/>
+                <a:latin typeface="Ubuntu Mono" panose="020B0509030602030204" pitchFamily="49" charset="0"/>
                 <a:ea typeface="思源黑体 CN Light" panose="020B0300000000000000" pitchFamily="34" charset="-122"/>
               </a:defRPr>
             </a:lvl2pPr>
@@ -990,7 +993,7 @@
                 <a:spcPts val="1200"/>
               </a:spcBef>
               <a:defRPr sz="1600" baseline="0">
-                <a:latin typeface="Victor Mono" panose="00000509000000000000" pitchFamily="49" charset="0"/>
+                <a:latin typeface="Ubuntu Mono" panose="020B0509030602030204" pitchFamily="49" charset="0"/>
                 <a:ea typeface="思源黑体 CN Light" panose="020B0300000000000000" pitchFamily="34" charset="-122"/>
               </a:defRPr>
             </a:lvl3pPr>
@@ -1002,7 +1005,7 @@
                 <a:spcPts val="1200"/>
               </a:spcBef>
               <a:defRPr sz="1400" baseline="0">
-                <a:latin typeface="Victor Mono" panose="00000509000000000000" pitchFamily="49" charset="0"/>
+                <a:latin typeface="Ubuntu Mono" panose="020B0509030602030204" pitchFamily="49" charset="0"/>
                 <a:ea typeface="思源黑体 CN Light" panose="020B0300000000000000" pitchFamily="34" charset="-122"/>
               </a:defRPr>
             </a:lvl4pPr>
@@ -1014,7 +1017,7 @@
                 <a:spcPts val="1200"/>
               </a:spcBef>
               <a:defRPr sz="1400" baseline="0">
-                <a:latin typeface="Victor Mono" panose="00000509000000000000" pitchFamily="49" charset="0"/>
+                <a:latin typeface="Ubuntu Mono" panose="020B0509030602030204" pitchFamily="49" charset="0"/>
                 <a:ea typeface="思源黑体 CN Light" panose="020B0300000000000000" pitchFamily="34" charset="-122"/>
               </a:defRPr>
             </a:lvl5pPr>
@@ -1281,7 +1284,7 @@
           <a:p>
             <a:fld id="{10955001-8E90-43AD-87AF-166875BDDBE4}" type="datetimeFigureOut">
               <a:rPr lang="zh-CN" altLang="en-US" smtClean="0"/>
-              <a:t>2020/8/18</a:t>
+              <a:t>2020/8/19</a:t>
             </a:fld>
             <a:endParaRPr lang="zh-CN" altLang="en-US"/>
           </a:p>
@@ -1710,7 +1713,7 @@
           <a:p>
             <a:fld id="{10955001-8E90-43AD-87AF-166875BDDBE4}" type="datetimeFigureOut">
               <a:rPr lang="zh-CN" altLang="en-US" smtClean="0"/>
-              <a:t>2020/8/18</a:t>
+              <a:t>2020/8/19</a:t>
             </a:fld>
             <a:endParaRPr lang="zh-CN" altLang="en-US"/>
           </a:p>
@@ -2227,7 +2230,7 @@
           <a:p>
             <a:fld id="{10955001-8E90-43AD-87AF-166875BDDBE4}" type="datetimeFigureOut">
               <a:rPr lang="zh-CN" altLang="en-US" smtClean="0"/>
-              <a:t>2020/8/18</a:t>
+              <a:t>2020/8/19</a:t>
             </a:fld>
             <a:endParaRPr lang="zh-CN" altLang="en-US"/>
           </a:p>
@@ -2687,7 +2690,7 @@
           <a:p>
             <a:fld id="{10955001-8E90-43AD-87AF-166875BDDBE4}" type="datetimeFigureOut">
               <a:rPr lang="zh-CN" altLang="en-US" smtClean="0"/>
-              <a:t>2020/8/18</a:t>
+              <a:t>2020/8/19</a:t>
             </a:fld>
             <a:endParaRPr lang="zh-CN" altLang="en-US"/>
           </a:p>
@@ -2999,7 +3002,7 @@
           <a:p>
             <a:fld id="{10955001-8E90-43AD-87AF-166875BDDBE4}" type="datetimeFigureOut">
               <a:rPr lang="zh-CN" altLang="en-US" smtClean="0"/>
-              <a:t>2020/8/18</a:t>
+              <a:t>2020/8/19</a:t>
             </a:fld>
             <a:endParaRPr lang="zh-CN" altLang="en-US"/>
           </a:p>
@@ -3674,40 +3677,114 @@
           <a:lstStyle/>
           <a:p>
             <a:r>
+              <a:rPr lang="zh-CN" altLang="en-US" b="1"/>
+              <a:t>更改默认页面</a:t>
+            </a:r>
+            <a:endParaRPr lang="en-US" altLang="zh-CN" b="1"/>
+          </a:p>
+          <a:p>
+            <a:pPr lvl="1"/>
+            <a:r>
               <a:rPr lang="zh-CN" altLang="en-US"/>
-              <a:t>更改默认页面</a:t>
+              <a:t>默认页面的更改有两种方式：</a:t>
+            </a:r>
+            <a:r>
+              <a:rPr lang="en-US" altLang="zh-CN"/>
+              <a:t>entryPagePath</a:t>
+            </a:r>
+            <a:r>
+              <a:rPr lang="zh-CN" altLang="en-US"/>
+              <a:t>属性；</a:t>
+            </a:r>
+            <a:r>
+              <a:rPr lang="en-US" altLang="zh-CN"/>
+              <a:t>pages</a:t>
+            </a:r>
+            <a:r>
+              <a:rPr lang="zh-CN" altLang="en-US"/>
+              <a:t>数组的第一项。</a:t>
             </a:r>
             <a:endParaRPr lang="en-US" altLang="zh-CN"/>
           </a:p>
           <a:p>
+            <a:pPr lvl="1"/>
+            <a:r>
+              <a:rPr lang="zh-CN" altLang="en-US"/>
+              <a:t>如果</a:t>
+            </a:r>
+            <a:r>
+              <a:rPr lang="en-US" altLang="zh-CN"/>
+              <a:t>entryPagePath</a:t>
+            </a:r>
+            <a:r>
+              <a:rPr lang="zh-CN" altLang="en-US"/>
+              <a:t>不填写，则默认为</a:t>
+            </a:r>
+            <a:r>
+              <a:rPr lang="en-US" altLang="zh-CN"/>
+              <a:t>pages</a:t>
+            </a:r>
+            <a:r>
+              <a:rPr lang="zh-CN" altLang="en-US"/>
+              <a:t>数组第一项。</a:t>
+            </a:r>
             <a:endParaRPr lang="en-US" altLang="zh-CN"/>
           </a:p>
           <a:p>
+            <a:pPr marL="457200" lvl="1" indent="0">
+              <a:buNone/>
+            </a:pPr>
+            <a:endParaRPr lang="en-US" altLang="zh-CN"/>
+          </a:p>
+          <a:p>
+            <a:r>
+              <a:rPr lang="zh-CN" altLang="en-US" b="1"/>
+              <a:t>更改顶部导航栏</a:t>
+            </a:r>
+            <a:endParaRPr lang="en-US" altLang="zh-CN" b="1"/>
+          </a:p>
+          <a:p>
+            <a:pPr lvl="1"/>
             <a:r>
               <a:rPr lang="zh-CN" altLang="en-US"/>
-              <a:t>更改顶部导航栏</a:t>
+              <a:t>更改顶部的背景色和标题文本在小程序项目的默认示例属性中直接改就可以。</a:t>
             </a:r>
             <a:endParaRPr lang="en-US" altLang="zh-CN"/>
           </a:p>
           <a:p>
-            <a:endParaRPr lang="en-US" altLang="zh-CN"/>
-          </a:p>
-          <a:p>
+            <a:pPr lvl="1"/>
             <a:r>
               <a:rPr lang="zh-CN" altLang="en-US"/>
-              <a:t>更改底部</a:t>
+              <a:t>一个没有示例的属性是</a:t>
             </a:r>
             <a:r>
               <a:rPr lang="en-US" altLang="zh-CN"/>
-              <a:t>Tab</a:t>
+              <a:t>navigationStyle</a:t>
             </a:r>
             <a:r>
               <a:rPr lang="zh-CN" altLang="en-US"/>
-              <a:t>标签</a:t>
-            </a:r>
-            <a:endParaRPr lang="en-US" altLang="zh-CN"/>
-          </a:p>
-          <a:p>
+              <a:t>，设定为</a:t>
+            </a:r>
+            <a:r>
+              <a:rPr lang="en-US" altLang="zh-CN"/>
+              <a:t>custom</a:t>
+            </a:r>
+            <a:r>
+              <a:rPr lang="zh-CN" altLang="en-US"/>
+              <a:t>则可以去掉顶部导航栏</a:t>
+            </a:r>
+            <a:r>
+              <a:rPr lang="zh-CN" altLang="en-US">
+                <a:solidFill>
+                  <a:schemeClr val="tx1">
+                    <a:lumMod val="95000"/>
+                    <a:lumOff val="5000"/>
+                  </a:schemeClr>
+                </a:solidFill>
+                <a:latin typeface="JetBrains Mono" panose="020B0509020102050004" pitchFamily="49" charset="0"/>
+              </a:rPr>
+              <a:t>。</a:t>
+            </a:r>
             <a:endParaRPr lang="en-US" altLang="zh-CN"/>
           </a:p>
           <a:p>
@@ -3718,7 +3795,7 @@
     </p:spTree>
     <p:extLst>
       <p:ext uri="{BB962C8B-B14F-4D97-AF65-F5344CB8AC3E}">
-        <p14:creationId xmlns:p14="http://schemas.microsoft.com/office/powerpoint/2010/main" val="1673703412"/>
+        <p14:creationId xmlns:p14="http://schemas.microsoft.com/office/powerpoint/2010/main" val="2836805092"/>
       </p:ext>
     </p:extLst>
   </p:cSld>
@@ -3750,7 +3827,7 @@
           <p:cNvPr id="2" name="标题 1">
             <a:extLst>
               <a:ext uri="{FF2B5EF4-FFF2-40B4-BE49-F238E27FC236}">
-                <a16:creationId xmlns:a16="http://schemas.microsoft.com/office/drawing/2014/main" id="{14E9355E-652F-436C-B3B0-4D81DA18977B}"/>
+                <a16:creationId xmlns:a16="http://schemas.microsoft.com/office/drawing/2014/main" id="{D6A00371-6364-4EC0-A6A6-8F7CBA102B10}"/>
               </a:ext>
             </a:extLst>
           </p:cNvPr>
@@ -3768,9 +3845,8 @@
           <a:p>
             <a:r>
               <a:rPr lang="zh-CN" altLang="en-US"/>
-              <a:t>小程序执行流程和回调函数</a:t>
-            </a:r>
-            <a:endParaRPr lang="zh-CN" altLang="en-US" dirty="0"/>
+              <a:t>更改全局配置示例</a:t>
+            </a:r>
           </a:p>
         </p:txBody>
       </p:sp>
@@ -3779,7 +3855,7 @@
           <p:cNvPr id="3" name="内容占位符 2">
             <a:extLst>
               <a:ext uri="{FF2B5EF4-FFF2-40B4-BE49-F238E27FC236}">
-                <a16:creationId xmlns:a16="http://schemas.microsoft.com/office/drawing/2014/main" id="{049EBB53-B112-4B9B-9B23-77D444C1EE54}"/>
+                <a16:creationId xmlns:a16="http://schemas.microsoft.com/office/drawing/2014/main" id="{2F340984-421B-4543-9C93-D08534630176}"/>
               </a:ext>
             </a:extLst>
           </p:cNvPr>
@@ -3790,23 +3866,184 @@
             <p:ph idx="1"/>
           </p:nvPr>
         </p:nvSpPr>
-        <p:spPr/>
+        <p:spPr>
+          <a:xfrm>
+            <a:off x="838200" y="1472666"/>
+            <a:ext cx="5997606" cy="4704298"/>
+          </a:xfrm>
+        </p:spPr>
         <p:txBody>
-          <a:bodyPr>
-            <a:normAutofit/>
-          </a:bodyPr>
+          <a:bodyPr/>
           <a:lstStyle/>
           <a:p>
-            <a:endParaRPr lang="en-US" altLang="zh-CN">
-              <a:latin typeface="Ubuntu Mono" panose="020B0509030602030204" pitchFamily="49" charset="0"/>
-            </a:endParaRPr>
+            <a:r>
+              <a:rPr lang="zh-CN" altLang="en-US" b="1"/>
+              <a:t>更改底部</a:t>
+            </a:r>
+            <a:r>
+              <a:rPr lang="en-US" altLang="zh-CN" b="1"/>
+              <a:t>Tab</a:t>
+            </a:r>
+            <a:r>
+              <a:rPr lang="zh-CN" altLang="en-US" b="1"/>
+              <a:t>标签</a:t>
+            </a:r>
+            <a:endParaRPr lang="en-US" altLang="zh-CN" b="1"/>
+          </a:p>
+          <a:p>
+            <a:pPr lvl="1"/>
+            <a:r>
+              <a:rPr lang="zh-CN" altLang="en-US"/>
+              <a:t>底部标签的修改需要添加</a:t>
+            </a:r>
+            <a:r>
+              <a:rPr lang="en-US" altLang="zh-CN"/>
+              <a:t>tabBar</a:t>
+            </a:r>
+            <a:r>
+              <a:rPr lang="zh-CN" altLang="en-US"/>
+              <a:t>属性，其值为</a:t>
+            </a:r>
+            <a:r>
+              <a:rPr lang="en-US" altLang="zh-CN"/>
+              <a:t>JSON</a:t>
+            </a:r>
+            <a:r>
+              <a:rPr lang="zh-CN" altLang="en-US"/>
+              <a:t>。</a:t>
+            </a:r>
+            <a:endParaRPr lang="en-US" altLang="zh-CN"/>
+          </a:p>
+          <a:p>
+            <a:pPr lvl="1"/>
+            <a:r>
+              <a:rPr lang="zh-CN" altLang="en-US"/>
+              <a:t>通过子属性</a:t>
+            </a:r>
+            <a:r>
+              <a:rPr lang="en-US" altLang="zh-CN"/>
+              <a:t>list</a:t>
+            </a:r>
+            <a:r>
+              <a:rPr lang="zh-CN" altLang="en-US"/>
+              <a:t>对应的数组信息描述</a:t>
+            </a:r>
+            <a:r>
+              <a:rPr lang="en-US" altLang="zh-CN"/>
+              <a:t>tab</a:t>
+            </a:r>
+            <a:r>
+              <a:rPr lang="zh-CN" altLang="en-US"/>
+              <a:t>。</a:t>
+            </a:r>
+            <a:endParaRPr lang="en-US" altLang="zh-CN"/>
+          </a:p>
+          <a:p>
+            <a:pPr lvl="1"/>
+            <a:r>
+              <a:rPr lang="en-US" altLang="zh-CN"/>
+              <a:t>list</a:t>
+            </a:r>
+            <a:r>
+              <a:rPr lang="zh-CN" altLang="en-US"/>
+              <a:t>最少</a:t>
+            </a:r>
+            <a:r>
+              <a:rPr lang="en-US" altLang="zh-CN"/>
+              <a:t>2</a:t>
+            </a:r>
+            <a:r>
+              <a:rPr lang="zh-CN" altLang="en-US"/>
+              <a:t>个，最多</a:t>
+            </a:r>
+            <a:r>
+              <a:rPr lang="en-US" altLang="zh-CN"/>
+              <a:t>5</a:t>
+            </a:r>
+            <a:r>
+              <a:rPr lang="zh-CN" altLang="en-US"/>
+              <a:t>个。示例如右侧。</a:t>
+            </a:r>
+            <a:endParaRPr lang="en-US" altLang="zh-CN"/>
+          </a:p>
+          <a:p>
+            <a:pPr lvl="1"/>
+            <a:r>
+              <a:rPr lang="zh-CN" altLang="en-US"/>
+              <a:t>其中</a:t>
+            </a:r>
+            <a:r>
+              <a:rPr lang="en-US" altLang="zh-CN"/>
+              <a:t>icon</a:t>
+            </a:r>
+            <a:r>
+              <a:rPr lang="zh-CN" altLang="en-US"/>
+              <a:t>是在项目所在目录中创建的目录，其中包括三个对应的图标文件。</a:t>
+            </a:r>
+            <a:endParaRPr lang="en-US" altLang="zh-CN"/>
+          </a:p>
+          <a:p>
+            <a:pPr lvl="1"/>
+            <a:r>
+              <a:rPr lang="en-US" altLang="zh-CN"/>
+              <a:t>pages</a:t>
+            </a:r>
+            <a:r>
+              <a:rPr lang="zh-CN" altLang="en-US"/>
+              <a:t>指定的页面必须在之前的页面列表中存在。</a:t>
+            </a:r>
+            <a:endParaRPr lang="en-US" altLang="zh-CN"/>
+          </a:p>
+          <a:p>
+            <a:pPr lvl="1"/>
+            <a:r>
+              <a:rPr lang="zh-CN" altLang="en-US"/>
+              <a:t>小程序中可以嵌入一些静态资源，图标是比较合适的，文件都很小。</a:t>
+            </a:r>
+            <a:endParaRPr lang="en-US" altLang="zh-CN"/>
           </a:p>
         </p:txBody>
       </p:sp>
+      <p:pic>
+        <p:nvPicPr>
+          <p:cNvPr id="5" name="图片 4">
+            <a:extLst>
+              <a:ext uri="{FF2B5EF4-FFF2-40B4-BE49-F238E27FC236}">
+                <a16:creationId xmlns:a16="http://schemas.microsoft.com/office/drawing/2014/main" id="{08910973-D985-4742-8FC5-83ABB5561841}"/>
+              </a:ext>
+            </a:extLst>
+          </p:cNvPr>
+          <p:cNvPicPr>
+            <a:picLocks noChangeAspect="1"/>
+          </p:cNvPicPr>
+          <p:nvPr/>
+        </p:nvPicPr>
+        <p:blipFill>
+          <a:blip r:embed="rId2">
+            <a:extLst>
+              <a:ext uri="{28A0092B-C50C-407E-A947-70E740481C1C}">
+                <a14:useLocalDpi xmlns:a14="http://schemas.microsoft.com/office/drawing/2010/main" val="0"/>
+              </a:ext>
+            </a:extLst>
+          </a:blip>
+          <a:stretch>
+            <a:fillRect/>
+          </a:stretch>
+        </p:blipFill>
+        <p:spPr>
+          <a:xfrm>
+            <a:off x="6971301" y="882625"/>
+            <a:ext cx="4382499" cy="5610249"/>
+          </a:xfrm>
+          <a:prstGeom prst="rect">
+            <a:avLst/>
+          </a:prstGeom>
+        </p:spPr>
+      </p:pic>
     </p:spTree>
     <p:extLst>
       <p:ext uri="{BB962C8B-B14F-4D97-AF65-F5344CB8AC3E}">
-        <p14:creationId xmlns:p14="http://schemas.microsoft.com/office/powerpoint/2010/main" val="4055690074"/>
+        <p14:creationId xmlns:p14="http://schemas.microsoft.com/office/powerpoint/2010/main" val="1673703412"/>
       </p:ext>
     </p:extLst>
   </p:cSld>
@@ -3838,7 +4075,7 @@
           <p:cNvPr id="2" name="标题 1">
             <a:extLst>
               <a:ext uri="{FF2B5EF4-FFF2-40B4-BE49-F238E27FC236}">
-                <a16:creationId xmlns:a16="http://schemas.microsoft.com/office/drawing/2014/main" id="{BB8E31BB-C2BD-4FCA-8D77-29B3B3F373B3}"/>
+                <a16:creationId xmlns:a16="http://schemas.microsoft.com/office/drawing/2014/main" id="{14E9355E-652F-436C-B3B0-4D81DA18977B}"/>
               </a:ext>
             </a:extLst>
           </p:cNvPr>
@@ -3856,8 +4093,9 @@
           <a:p>
             <a:r>
               <a:rPr lang="zh-CN" altLang="en-US"/>
-              <a:t>小程序页面渲染和数据绑定</a:t>
-            </a:r>
+              <a:t>小程序执行流程和回调函数</a:t>
+            </a:r>
+            <a:endParaRPr lang="zh-CN" altLang="en-US" dirty="0"/>
           </a:p>
         </p:txBody>
       </p:sp>
@@ -3866,7 +4104,7 @@
           <p:cNvPr id="3" name="内容占位符 2">
             <a:extLst>
               <a:ext uri="{FF2B5EF4-FFF2-40B4-BE49-F238E27FC236}">
-                <a16:creationId xmlns:a16="http://schemas.microsoft.com/office/drawing/2014/main" id="{5DF1B8BE-B521-4332-9335-004519C8AD86}"/>
+                <a16:creationId xmlns:a16="http://schemas.microsoft.com/office/drawing/2014/main" id="{049EBB53-B112-4B9B-9B23-77D444C1EE54}"/>
               </a:ext>
             </a:extLst>
           </p:cNvPr>
@@ -3879,17 +4117,368 @@
         </p:nvSpPr>
         <p:spPr/>
         <p:txBody>
-          <a:bodyPr/>
+          <a:bodyPr>
+            <a:normAutofit/>
+          </a:bodyPr>
           <a:lstStyle/>
+          <a:p>
+            <a:r>
+              <a:rPr lang="zh-CN" altLang="en-US">
+                <a:latin typeface="Ubuntu Mono" panose="020B0509030602030204" pitchFamily="49" charset="0"/>
+              </a:rPr>
+              <a:t>小程序启动后，位于</a:t>
+            </a:r>
+            <a:r>
+              <a:rPr lang="en-US" altLang="zh-CN">
+                <a:latin typeface="Ubuntu Mono" panose="020B0509030602030204" pitchFamily="49" charset="0"/>
+              </a:rPr>
+              <a:t>app.js</a:t>
+            </a:r>
+            <a:r>
+              <a:rPr lang="zh-CN" altLang="en-US">
+                <a:latin typeface="Ubuntu Mono" panose="020B0509030602030204" pitchFamily="49" charset="0"/>
+              </a:rPr>
+              <a:t>中的</a:t>
+            </a:r>
+            <a:r>
+              <a:rPr lang="en-US" altLang="zh-CN">
+                <a:latin typeface="Ubuntu Mono" panose="020B0509030602030204" pitchFamily="49" charset="0"/>
+              </a:rPr>
+              <a:t>App</a:t>
+            </a:r>
+            <a:r>
+              <a:rPr lang="zh-CN" altLang="en-US"/>
+              <a:t>实例开始运行，在进行一些初始化操作以后，会根据</a:t>
+            </a:r>
+            <a:r>
+              <a:rPr lang="en-US" altLang="zh-CN"/>
+              <a:t>json</a:t>
+            </a:r>
+            <a:r>
+              <a:rPr lang="zh-CN" altLang="en-US"/>
+              <a:t>文件的配置加载默认的页面。</a:t>
+            </a:r>
+            <a:endParaRPr lang="en-US" altLang="zh-CN"/>
+          </a:p>
+          <a:p>
+            <a:r>
+              <a:rPr lang="en-US" altLang="zh-CN">
+                <a:latin typeface="Ubuntu Mono" panose="020B0509030602030204" pitchFamily="49" charset="0"/>
+              </a:rPr>
+              <a:t>App</a:t>
+            </a:r>
+            <a:r>
+              <a:rPr lang="zh-CN" altLang="en-US">
+                <a:latin typeface="Ubuntu Mono" panose="020B0509030602030204" pitchFamily="49" charset="0"/>
+              </a:rPr>
+              <a:t>实例只有一个，在每个页面的</a:t>
+            </a:r>
+            <a:r>
+              <a:rPr lang="en-US" altLang="zh-CN">
+                <a:latin typeface="Ubuntu Mono" panose="020B0509030602030204" pitchFamily="49" charset="0"/>
+              </a:rPr>
+              <a:t>js</a:t>
+            </a:r>
+            <a:r>
+              <a:rPr lang="zh-CN" altLang="en-US">
+                <a:latin typeface="Ubuntu Mono" panose="020B0509030602030204" pitchFamily="49" charset="0"/>
+              </a:rPr>
+              <a:t>文件中，可以通过</a:t>
+            </a:r>
+            <a:r>
+              <a:rPr lang="en-US" altLang="zh-CN">
+                <a:latin typeface="Ubuntu Mono" panose="020B0509030602030204" pitchFamily="49" charset="0"/>
+              </a:rPr>
+              <a:t>getApp()</a:t>
+            </a:r>
+            <a:r>
+              <a:rPr lang="zh-CN" altLang="en-US">
+                <a:latin typeface="Ubuntu Mono" panose="020B0509030602030204" pitchFamily="49" charset="0"/>
+              </a:rPr>
+              <a:t>获取实例。</a:t>
+            </a:r>
+            <a:endParaRPr lang="en-US" altLang="zh-CN">
+              <a:latin typeface="Ubuntu Mono" panose="020B0509030602030204" pitchFamily="49" charset="0"/>
+            </a:endParaRPr>
+          </a:p>
+          <a:p>
+            <a:r>
+              <a:rPr lang="zh-CN" altLang="en-US"/>
+              <a:t>比如，在</a:t>
+            </a:r>
+            <a:r>
+              <a:rPr lang="en-US" altLang="zh-CN"/>
+              <a:t>app.js</a:t>
+            </a:r>
+            <a:r>
+              <a:rPr lang="zh-CN" altLang="en-US"/>
+              <a:t>中设定</a:t>
+            </a:r>
+            <a:r>
+              <a:rPr lang="en-US" altLang="zh-CN"/>
+              <a:t>globalData</a:t>
+            </a:r>
+            <a:r>
+              <a:rPr lang="zh-CN" altLang="en-US"/>
+              <a:t>属性</a:t>
+            </a:r>
+            <a:r>
+              <a:rPr lang="en-US" altLang="zh-CN"/>
+              <a:t>name</a:t>
+            </a:r>
+            <a:r>
+              <a:rPr lang="zh-CN" altLang="en-US"/>
+              <a:t>，在</a:t>
+            </a:r>
+            <a:r>
+              <a:rPr lang="en-US" altLang="zh-CN"/>
+              <a:t>user</a:t>
+            </a:r>
+            <a:r>
+              <a:rPr lang="zh-CN" altLang="en-US"/>
+              <a:t>页面显示。</a:t>
+            </a:r>
+            <a:endParaRPr lang="en-US" altLang="zh-CN"/>
+          </a:p>
           <a:p>
             <a:endParaRPr lang="zh-CN" altLang="en-US"/>
           </a:p>
         </p:txBody>
       </p:sp>
+      <p:grpSp>
+        <p:nvGrpSpPr>
+          <p:cNvPr id="13" name="组合 12">
+            <a:extLst>
+              <a:ext uri="{FF2B5EF4-FFF2-40B4-BE49-F238E27FC236}">
+                <a16:creationId xmlns:a16="http://schemas.microsoft.com/office/drawing/2014/main" id="{CD602FA0-0530-4FC3-B7A7-FB96DEBE18BA}"/>
+              </a:ext>
+            </a:extLst>
+          </p:cNvPr>
+          <p:cNvGrpSpPr/>
+          <p:nvPr/>
+        </p:nvGrpSpPr>
+        <p:grpSpPr>
+          <a:xfrm>
+            <a:off x="838200" y="3478105"/>
+            <a:ext cx="9862953" cy="1725689"/>
+            <a:chOff x="838200" y="3478105"/>
+            <a:chExt cx="9862953" cy="1725689"/>
+          </a:xfrm>
+        </p:grpSpPr>
+        <p:pic>
+          <p:nvPicPr>
+            <p:cNvPr id="5" name="图片 4">
+              <a:extLst>
+                <a:ext uri="{FF2B5EF4-FFF2-40B4-BE49-F238E27FC236}">
+                  <a16:creationId xmlns:a16="http://schemas.microsoft.com/office/drawing/2014/main" id="{8673D62C-4B87-4015-A74A-5B208375BDC5}"/>
+                </a:ext>
+              </a:extLst>
+            </p:cNvPr>
+            <p:cNvPicPr>
+              <a:picLocks noChangeAspect="1"/>
+            </p:cNvPicPr>
+            <p:nvPr/>
+          </p:nvPicPr>
+          <p:blipFill>
+            <a:blip r:embed="rId2">
+              <a:extLst>
+                <a:ext uri="{28A0092B-C50C-407E-A947-70E740481C1C}">
+                  <a14:useLocalDpi xmlns:a14="http://schemas.microsoft.com/office/drawing/2010/main" val="0"/>
+                </a:ext>
+              </a:extLst>
+            </a:blip>
+            <a:stretch>
+              <a:fillRect/>
+            </a:stretch>
+          </p:blipFill>
+          <p:spPr>
+            <a:xfrm>
+              <a:off x="838200" y="3478105"/>
+              <a:ext cx="4083768" cy="1653188"/>
+            </a:xfrm>
+            <a:prstGeom prst="rect">
+              <a:avLst/>
+            </a:prstGeom>
+          </p:spPr>
+        </p:pic>
+        <p:pic>
+          <p:nvPicPr>
+            <p:cNvPr id="7" name="图片 6">
+              <a:extLst>
+                <a:ext uri="{FF2B5EF4-FFF2-40B4-BE49-F238E27FC236}">
+                  <a16:creationId xmlns:a16="http://schemas.microsoft.com/office/drawing/2014/main" id="{E6D611CC-EF21-4EB5-9DF2-42203F1A3831}"/>
+                </a:ext>
+              </a:extLst>
+            </p:cNvPr>
+            <p:cNvPicPr>
+              <a:picLocks noChangeAspect="1"/>
+            </p:cNvPicPr>
+            <p:nvPr/>
+          </p:nvPicPr>
+          <p:blipFill>
+            <a:blip r:embed="rId3">
+              <a:extLst>
+                <a:ext uri="{28A0092B-C50C-407E-A947-70E740481C1C}">
+                  <a14:useLocalDpi xmlns:a14="http://schemas.microsoft.com/office/drawing/2010/main" val="0"/>
+                </a:ext>
+              </a:extLst>
+            </a:blip>
+            <a:stretch>
+              <a:fillRect/>
+            </a:stretch>
+          </p:blipFill>
+          <p:spPr>
+            <a:xfrm>
+              <a:off x="6342764" y="3620554"/>
+              <a:ext cx="4358389" cy="960323"/>
+            </a:xfrm>
+            <a:prstGeom prst="rect">
+              <a:avLst/>
+            </a:prstGeom>
+          </p:spPr>
+        </p:pic>
+        <p:cxnSp>
+          <p:nvCxnSpPr>
+            <p:cNvPr id="9" name="直接连接符 8">
+              <a:extLst>
+                <a:ext uri="{FF2B5EF4-FFF2-40B4-BE49-F238E27FC236}">
+                  <a16:creationId xmlns:a16="http://schemas.microsoft.com/office/drawing/2014/main" id="{C07630EA-C92C-40D2-B8DD-26341C49667F}"/>
+                </a:ext>
+              </a:extLst>
+            </p:cNvPr>
+            <p:cNvCxnSpPr/>
+            <p:nvPr/>
+          </p:nvCxnSpPr>
+          <p:spPr>
+            <a:xfrm>
+              <a:off x="1961965" y="4429957"/>
+              <a:ext cx="0" cy="763480"/>
+            </a:xfrm>
+            <a:prstGeom prst="line">
+              <a:avLst/>
+            </a:prstGeom>
+            <a:ln w="12700">
+              <a:solidFill>
+                <a:schemeClr val="tx1">
+                  <a:lumMod val="85000"/>
+                  <a:lumOff val="15000"/>
+                </a:schemeClr>
+              </a:solidFill>
+              <a:prstDash val="dash"/>
+            </a:ln>
+          </p:spPr>
+          <p:style>
+            <a:lnRef idx="1">
+              <a:schemeClr val="accent1"/>
+            </a:lnRef>
+            <a:fillRef idx="0">
+              <a:schemeClr val="accent1"/>
+            </a:fillRef>
+            <a:effectRef idx="0">
+              <a:schemeClr val="accent1"/>
+            </a:effectRef>
+            <a:fontRef idx="minor">
+              <a:schemeClr val="tx1"/>
+            </a:fontRef>
+          </p:style>
+        </p:cxnSp>
+        <p:cxnSp>
+          <p:nvCxnSpPr>
+            <p:cNvPr id="11" name="直接连接符 10">
+              <a:extLst>
+                <a:ext uri="{FF2B5EF4-FFF2-40B4-BE49-F238E27FC236}">
+                  <a16:creationId xmlns:a16="http://schemas.microsoft.com/office/drawing/2014/main" id="{7040BBDE-61C3-4414-92F5-A6F9F352841F}"/>
+                </a:ext>
+              </a:extLst>
+            </p:cNvPr>
+            <p:cNvCxnSpPr/>
+            <p:nvPr/>
+          </p:nvCxnSpPr>
+          <p:spPr>
+            <a:xfrm>
+              <a:off x="1961966" y="5202314"/>
+              <a:ext cx="5513033" cy="0"/>
+            </a:xfrm>
+            <a:prstGeom prst="line">
+              <a:avLst/>
+            </a:prstGeom>
+            <a:ln w="12700">
+              <a:solidFill>
+                <a:schemeClr val="tx1">
+                  <a:lumMod val="85000"/>
+                  <a:lumOff val="15000"/>
+                </a:schemeClr>
+              </a:solidFill>
+              <a:prstDash val="dash"/>
+            </a:ln>
+          </p:spPr>
+          <p:style>
+            <a:lnRef idx="1">
+              <a:schemeClr val="accent1"/>
+            </a:lnRef>
+            <a:fillRef idx="0">
+              <a:schemeClr val="accent1"/>
+            </a:fillRef>
+            <a:effectRef idx="0">
+              <a:schemeClr val="accent1"/>
+            </a:effectRef>
+            <a:fontRef idx="minor">
+              <a:schemeClr val="tx1"/>
+            </a:fontRef>
+          </p:style>
+        </p:cxnSp>
+        <p:cxnSp>
+          <p:nvCxnSpPr>
+            <p:cNvPr id="12" name="直接连接符 11">
+              <a:extLst>
+                <a:ext uri="{FF2B5EF4-FFF2-40B4-BE49-F238E27FC236}">
+                  <a16:creationId xmlns:a16="http://schemas.microsoft.com/office/drawing/2014/main" id="{08C60B97-4D1C-4B05-A26F-2A132534A9B5}"/>
+                </a:ext>
+              </a:extLst>
+            </p:cNvPr>
+            <p:cNvCxnSpPr/>
+            <p:nvPr/>
+          </p:nvCxnSpPr>
+          <p:spPr>
+            <a:xfrm>
+              <a:off x="7474999" y="4440314"/>
+              <a:ext cx="0" cy="763480"/>
+            </a:xfrm>
+            <a:prstGeom prst="line">
+              <a:avLst/>
+            </a:prstGeom>
+            <a:ln w="12700">
+              <a:solidFill>
+                <a:schemeClr val="tx1">
+                  <a:lumMod val="85000"/>
+                  <a:lumOff val="15000"/>
+                </a:schemeClr>
+              </a:solidFill>
+              <a:prstDash val="dash"/>
+              <a:headEnd type="arrow" w="med" len="med"/>
+              <a:tailEnd type="none" w="med" len="med"/>
+            </a:ln>
+          </p:spPr>
+          <p:style>
+            <a:lnRef idx="1">
+              <a:schemeClr val="accent1"/>
+            </a:lnRef>
+            <a:fillRef idx="0">
+              <a:schemeClr val="accent1"/>
+            </a:fillRef>
+            <a:effectRef idx="0">
+              <a:schemeClr val="accent1"/>
+            </a:effectRef>
+            <a:fontRef idx="minor">
+              <a:schemeClr val="tx1"/>
+            </a:fontRef>
+          </p:style>
+        </p:cxnSp>
+      </p:grpSp>
     </p:spTree>
     <p:extLst>
       <p:ext uri="{BB962C8B-B14F-4D97-AF65-F5344CB8AC3E}">
-        <p14:creationId xmlns:p14="http://schemas.microsoft.com/office/powerpoint/2010/main" val="231658049"/>
+        <p14:creationId xmlns:p14="http://schemas.microsoft.com/office/powerpoint/2010/main" val="4055690074"/>
       </p:ext>
     </p:extLst>
   </p:cSld>
@@ -3921,7 +4510,7 @@
           <p:cNvPr id="2" name="标题 1">
             <a:extLst>
               <a:ext uri="{FF2B5EF4-FFF2-40B4-BE49-F238E27FC236}">
-                <a16:creationId xmlns:a16="http://schemas.microsoft.com/office/drawing/2014/main" id="{14E9355E-652F-436C-B3B0-4D81DA18977B}"/>
+                <a16:creationId xmlns:a16="http://schemas.microsoft.com/office/drawing/2014/main" id="{BB8E31BB-C2BD-4FCA-8D77-29B3B3F373B3}"/>
               </a:ext>
             </a:extLst>
           </p:cNvPr>
@@ -3939,9 +4528,8 @@
           <a:p>
             <a:r>
               <a:rPr lang="zh-CN" altLang="en-US"/>
-              <a:t>如何查看文档</a:t>
-            </a:r>
-            <a:endParaRPr lang="zh-CN" altLang="en-US" dirty="0"/>
+              <a:t>小程序页面渲染和数据绑定</a:t>
+            </a:r>
           </a:p>
         </p:txBody>
       </p:sp>
@@ -3950,7 +4538,7 @@
           <p:cNvPr id="3" name="内容占位符 2">
             <a:extLst>
               <a:ext uri="{FF2B5EF4-FFF2-40B4-BE49-F238E27FC236}">
-                <a16:creationId xmlns:a16="http://schemas.microsoft.com/office/drawing/2014/main" id="{049EBB53-B112-4B9B-9B23-77D444C1EE54}"/>
+                <a16:creationId xmlns:a16="http://schemas.microsoft.com/office/drawing/2014/main" id="{5DF1B8BE-B521-4332-9335-004519C8AD86}"/>
               </a:ext>
             </a:extLst>
           </p:cNvPr>
@@ -3963,21 +4551,290 @@
         </p:nvSpPr>
         <p:spPr/>
         <p:txBody>
-          <a:bodyPr>
-            <a:normAutofit/>
-          </a:bodyPr>
+          <a:bodyPr/>
           <a:lstStyle/>
           <a:p>
-            <a:endParaRPr lang="en-US" altLang="zh-CN">
-              <a:latin typeface="Ubuntu Mono" panose="020B0509030602030204" pitchFamily="49" charset="0"/>
-            </a:endParaRPr>
+            <a:r>
+              <a:rPr lang="zh-CN" altLang="en-US"/>
+              <a:t>从刚才的示例看到，没有使用</a:t>
+            </a:r>
+            <a:r>
+              <a:rPr lang="en-US" altLang="zh-CN"/>
+              <a:t>DOM</a:t>
+            </a:r>
+            <a:r>
+              <a:rPr lang="zh-CN" altLang="en-US"/>
+              <a:t>操作，小程序中渲染数据使用的是数据绑定。小程序没有</a:t>
+            </a:r>
+            <a:r>
+              <a:rPr lang="en-US" altLang="zh-CN"/>
+              <a:t>DOM</a:t>
+            </a:r>
+            <a:r>
+              <a:rPr lang="zh-CN" altLang="en-US"/>
+              <a:t>和</a:t>
+            </a:r>
+            <a:r>
+              <a:rPr lang="en-US" altLang="zh-CN"/>
+              <a:t>BOM</a:t>
+            </a:r>
+            <a:r>
+              <a:rPr lang="zh-CN" altLang="en-US"/>
+              <a:t>操作的</a:t>
+            </a:r>
+            <a:r>
+              <a:rPr lang="en-US" altLang="zh-CN"/>
+              <a:t>API</a:t>
+            </a:r>
+            <a:r>
+              <a:rPr lang="zh-CN" altLang="en-US"/>
+              <a:t>。</a:t>
+            </a:r>
+            <a:endParaRPr lang="en-US" altLang="zh-CN"/>
+          </a:p>
+          <a:p>
+            <a:r>
+              <a:rPr lang="zh-CN" altLang="en-US"/>
+              <a:t>小程序框架的核心是一个响应的数据绑定系统，通过绑定，在逻辑层修改数据，在视图层会自动体现。这个过程都会经过微信客户端作为中转。</a:t>
+            </a:r>
+            <a:endParaRPr lang="en-US" altLang="zh-CN"/>
           </a:p>
         </p:txBody>
       </p:sp>
+      <p:grpSp>
+        <p:nvGrpSpPr>
+          <p:cNvPr id="4" name="组合 3">
+            <a:extLst>
+              <a:ext uri="{FF2B5EF4-FFF2-40B4-BE49-F238E27FC236}">
+                <a16:creationId xmlns:a16="http://schemas.microsoft.com/office/drawing/2014/main" id="{E4D3F657-832D-428F-BEC2-F8ED8DEF0F6A}"/>
+              </a:ext>
+            </a:extLst>
+          </p:cNvPr>
+          <p:cNvGrpSpPr/>
+          <p:nvPr/>
+        </p:nvGrpSpPr>
+        <p:grpSpPr>
+          <a:xfrm>
+            <a:off x="873712" y="3828327"/>
+            <a:ext cx="9862953" cy="1725689"/>
+            <a:chOff x="838200" y="3478105"/>
+            <a:chExt cx="9862953" cy="1725689"/>
+          </a:xfrm>
+        </p:grpSpPr>
+        <p:pic>
+          <p:nvPicPr>
+            <p:cNvPr id="5" name="图片 4">
+              <a:extLst>
+                <a:ext uri="{FF2B5EF4-FFF2-40B4-BE49-F238E27FC236}">
+                  <a16:creationId xmlns:a16="http://schemas.microsoft.com/office/drawing/2014/main" id="{DE0D74E6-C0DA-4873-880A-9D84FA5E9684}"/>
+                </a:ext>
+              </a:extLst>
+            </p:cNvPr>
+            <p:cNvPicPr>
+              <a:picLocks noChangeAspect="1"/>
+            </p:cNvPicPr>
+            <p:nvPr/>
+          </p:nvPicPr>
+          <p:blipFill>
+            <a:blip r:embed="rId2">
+              <a:extLst>
+                <a:ext uri="{28A0092B-C50C-407E-A947-70E740481C1C}">
+                  <a14:useLocalDpi xmlns:a14="http://schemas.microsoft.com/office/drawing/2010/main" val="0"/>
+                </a:ext>
+              </a:extLst>
+            </a:blip>
+            <a:stretch>
+              <a:fillRect/>
+            </a:stretch>
+          </p:blipFill>
+          <p:spPr>
+            <a:xfrm>
+              <a:off x="838200" y="3478105"/>
+              <a:ext cx="4083768" cy="1653188"/>
+            </a:xfrm>
+            <a:prstGeom prst="rect">
+              <a:avLst/>
+            </a:prstGeom>
+          </p:spPr>
+        </p:pic>
+        <p:pic>
+          <p:nvPicPr>
+            <p:cNvPr id="6" name="图片 5">
+              <a:extLst>
+                <a:ext uri="{FF2B5EF4-FFF2-40B4-BE49-F238E27FC236}">
+                  <a16:creationId xmlns:a16="http://schemas.microsoft.com/office/drawing/2014/main" id="{E8755536-B17A-48B1-BA84-A6F65F65808D}"/>
+                </a:ext>
+              </a:extLst>
+            </p:cNvPr>
+            <p:cNvPicPr>
+              <a:picLocks noChangeAspect="1"/>
+            </p:cNvPicPr>
+            <p:nvPr/>
+          </p:nvPicPr>
+          <p:blipFill>
+            <a:blip r:embed="rId3">
+              <a:extLst>
+                <a:ext uri="{28A0092B-C50C-407E-A947-70E740481C1C}">
+                  <a14:useLocalDpi xmlns:a14="http://schemas.microsoft.com/office/drawing/2010/main" val="0"/>
+                </a:ext>
+              </a:extLst>
+            </a:blip>
+            <a:stretch>
+              <a:fillRect/>
+            </a:stretch>
+          </p:blipFill>
+          <p:spPr>
+            <a:xfrm>
+              <a:off x="6342764" y="3620554"/>
+              <a:ext cx="4358389" cy="960323"/>
+            </a:xfrm>
+            <a:prstGeom prst="rect">
+              <a:avLst/>
+            </a:prstGeom>
+          </p:spPr>
+        </p:pic>
+        <p:cxnSp>
+          <p:nvCxnSpPr>
+            <p:cNvPr id="7" name="直接连接符 6">
+              <a:extLst>
+                <a:ext uri="{FF2B5EF4-FFF2-40B4-BE49-F238E27FC236}">
+                  <a16:creationId xmlns:a16="http://schemas.microsoft.com/office/drawing/2014/main" id="{040EBD16-6CD1-42E3-93CA-E2D09A93C7F4}"/>
+                </a:ext>
+              </a:extLst>
+            </p:cNvPr>
+            <p:cNvCxnSpPr/>
+            <p:nvPr/>
+          </p:nvCxnSpPr>
+          <p:spPr>
+            <a:xfrm>
+              <a:off x="1961965" y="4429957"/>
+              <a:ext cx="0" cy="763480"/>
+            </a:xfrm>
+            <a:prstGeom prst="line">
+              <a:avLst/>
+            </a:prstGeom>
+            <a:ln w="12700">
+              <a:solidFill>
+                <a:schemeClr val="tx1">
+                  <a:lumMod val="85000"/>
+                  <a:lumOff val="15000"/>
+                </a:schemeClr>
+              </a:solidFill>
+              <a:prstDash val="dash"/>
+            </a:ln>
+          </p:spPr>
+          <p:style>
+            <a:lnRef idx="1">
+              <a:schemeClr val="accent1"/>
+            </a:lnRef>
+            <a:fillRef idx="0">
+              <a:schemeClr val="accent1"/>
+            </a:fillRef>
+            <a:effectRef idx="0">
+              <a:schemeClr val="accent1"/>
+            </a:effectRef>
+            <a:fontRef idx="minor">
+              <a:schemeClr val="tx1"/>
+            </a:fontRef>
+          </p:style>
+        </p:cxnSp>
+        <p:cxnSp>
+          <p:nvCxnSpPr>
+            <p:cNvPr id="8" name="直接连接符 7">
+              <a:extLst>
+                <a:ext uri="{FF2B5EF4-FFF2-40B4-BE49-F238E27FC236}">
+                  <a16:creationId xmlns:a16="http://schemas.microsoft.com/office/drawing/2014/main" id="{09047771-7B25-46C4-957F-2D0764882A99}"/>
+                </a:ext>
+              </a:extLst>
+            </p:cNvPr>
+            <p:cNvCxnSpPr/>
+            <p:nvPr/>
+          </p:nvCxnSpPr>
+          <p:spPr>
+            <a:xfrm>
+              <a:off x="1961966" y="5202314"/>
+              <a:ext cx="5513033" cy="0"/>
+            </a:xfrm>
+            <a:prstGeom prst="line">
+              <a:avLst/>
+            </a:prstGeom>
+            <a:ln w="12700">
+              <a:solidFill>
+                <a:schemeClr val="tx1">
+                  <a:lumMod val="85000"/>
+                  <a:lumOff val="15000"/>
+                </a:schemeClr>
+              </a:solidFill>
+              <a:prstDash val="dash"/>
+            </a:ln>
+          </p:spPr>
+          <p:style>
+            <a:lnRef idx="1">
+              <a:schemeClr val="accent1"/>
+            </a:lnRef>
+            <a:fillRef idx="0">
+              <a:schemeClr val="accent1"/>
+            </a:fillRef>
+            <a:effectRef idx="0">
+              <a:schemeClr val="accent1"/>
+            </a:effectRef>
+            <a:fontRef idx="minor">
+              <a:schemeClr val="tx1"/>
+            </a:fontRef>
+          </p:style>
+        </p:cxnSp>
+        <p:cxnSp>
+          <p:nvCxnSpPr>
+            <p:cNvPr id="9" name="直接连接符 8">
+              <a:extLst>
+                <a:ext uri="{FF2B5EF4-FFF2-40B4-BE49-F238E27FC236}">
+                  <a16:creationId xmlns:a16="http://schemas.microsoft.com/office/drawing/2014/main" id="{1818A49A-93D8-4CB7-813C-CAE7A5C31FF9}"/>
+                </a:ext>
+              </a:extLst>
+            </p:cNvPr>
+            <p:cNvCxnSpPr/>
+            <p:nvPr/>
+          </p:nvCxnSpPr>
+          <p:spPr>
+            <a:xfrm>
+              <a:off x="7474999" y="4440314"/>
+              <a:ext cx="0" cy="763480"/>
+            </a:xfrm>
+            <a:prstGeom prst="line">
+              <a:avLst/>
+            </a:prstGeom>
+            <a:ln w="12700">
+              <a:solidFill>
+                <a:schemeClr val="tx1">
+                  <a:lumMod val="85000"/>
+                  <a:lumOff val="15000"/>
+                </a:schemeClr>
+              </a:solidFill>
+              <a:prstDash val="dash"/>
+              <a:headEnd type="arrow" w="med" len="med"/>
+              <a:tailEnd type="none" w="med" len="med"/>
+            </a:ln>
+          </p:spPr>
+          <p:style>
+            <a:lnRef idx="1">
+              <a:schemeClr val="accent1"/>
+            </a:lnRef>
+            <a:fillRef idx="0">
+              <a:schemeClr val="accent1"/>
+            </a:fillRef>
+            <a:effectRef idx="0">
+              <a:schemeClr val="accent1"/>
+            </a:effectRef>
+            <a:fontRef idx="minor">
+              <a:schemeClr val="tx1"/>
+            </a:fontRef>
+          </p:style>
+        </p:cxnSp>
+      </p:grpSp>
     </p:spTree>
     <p:extLst>
       <p:ext uri="{BB962C8B-B14F-4D97-AF65-F5344CB8AC3E}">
-        <p14:creationId xmlns:p14="http://schemas.microsoft.com/office/powerpoint/2010/main" val="1595890343"/>
+        <p14:creationId xmlns:p14="http://schemas.microsoft.com/office/powerpoint/2010/main" val="231658049"/>
       </p:ext>
     </p:extLst>
   </p:cSld>
@@ -4004,10 +4861,1405 @@
           <a:chExt cx="0" cy="0"/>
         </a:xfrm>
       </p:grpSpPr>
+      <p:sp>
+        <p:nvSpPr>
+          <p:cNvPr id="2" name="标题 1">
+            <a:extLst>
+              <a:ext uri="{FF2B5EF4-FFF2-40B4-BE49-F238E27FC236}">
+                <a16:creationId xmlns:a16="http://schemas.microsoft.com/office/drawing/2014/main" id="{BB8E31BB-C2BD-4FCA-8D77-29B3B3F373B3}"/>
+              </a:ext>
+            </a:extLst>
+          </p:cNvPr>
+          <p:cNvSpPr>
+            <a:spLocks noGrp="1"/>
+          </p:cNvSpPr>
+          <p:nvPr>
+            <p:ph type="title"/>
+          </p:nvPr>
+        </p:nvSpPr>
+        <p:spPr/>
+        <p:txBody>
+          <a:bodyPr/>
+          <a:lstStyle/>
+          <a:p>
+            <a:r>
+              <a:rPr lang="zh-CN" altLang="en-US"/>
+              <a:t>小程序运行机制</a:t>
+            </a:r>
+          </a:p>
+        </p:txBody>
+      </p:sp>
+      <p:pic>
+        <p:nvPicPr>
+          <p:cNvPr id="11" name="内容占位符 10">
+            <a:extLst>
+              <a:ext uri="{FF2B5EF4-FFF2-40B4-BE49-F238E27FC236}">
+                <a16:creationId xmlns:a16="http://schemas.microsoft.com/office/drawing/2014/main" id="{6BC2D956-2193-473E-8455-DE79A1FFD479}"/>
+              </a:ext>
+            </a:extLst>
+          </p:cNvPr>
+          <p:cNvPicPr>
+            <a:picLocks noGrp="1" noChangeAspect="1"/>
+          </p:cNvPicPr>
+          <p:nvPr>
+            <p:ph idx="1"/>
+          </p:nvPr>
+        </p:nvPicPr>
+        <p:blipFill>
+          <a:blip r:embed="rId2">
+            <a:extLst>
+              <a:ext uri="{28A0092B-C50C-407E-A947-70E740481C1C}">
+                <a14:useLocalDpi xmlns:a14="http://schemas.microsoft.com/office/drawing/2010/main" val="0"/>
+              </a:ext>
+            </a:extLst>
+          </a:blip>
+          <a:stretch>
+            <a:fillRect/>
+          </a:stretch>
+        </p:blipFill>
+        <p:spPr>
+          <a:xfrm>
+            <a:off x="2663119" y="1368669"/>
+            <a:ext cx="6865761" cy="5051536"/>
+          </a:xfrm>
+          <a:prstGeom prst="rect">
+            <a:avLst/>
+          </a:prstGeom>
+        </p:spPr>
+      </p:pic>
     </p:spTree>
     <p:extLst>
       <p:ext uri="{BB962C8B-B14F-4D97-AF65-F5344CB8AC3E}">
-        <p14:creationId xmlns:p14="http://schemas.microsoft.com/office/powerpoint/2010/main" val="365098710"/>
+        <p14:creationId xmlns:p14="http://schemas.microsoft.com/office/powerpoint/2010/main" val="4134765336"/>
+      </p:ext>
+    </p:extLst>
+  </p:cSld>
+  <p:clrMapOvr>
+    <a:masterClrMapping/>
+  </p:clrMapOvr>
+</p:sld>
+</file>
+
+<file path=ppt/slides/slide15.xml><?xml version="1.0" encoding="utf-8"?>
+<p:sld xmlns:a="http://schemas.openxmlformats.org/drawingml/2006/main" xmlns:r="http://schemas.openxmlformats.org/officeDocument/2006/relationships" xmlns:p="http://schemas.openxmlformats.org/presentationml/2006/main">
+  <p:cSld>
+    <p:spTree>
+      <p:nvGrpSpPr>
+        <p:cNvPr id="1" name=""/>
+        <p:cNvGrpSpPr/>
+        <p:nvPr/>
+      </p:nvGrpSpPr>
+      <p:grpSpPr>
+        <a:xfrm>
+          <a:off x="0" y="0"/>
+          <a:ext cx="0" cy="0"/>
+          <a:chOff x="0" y="0"/>
+          <a:chExt cx="0" cy="0"/>
+        </a:xfrm>
+      </p:grpSpPr>
+      <p:sp>
+        <p:nvSpPr>
+          <p:cNvPr id="2" name="标题 1">
+            <a:extLst>
+              <a:ext uri="{FF2B5EF4-FFF2-40B4-BE49-F238E27FC236}">
+                <a16:creationId xmlns:a16="http://schemas.microsoft.com/office/drawing/2014/main" id="{46C48B41-5E59-4A25-8671-093E082A55FF}"/>
+              </a:ext>
+            </a:extLst>
+          </p:cNvPr>
+          <p:cNvSpPr>
+            <a:spLocks noGrp="1"/>
+          </p:cNvSpPr>
+          <p:nvPr>
+            <p:ph type="title"/>
+          </p:nvPr>
+        </p:nvSpPr>
+        <p:spPr/>
+        <p:txBody>
+          <a:bodyPr/>
+          <a:lstStyle/>
+          <a:p>
+            <a:r>
+              <a:rPr lang="zh-CN" altLang="en-US"/>
+              <a:t>双线程设计方案</a:t>
+            </a:r>
+          </a:p>
+        </p:txBody>
+      </p:sp>
+      <p:sp>
+        <p:nvSpPr>
+          <p:cNvPr id="3" name="内容占位符 2">
+            <a:extLst>
+              <a:ext uri="{FF2B5EF4-FFF2-40B4-BE49-F238E27FC236}">
+                <a16:creationId xmlns:a16="http://schemas.microsoft.com/office/drawing/2014/main" id="{7E0DE6F9-A1E2-4065-B927-019DBC62E6A5}"/>
+              </a:ext>
+            </a:extLst>
+          </p:cNvPr>
+          <p:cNvSpPr>
+            <a:spLocks noGrp="1"/>
+          </p:cNvSpPr>
+          <p:nvPr>
+            <p:ph idx="1"/>
+          </p:nvPr>
+        </p:nvSpPr>
+        <p:spPr/>
+        <p:txBody>
+          <a:bodyPr/>
+          <a:lstStyle/>
+          <a:p>
+            <a:r>
+              <a:rPr lang="zh-CN" altLang="en-US"/>
+              <a:t>小程序采用了逻辑层和渲染层双线程工作的设计。而这也必然会带来一个异步的事件通知。</a:t>
+            </a:r>
+            <a:endParaRPr lang="en-US" altLang="zh-CN"/>
+          </a:p>
+          <a:p>
+            <a:r>
+              <a:rPr lang="zh-CN" altLang="en-US"/>
+              <a:t>在视图渲染层，并不知道什么时候开始有数据过来，同样的，在逻辑层，当要显示数据，可能视图层的准备工作还没有结束。</a:t>
+            </a:r>
+            <a:endParaRPr lang="en-US" altLang="zh-CN"/>
+          </a:p>
+          <a:p>
+            <a:r>
+              <a:rPr lang="zh-CN" altLang="en-US"/>
+              <a:t>所以通过整个页面生命周期中的事件回调函数来解决。</a:t>
+            </a:r>
+            <a:endParaRPr lang="en-US" altLang="zh-CN"/>
+          </a:p>
+          <a:p>
+            <a:endParaRPr lang="en-US" altLang="zh-CN"/>
+          </a:p>
+          <a:p>
+            <a:r>
+              <a:rPr lang="zh-CN" altLang="en-US"/>
+              <a:t>双方会通过异步通知来告知对方自己进行到哪一步，在</a:t>
+            </a:r>
+            <a:r>
+              <a:rPr lang="en-US" altLang="zh-CN"/>
+              <a:t>js</a:t>
+            </a:r>
+            <a:r>
+              <a:rPr lang="zh-CN" altLang="en-US"/>
+              <a:t>文件中，程序员就是通过在不同的回调函数中完成对应的逻辑操作。在</a:t>
+            </a:r>
+            <a:r>
+              <a:rPr lang="en-US" altLang="zh-CN"/>
+              <a:t>wxml</a:t>
+            </a:r>
+            <a:r>
+              <a:rPr lang="zh-CN" altLang="en-US"/>
+              <a:t>文件中可以有触发事件的机制，比如点击按钮，滑动元素等。</a:t>
+            </a:r>
+            <a:endParaRPr lang="en-US" altLang="zh-CN"/>
+          </a:p>
+          <a:p>
+            <a:endParaRPr lang="zh-CN" altLang="en-US"/>
+          </a:p>
+        </p:txBody>
+      </p:sp>
+    </p:spTree>
+    <p:extLst>
+      <p:ext uri="{BB962C8B-B14F-4D97-AF65-F5344CB8AC3E}">
+        <p14:creationId xmlns:p14="http://schemas.microsoft.com/office/powerpoint/2010/main" val="2480574583"/>
+      </p:ext>
+    </p:extLst>
+  </p:cSld>
+  <p:clrMapOvr>
+    <a:masterClrMapping/>
+  </p:clrMapOvr>
+</p:sld>
+</file>
+
+<file path=ppt/slides/slide16.xml><?xml version="1.0" encoding="utf-8"?>
+<p:sld xmlns:a="http://schemas.openxmlformats.org/drawingml/2006/main" xmlns:r="http://schemas.openxmlformats.org/officeDocument/2006/relationships" xmlns:p="http://schemas.openxmlformats.org/presentationml/2006/main">
+  <p:cSld>
+    <p:spTree>
+      <p:nvGrpSpPr>
+        <p:cNvPr id="1" name=""/>
+        <p:cNvGrpSpPr/>
+        <p:nvPr/>
+      </p:nvGrpSpPr>
+      <p:grpSpPr>
+        <a:xfrm>
+          <a:off x="0" y="0"/>
+          <a:ext cx="0" cy="0"/>
+          <a:chOff x="0" y="0"/>
+          <a:chExt cx="0" cy="0"/>
+        </a:xfrm>
+      </p:grpSpPr>
+      <p:sp>
+        <p:nvSpPr>
+          <p:cNvPr id="2" name="标题 1">
+            <a:extLst>
+              <a:ext uri="{FF2B5EF4-FFF2-40B4-BE49-F238E27FC236}">
+                <a16:creationId xmlns:a16="http://schemas.microsoft.com/office/drawing/2014/main" id="{E92F2079-9606-4CA0-AD1A-ABAF115F4BD2}"/>
+              </a:ext>
+            </a:extLst>
+          </p:cNvPr>
+          <p:cNvSpPr>
+            <a:spLocks noGrp="1"/>
+          </p:cNvSpPr>
+          <p:nvPr>
+            <p:ph type="title"/>
+          </p:nvPr>
+        </p:nvSpPr>
+        <p:spPr/>
+        <p:txBody>
+          <a:bodyPr/>
+          <a:lstStyle/>
+          <a:p>
+            <a:r>
+              <a:rPr lang="zh-CN" altLang="en-US"/>
+              <a:t>页面生命周期</a:t>
+            </a:r>
+          </a:p>
+        </p:txBody>
+      </p:sp>
+      <p:pic>
+        <p:nvPicPr>
+          <p:cNvPr id="4" name="内容占位符 4">
+            <a:extLst>
+              <a:ext uri="{FF2B5EF4-FFF2-40B4-BE49-F238E27FC236}">
+                <a16:creationId xmlns:a16="http://schemas.microsoft.com/office/drawing/2014/main" id="{957B8C8A-D0EF-4270-B546-1C3470338759}"/>
+              </a:ext>
+            </a:extLst>
+          </p:cNvPr>
+          <p:cNvPicPr>
+            <a:picLocks noGrp="1" noChangeAspect="1"/>
+          </p:cNvPicPr>
+          <p:nvPr>
+            <p:ph idx="1"/>
+          </p:nvPr>
+        </p:nvPicPr>
+        <p:blipFill>
+          <a:blip r:embed="rId2">
+            <a:extLst>
+              <a:ext uri="{28A0092B-C50C-407E-A947-70E740481C1C}">
+                <a14:useLocalDpi xmlns:a14="http://schemas.microsoft.com/office/drawing/2010/main" val="0"/>
+              </a:ext>
+            </a:extLst>
+          </a:blip>
+          <a:stretch>
+            <a:fillRect/>
+          </a:stretch>
+        </p:blipFill>
+        <p:spPr>
+          <a:xfrm>
+            <a:off x="7481305" y="487779"/>
+            <a:ext cx="4051638" cy="6205984"/>
+          </a:xfrm>
+        </p:spPr>
+      </p:pic>
+      <p:sp>
+        <p:nvSpPr>
+          <p:cNvPr id="5" name="文本框 4">
+            <a:extLst>
+              <a:ext uri="{FF2B5EF4-FFF2-40B4-BE49-F238E27FC236}">
+                <a16:creationId xmlns:a16="http://schemas.microsoft.com/office/drawing/2014/main" id="{396EAFA1-8E7C-400A-B6DB-08E1F7046F4E}"/>
+              </a:ext>
+            </a:extLst>
+          </p:cNvPr>
+          <p:cNvSpPr txBox="1"/>
+          <p:nvPr/>
+        </p:nvSpPr>
+        <p:spPr>
+          <a:xfrm>
+            <a:off x="1003176" y="1615736"/>
+            <a:ext cx="6152226" cy="4806059"/>
+          </a:xfrm>
+          <a:prstGeom prst="rect">
+            <a:avLst/>
+          </a:prstGeom>
+          <a:noFill/>
+        </p:spPr>
+        <p:txBody>
+          <a:bodyPr wrap="square" rtlCol="0">
+            <a:spAutoFit/>
+          </a:bodyPr>
+          <a:lstStyle/>
+          <a:p>
+            <a:pPr>
+              <a:lnSpc>
+                <a:spcPct val="150000"/>
+              </a:lnSpc>
+              <a:spcBef>
+                <a:spcPts val="600"/>
+              </a:spcBef>
+            </a:pPr>
+            <a:r>
+              <a:rPr lang="zh-CN" altLang="en-US" b="1">
+                <a:latin typeface="Ubuntu Mono" panose="020B0509030602030204" pitchFamily="49" charset="0"/>
+                <a:ea typeface="思源黑体 CN Light" panose="020B0300000000000000" pitchFamily="34" charset="-122"/>
+              </a:rPr>
+              <a:t>一些回调函数的说明：</a:t>
+            </a:r>
+            <a:endParaRPr lang="en-US" altLang="zh-CN">
+              <a:latin typeface="Ubuntu Mono" panose="020B0509030602030204" pitchFamily="49" charset="0"/>
+              <a:ea typeface="思源黑体 CN Light" panose="020B0300000000000000" pitchFamily="34" charset="-122"/>
+            </a:endParaRPr>
+          </a:p>
+          <a:p>
+            <a:pPr marL="285750" indent="-285750">
+              <a:lnSpc>
+                <a:spcPct val="150000"/>
+              </a:lnSpc>
+              <a:spcBef>
+                <a:spcPts val="600"/>
+              </a:spcBef>
+              <a:buFont typeface="Arial" panose="020B0604020202020204" pitchFamily="34" charset="0"/>
+              <a:buChar char="•"/>
+            </a:pPr>
+            <a:r>
+              <a:rPr lang="en-US" altLang="zh-CN">
+                <a:latin typeface="Ubuntu Mono" panose="020B0509030602030204" pitchFamily="49" charset="0"/>
+                <a:ea typeface="思源黑体 CN Light" panose="020B0300000000000000" pitchFamily="34" charset="-122"/>
+              </a:rPr>
+              <a:t>onLoad </a:t>
+            </a:r>
+            <a:r>
+              <a:rPr lang="zh-CN" altLang="en-US">
+                <a:latin typeface="Ubuntu Mono" panose="020B0509030602030204" pitchFamily="49" charset="0"/>
+                <a:ea typeface="思源黑体 CN Light" panose="020B0300000000000000" pitchFamily="34" charset="-122"/>
+              </a:rPr>
+              <a:t>页面加载时触发，只在首次加载时触发一次。</a:t>
+            </a:r>
+            <a:endParaRPr lang="en-US" altLang="zh-CN">
+              <a:latin typeface="Ubuntu Mono" panose="020B0509030602030204" pitchFamily="49" charset="0"/>
+              <a:ea typeface="思源黑体 CN Light" panose="020B0300000000000000" pitchFamily="34" charset="-122"/>
+            </a:endParaRPr>
+          </a:p>
+          <a:p>
+            <a:pPr marL="285750" indent="-285750">
+              <a:lnSpc>
+                <a:spcPct val="150000"/>
+              </a:lnSpc>
+              <a:spcBef>
+                <a:spcPts val="600"/>
+              </a:spcBef>
+              <a:buFont typeface="Arial" panose="020B0604020202020204" pitchFamily="34" charset="0"/>
+              <a:buChar char="•"/>
+            </a:pPr>
+            <a:r>
+              <a:rPr lang="en-US" altLang="zh-CN">
+                <a:latin typeface="Ubuntu Mono" panose="020B0509030602030204" pitchFamily="49" charset="0"/>
+                <a:ea typeface="思源黑体 CN Light" panose="020B0300000000000000" pitchFamily="34" charset="-122"/>
+              </a:rPr>
+              <a:t>onShow </a:t>
+            </a:r>
+            <a:r>
+              <a:rPr lang="zh-CN" altLang="en-US">
+                <a:latin typeface="Ubuntu Mono" panose="020B0509030602030204" pitchFamily="49" charset="0"/>
+                <a:ea typeface="思源黑体 CN Light" panose="020B0300000000000000" pitchFamily="34" charset="-122"/>
+              </a:rPr>
+              <a:t>页面显示时触发。</a:t>
+            </a:r>
+            <a:endParaRPr lang="en-US" altLang="zh-CN">
+              <a:latin typeface="Ubuntu Mono" panose="020B0509030602030204" pitchFamily="49" charset="0"/>
+              <a:ea typeface="思源黑体 CN Light" panose="020B0300000000000000" pitchFamily="34" charset="-122"/>
+            </a:endParaRPr>
+          </a:p>
+          <a:p>
+            <a:pPr marL="285750" indent="-285750">
+              <a:lnSpc>
+                <a:spcPct val="150000"/>
+              </a:lnSpc>
+              <a:spcBef>
+                <a:spcPts val="600"/>
+              </a:spcBef>
+              <a:buFont typeface="Arial" panose="020B0604020202020204" pitchFamily="34" charset="0"/>
+              <a:buChar char="•"/>
+            </a:pPr>
+            <a:r>
+              <a:rPr lang="en-US" altLang="zh-CN">
+                <a:latin typeface="Ubuntu Mono" panose="020B0509030602030204" pitchFamily="49" charset="0"/>
+                <a:ea typeface="思源黑体 CN Light" panose="020B0300000000000000" pitchFamily="34" charset="-122"/>
+              </a:rPr>
+              <a:t>onReady </a:t>
+            </a:r>
+            <a:r>
+              <a:rPr lang="zh-CN" altLang="en-US">
+                <a:latin typeface="Ubuntu Mono" panose="020B0509030602030204" pitchFamily="49" charset="0"/>
+                <a:ea typeface="思源黑体 CN Light" panose="020B0300000000000000" pitchFamily="34" charset="-122"/>
+              </a:rPr>
+              <a:t>页面首次加载完成触发，整个页面生命周期只触发一次。</a:t>
+            </a:r>
+            <a:endParaRPr lang="en-US" altLang="zh-CN">
+              <a:latin typeface="Ubuntu Mono" panose="020B0509030602030204" pitchFamily="49" charset="0"/>
+              <a:ea typeface="思源黑体 CN Light" panose="020B0300000000000000" pitchFamily="34" charset="-122"/>
+            </a:endParaRPr>
+          </a:p>
+          <a:p>
+            <a:pPr marL="285750" indent="-285750">
+              <a:lnSpc>
+                <a:spcPct val="150000"/>
+              </a:lnSpc>
+              <a:spcBef>
+                <a:spcPts val="600"/>
+              </a:spcBef>
+              <a:buFont typeface="Arial" panose="020B0604020202020204" pitchFamily="34" charset="0"/>
+              <a:buChar char="•"/>
+            </a:pPr>
+            <a:r>
+              <a:rPr lang="en-US" altLang="zh-CN">
+                <a:latin typeface="Ubuntu Mono" panose="020B0509030602030204" pitchFamily="49" charset="0"/>
+                <a:ea typeface="思源黑体 CN Light" panose="020B0300000000000000" pitchFamily="34" charset="-122"/>
+              </a:rPr>
+              <a:t>onHide </a:t>
+            </a:r>
+            <a:r>
+              <a:rPr lang="zh-CN" altLang="en-US">
+                <a:latin typeface="Ubuntu Mono" panose="020B0509030602030204" pitchFamily="49" charset="0"/>
+                <a:ea typeface="思源黑体 CN Light" panose="020B0300000000000000" pitchFamily="34" charset="-122"/>
+              </a:rPr>
+              <a:t>页面隐藏时触发。</a:t>
+            </a:r>
+            <a:endParaRPr lang="en-US" altLang="zh-CN">
+              <a:latin typeface="Ubuntu Mono" panose="020B0509030602030204" pitchFamily="49" charset="0"/>
+              <a:ea typeface="思源黑体 CN Light" panose="020B0300000000000000" pitchFamily="34" charset="-122"/>
+            </a:endParaRPr>
+          </a:p>
+          <a:p>
+            <a:pPr marL="285750" indent="-285750">
+              <a:lnSpc>
+                <a:spcPct val="150000"/>
+              </a:lnSpc>
+              <a:spcBef>
+                <a:spcPts val="600"/>
+              </a:spcBef>
+              <a:buFont typeface="Arial" panose="020B0604020202020204" pitchFamily="34" charset="0"/>
+              <a:buChar char="•"/>
+            </a:pPr>
+            <a:r>
+              <a:rPr lang="en-US" altLang="zh-CN">
+                <a:latin typeface="Ubuntu Mono" panose="020B0509030602030204" pitchFamily="49" charset="0"/>
+                <a:ea typeface="思源黑体 CN Light" panose="020B0300000000000000" pitchFamily="34" charset="-122"/>
+              </a:rPr>
+              <a:t>onUnload </a:t>
+            </a:r>
+            <a:r>
+              <a:rPr lang="zh-CN" altLang="en-US">
+                <a:latin typeface="Ubuntu Mono" panose="020B0509030602030204" pitchFamily="49" charset="0"/>
+                <a:ea typeface="思源黑体 CN Light" panose="020B0300000000000000" pitchFamily="34" charset="-122"/>
+              </a:rPr>
+              <a:t>页面卸载时触发，比如跳转到其他页面。</a:t>
+            </a:r>
+            <a:endParaRPr lang="en-US" altLang="zh-CN">
+              <a:latin typeface="Ubuntu Mono" panose="020B0509030602030204" pitchFamily="49" charset="0"/>
+              <a:ea typeface="思源黑体 CN Light" panose="020B0300000000000000" pitchFamily="34" charset="-122"/>
+            </a:endParaRPr>
+          </a:p>
+          <a:p>
+            <a:pPr marL="285750" indent="-285750">
+              <a:lnSpc>
+                <a:spcPct val="150000"/>
+              </a:lnSpc>
+              <a:spcBef>
+                <a:spcPts val="600"/>
+              </a:spcBef>
+              <a:buFont typeface="Arial" panose="020B0604020202020204" pitchFamily="34" charset="0"/>
+              <a:buChar char="•"/>
+            </a:pPr>
+            <a:r>
+              <a:rPr lang="en-US" altLang="zh-CN">
+                <a:latin typeface="Ubuntu Mono" panose="020B0509030602030204" pitchFamily="49" charset="0"/>
+                <a:ea typeface="思源黑体 CN Light" panose="020B0300000000000000" pitchFamily="34" charset="-122"/>
+              </a:rPr>
+              <a:t>onReachBottom </a:t>
+            </a:r>
+            <a:r>
+              <a:rPr lang="zh-CN" altLang="en-US">
+                <a:latin typeface="Ubuntu Mono" panose="020B0509030602030204" pitchFamily="49" charset="0"/>
+                <a:ea typeface="思源黑体 CN Light" panose="020B0300000000000000" pitchFamily="34" charset="-122"/>
+              </a:rPr>
+              <a:t>用户上拉页面触底事件时触发。</a:t>
+            </a:r>
+            <a:endParaRPr lang="en-US" altLang="zh-CN">
+              <a:latin typeface="Ubuntu Mono" panose="020B0509030602030204" pitchFamily="49" charset="0"/>
+              <a:ea typeface="思源黑体 CN Light" panose="020B0300000000000000" pitchFamily="34" charset="-122"/>
+            </a:endParaRPr>
+          </a:p>
+          <a:p>
+            <a:pPr>
+              <a:lnSpc>
+                <a:spcPct val="150000"/>
+              </a:lnSpc>
+              <a:spcBef>
+                <a:spcPts val="600"/>
+              </a:spcBef>
+            </a:pPr>
+            <a:endParaRPr lang="en-US" altLang="zh-CN">
+              <a:latin typeface="Ubuntu Mono" panose="020B0509030602030204" pitchFamily="49" charset="0"/>
+              <a:ea typeface="思源黑体 CN Light" panose="020B0300000000000000" pitchFamily="34" charset="-122"/>
+            </a:endParaRPr>
+          </a:p>
+          <a:p>
+            <a:pPr>
+              <a:lnSpc>
+                <a:spcPct val="150000"/>
+              </a:lnSpc>
+              <a:spcBef>
+                <a:spcPts val="600"/>
+              </a:spcBef>
+            </a:pPr>
+            <a:endParaRPr lang="zh-CN" altLang="en-US">
+              <a:latin typeface="Ubuntu Mono" panose="020B0509030602030204" pitchFamily="49" charset="0"/>
+              <a:ea typeface="思源黑体 CN Light" panose="020B0300000000000000" pitchFamily="34" charset="-122"/>
+            </a:endParaRPr>
+          </a:p>
+        </p:txBody>
+      </p:sp>
+    </p:spTree>
+    <p:extLst>
+      <p:ext uri="{BB962C8B-B14F-4D97-AF65-F5344CB8AC3E}">
+        <p14:creationId xmlns:p14="http://schemas.microsoft.com/office/powerpoint/2010/main" val="2309446395"/>
+      </p:ext>
+    </p:extLst>
+  </p:cSld>
+  <p:clrMapOvr>
+    <a:masterClrMapping/>
+  </p:clrMapOvr>
+</p:sld>
+</file>
+
+<file path=ppt/slides/slide17.xml><?xml version="1.0" encoding="utf-8"?>
+<p:sld xmlns:a="http://schemas.openxmlformats.org/drawingml/2006/main" xmlns:r="http://schemas.openxmlformats.org/officeDocument/2006/relationships" xmlns:p="http://schemas.openxmlformats.org/presentationml/2006/main">
+  <p:cSld>
+    <p:spTree>
+      <p:nvGrpSpPr>
+        <p:cNvPr id="1" name=""/>
+        <p:cNvGrpSpPr/>
+        <p:nvPr/>
+      </p:nvGrpSpPr>
+      <p:grpSpPr>
+        <a:xfrm>
+          <a:off x="0" y="0"/>
+          <a:ext cx="0" cy="0"/>
+          <a:chOff x="0" y="0"/>
+          <a:chExt cx="0" cy="0"/>
+        </a:xfrm>
+      </p:grpSpPr>
+      <p:sp>
+        <p:nvSpPr>
+          <p:cNvPr id="2" name="标题 1">
+            <a:extLst>
+              <a:ext uri="{FF2B5EF4-FFF2-40B4-BE49-F238E27FC236}">
+                <a16:creationId xmlns:a16="http://schemas.microsoft.com/office/drawing/2014/main" id="{14E9355E-652F-436C-B3B0-4D81DA18977B}"/>
+              </a:ext>
+            </a:extLst>
+          </p:cNvPr>
+          <p:cNvSpPr>
+            <a:spLocks noGrp="1"/>
+          </p:cNvSpPr>
+          <p:nvPr>
+            <p:ph type="title"/>
+          </p:nvPr>
+        </p:nvSpPr>
+        <p:spPr/>
+        <p:txBody>
+          <a:bodyPr/>
+          <a:lstStyle/>
+          <a:p>
+            <a:r>
+              <a:rPr lang="zh-CN" altLang="en-US"/>
+              <a:t>如何查看文档</a:t>
+            </a:r>
+            <a:endParaRPr lang="zh-CN" altLang="en-US" dirty="0"/>
+          </a:p>
+        </p:txBody>
+      </p:sp>
+      <p:pic>
+        <p:nvPicPr>
+          <p:cNvPr id="5" name="内容占位符 4">
+            <a:extLst>
+              <a:ext uri="{FF2B5EF4-FFF2-40B4-BE49-F238E27FC236}">
+                <a16:creationId xmlns:a16="http://schemas.microsoft.com/office/drawing/2014/main" id="{88C26461-7760-4D5E-A21D-CA0F928934A7}"/>
+              </a:ext>
+            </a:extLst>
+          </p:cNvPr>
+          <p:cNvPicPr>
+            <a:picLocks noGrp="1" noChangeAspect="1"/>
+          </p:cNvPicPr>
+          <p:nvPr>
+            <p:ph idx="1"/>
+          </p:nvPr>
+        </p:nvPicPr>
+        <p:blipFill>
+          <a:blip r:embed="rId2">
+            <a:extLst>
+              <a:ext uri="{28A0092B-C50C-407E-A947-70E740481C1C}">
+                <a14:useLocalDpi xmlns:a14="http://schemas.microsoft.com/office/drawing/2010/main" val="0"/>
+              </a:ext>
+            </a:extLst>
+          </a:blip>
+          <a:stretch>
+            <a:fillRect/>
+          </a:stretch>
+        </p:blipFill>
+        <p:spPr>
+          <a:xfrm>
+            <a:off x="1823620" y="1330437"/>
+            <a:ext cx="7208520" cy="579120"/>
+          </a:xfrm>
+        </p:spPr>
+      </p:pic>
+      <p:cxnSp>
+        <p:nvCxnSpPr>
+          <p:cNvPr id="7" name="直接箭头连接符 6">
+            <a:extLst>
+              <a:ext uri="{FF2B5EF4-FFF2-40B4-BE49-F238E27FC236}">
+                <a16:creationId xmlns:a16="http://schemas.microsoft.com/office/drawing/2014/main" id="{B2632764-9195-4933-B644-3B040D103250}"/>
+              </a:ext>
+            </a:extLst>
+          </p:cNvPr>
+          <p:cNvCxnSpPr/>
+          <p:nvPr/>
+        </p:nvCxnSpPr>
+        <p:spPr>
+          <a:xfrm flipV="1">
+            <a:off x="2086252" y="1846555"/>
+            <a:ext cx="0" cy="2343705"/>
+          </a:xfrm>
+          <a:prstGeom prst="straightConnector1">
+            <a:avLst/>
+          </a:prstGeom>
+          <a:ln>
+            <a:tailEnd type="triangle"/>
+          </a:ln>
+        </p:spPr>
+        <p:style>
+          <a:lnRef idx="1">
+            <a:schemeClr val="dk1"/>
+          </a:lnRef>
+          <a:fillRef idx="0">
+            <a:schemeClr val="dk1"/>
+          </a:fillRef>
+          <a:effectRef idx="0">
+            <a:schemeClr val="dk1"/>
+          </a:effectRef>
+          <a:fontRef idx="minor">
+            <a:schemeClr val="tx1"/>
+          </a:fontRef>
+        </p:style>
+      </p:cxnSp>
+      <p:sp>
+        <p:nvSpPr>
+          <p:cNvPr id="8" name="文本框 7">
+            <a:extLst>
+              <a:ext uri="{FF2B5EF4-FFF2-40B4-BE49-F238E27FC236}">
+                <a16:creationId xmlns:a16="http://schemas.microsoft.com/office/drawing/2014/main" id="{AB549EE5-6B69-449F-9879-397761B348A4}"/>
+              </a:ext>
+            </a:extLst>
+          </p:cNvPr>
+          <p:cNvSpPr txBox="1"/>
+          <p:nvPr/>
+        </p:nvSpPr>
+        <p:spPr>
+          <a:xfrm>
+            <a:off x="719089" y="4208010"/>
+            <a:ext cx="2246048" cy="338554"/>
+          </a:xfrm>
+          <a:prstGeom prst="rect">
+            <a:avLst/>
+          </a:prstGeom>
+          <a:solidFill>
+            <a:schemeClr val="bg1">
+              <a:lumMod val="95000"/>
+            </a:schemeClr>
+          </a:solidFill>
+          <a:ln>
+            <a:noFill/>
+          </a:ln>
+          <a:effectLst>
+            <a:outerShdw blurRad="50800" dist="38100" dir="5400000" algn="t" rotWithShape="0">
+              <a:prstClr val="black">
+                <a:alpha val="40000"/>
+              </a:prstClr>
+            </a:outerShdw>
+          </a:effectLst>
+        </p:spPr>
+        <p:txBody>
+          <a:bodyPr wrap="square" rtlCol="0">
+            <a:spAutoFit/>
+          </a:bodyPr>
+          <a:lstStyle/>
+          <a:p>
+            <a:r>
+              <a:rPr lang="zh-CN" altLang="en-US" sz="1600">
+                <a:latin typeface="Ubuntu Mono" panose="020B0509030602030204" pitchFamily="49" charset="0"/>
+                <a:ea typeface="思源黑体 CN Light" panose="020B0300000000000000" pitchFamily="34" charset="-122"/>
+              </a:rPr>
+              <a:t>对小程序整体的概括。</a:t>
+            </a:r>
+          </a:p>
+        </p:txBody>
+      </p:sp>
+      <p:cxnSp>
+        <p:nvCxnSpPr>
+          <p:cNvPr id="9" name="直接箭头连接符 8">
+            <a:extLst>
+              <a:ext uri="{FF2B5EF4-FFF2-40B4-BE49-F238E27FC236}">
+                <a16:creationId xmlns:a16="http://schemas.microsoft.com/office/drawing/2014/main" id="{31D6FC4E-79D0-49DB-B8C4-C48A306A165E}"/>
+              </a:ext>
+            </a:extLst>
+          </p:cNvPr>
+          <p:cNvCxnSpPr>
+            <a:cxnSpLocks/>
+          </p:cNvCxnSpPr>
+          <p:nvPr/>
+        </p:nvCxnSpPr>
+        <p:spPr>
+          <a:xfrm flipV="1">
+            <a:off x="3179682" y="1848040"/>
+            <a:ext cx="0" cy="1001692"/>
+          </a:xfrm>
+          <a:prstGeom prst="straightConnector1">
+            <a:avLst/>
+          </a:prstGeom>
+          <a:ln>
+            <a:tailEnd type="triangle"/>
+          </a:ln>
+        </p:spPr>
+        <p:style>
+          <a:lnRef idx="1">
+            <a:schemeClr val="dk1"/>
+          </a:lnRef>
+          <a:fillRef idx="0">
+            <a:schemeClr val="dk1"/>
+          </a:fillRef>
+          <a:effectRef idx="0">
+            <a:schemeClr val="dk1"/>
+          </a:effectRef>
+          <a:fontRef idx="minor">
+            <a:schemeClr val="tx1"/>
+          </a:fontRef>
+        </p:style>
+      </p:cxnSp>
+      <p:sp>
+        <p:nvSpPr>
+          <p:cNvPr id="12" name="文本框 11">
+            <a:extLst>
+              <a:ext uri="{FF2B5EF4-FFF2-40B4-BE49-F238E27FC236}">
+                <a16:creationId xmlns:a16="http://schemas.microsoft.com/office/drawing/2014/main" id="{C49878CE-4D11-497D-A42B-DF75C00CBE53}"/>
+              </a:ext>
+            </a:extLst>
+          </p:cNvPr>
+          <p:cNvSpPr txBox="1"/>
+          <p:nvPr/>
+        </p:nvSpPr>
+        <p:spPr>
+          <a:xfrm>
+            <a:off x="2139520" y="2869706"/>
+            <a:ext cx="1898038" cy="830997"/>
+          </a:xfrm>
+          <a:prstGeom prst="rect">
+            <a:avLst/>
+          </a:prstGeom>
+          <a:solidFill>
+            <a:schemeClr val="bg1">
+              <a:lumMod val="95000"/>
+            </a:schemeClr>
+          </a:solidFill>
+          <a:ln>
+            <a:noFill/>
+          </a:ln>
+          <a:effectLst>
+            <a:outerShdw blurRad="50800" dist="38100" dir="5400000" algn="t" rotWithShape="0">
+              <a:prstClr val="black">
+                <a:alpha val="40000"/>
+              </a:prstClr>
+            </a:outerShdw>
+          </a:effectLst>
+        </p:spPr>
+        <p:txBody>
+          <a:bodyPr wrap="square" rtlCol="0">
+            <a:spAutoFit/>
+          </a:bodyPr>
+          <a:lstStyle/>
+          <a:p>
+            <a:r>
+              <a:rPr lang="zh-CN" altLang="en-US" sz="1600">
+                <a:latin typeface="Ubuntu Mono" panose="020B0509030602030204" pitchFamily="49" charset="0"/>
+                <a:ea typeface="思源黑体 CN Light" panose="020B0300000000000000" pitchFamily="34" charset="-122"/>
+              </a:rPr>
+              <a:t>整体运行机制，</a:t>
+            </a:r>
+            <a:r>
+              <a:rPr lang="en-US" altLang="zh-CN" sz="1600">
+                <a:latin typeface="Ubuntu Mono" panose="020B0509030602030204" pitchFamily="49" charset="0"/>
+                <a:ea typeface="思源黑体 CN Light" panose="020B0300000000000000" pitchFamily="34" charset="-122"/>
+              </a:rPr>
+              <a:t>wxml</a:t>
+            </a:r>
+            <a:r>
+              <a:rPr lang="zh-CN" altLang="en-US" sz="1600">
+                <a:latin typeface="Ubuntu Mono" panose="020B0509030602030204" pitchFamily="49" charset="0"/>
+                <a:ea typeface="思源黑体 CN Light" panose="020B0300000000000000" pitchFamily="34" charset="-122"/>
+              </a:rPr>
+              <a:t>语法参考，全局配置等。</a:t>
+            </a:r>
+          </a:p>
+        </p:txBody>
+      </p:sp>
+      <p:cxnSp>
+        <p:nvCxnSpPr>
+          <p:cNvPr id="14" name="直接箭头连接符 13">
+            <a:extLst>
+              <a:ext uri="{FF2B5EF4-FFF2-40B4-BE49-F238E27FC236}">
+                <a16:creationId xmlns:a16="http://schemas.microsoft.com/office/drawing/2014/main" id="{A48747E2-8877-43FA-9462-9897133154CE}"/>
+              </a:ext>
+            </a:extLst>
+          </p:cNvPr>
+          <p:cNvCxnSpPr>
+            <a:cxnSpLocks/>
+          </p:cNvCxnSpPr>
+          <p:nvPr/>
+        </p:nvCxnSpPr>
+        <p:spPr>
+          <a:xfrm flipV="1">
+            <a:off x="4147352" y="1848030"/>
+            <a:ext cx="0" cy="2839380"/>
+          </a:xfrm>
+          <a:prstGeom prst="straightConnector1">
+            <a:avLst/>
+          </a:prstGeom>
+          <a:ln>
+            <a:tailEnd type="triangle"/>
+          </a:ln>
+        </p:spPr>
+        <p:style>
+          <a:lnRef idx="1">
+            <a:schemeClr val="dk1"/>
+          </a:lnRef>
+          <a:fillRef idx="0">
+            <a:schemeClr val="dk1"/>
+          </a:fillRef>
+          <a:effectRef idx="0">
+            <a:schemeClr val="dk1"/>
+          </a:effectRef>
+          <a:fontRef idx="minor">
+            <a:schemeClr val="tx1"/>
+          </a:fontRef>
+        </p:style>
+      </p:cxnSp>
+      <p:sp>
+        <p:nvSpPr>
+          <p:cNvPr id="16" name="文本框 15">
+            <a:extLst>
+              <a:ext uri="{FF2B5EF4-FFF2-40B4-BE49-F238E27FC236}">
+                <a16:creationId xmlns:a16="http://schemas.microsoft.com/office/drawing/2014/main" id="{6051A877-07A8-4DD8-8211-4137382C7A1E}"/>
+              </a:ext>
+            </a:extLst>
+          </p:cNvPr>
+          <p:cNvSpPr txBox="1"/>
+          <p:nvPr/>
+        </p:nvSpPr>
+        <p:spPr>
+          <a:xfrm>
+            <a:off x="2698815" y="4692315"/>
+            <a:ext cx="2378906" cy="584775"/>
+          </a:xfrm>
+          <a:prstGeom prst="rect">
+            <a:avLst/>
+          </a:prstGeom>
+          <a:solidFill>
+            <a:schemeClr val="bg1">
+              <a:lumMod val="95000"/>
+            </a:schemeClr>
+          </a:solidFill>
+          <a:ln>
+            <a:noFill/>
+          </a:ln>
+          <a:effectLst>
+            <a:outerShdw blurRad="50800" dist="38100" dir="5400000" algn="t" rotWithShape="0">
+              <a:prstClr val="black">
+                <a:alpha val="40000"/>
+              </a:prstClr>
+            </a:outerShdw>
+          </a:effectLst>
+        </p:spPr>
+        <p:txBody>
+          <a:bodyPr wrap="square" rtlCol="0">
+            <a:spAutoFit/>
+          </a:bodyPr>
+          <a:lstStyle/>
+          <a:p>
+            <a:r>
+              <a:rPr lang="en-US" altLang="zh-CN" sz="1600">
+                <a:latin typeface="Ubuntu Mono" panose="020B0509030602030204" pitchFamily="49" charset="0"/>
+                <a:ea typeface="思源黑体 CN Light" panose="020B0300000000000000" pitchFamily="34" charset="-122"/>
+              </a:rPr>
+              <a:t>wxml</a:t>
+            </a:r>
+            <a:r>
+              <a:rPr lang="zh-CN" altLang="en-US" sz="1600">
+                <a:latin typeface="Ubuntu Mono" panose="020B0509030602030204" pitchFamily="49" charset="0"/>
+                <a:ea typeface="思源黑体 CN Light" panose="020B0300000000000000" pitchFamily="34" charset="-122"/>
+              </a:rPr>
+              <a:t>中使用的组件，通常还要配合</a:t>
+            </a:r>
+            <a:r>
+              <a:rPr lang="en-US" altLang="zh-CN" sz="1600">
+                <a:latin typeface="Ubuntu Mono" panose="020B0509030602030204" pitchFamily="49" charset="0"/>
+                <a:ea typeface="思源黑体 CN Light" panose="020B0300000000000000" pitchFamily="34" charset="-122"/>
+              </a:rPr>
+              <a:t>API</a:t>
+            </a:r>
+            <a:r>
+              <a:rPr lang="zh-CN" altLang="en-US" sz="1600">
+                <a:latin typeface="Ubuntu Mono" panose="020B0509030602030204" pitchFamily="49" charset="0"/>
+                <a:ea typeface="思源黑体 CN Light" panose="020B0300000000000000" pitchFamily="34" charset="-122"/>
+              </a:rPr>
+              <a:t>来使用。</a:t>
+            </a:r>
+          </a:p>
+        </p:txBody>
+      </p:sp>
+      <p:cxnSp>
+        <p:nvCxnSpPr>
+          <p:cNvPr id="18" name="直接箭头连接符 17">
+            <a:extLst>
+              <a:ext uri="{FF2B5EF4-FFF2-40B4-BE49-F238E27FC236}">
+                <a16:creationId xmlns:a16="http://schemas.microsoft.com/office/drawing/2014/main" id="{D04B061D-B783-455D-80B4-43CDAEA1DDA0}"/>
+              </a:ext>
+            </a:extLst>
+          </p:cNvPr>
+          <p:cNvCxnSpPr>
+            <a:cxnSpLocks/>
+          </p:cNvCxnSpPr>
+          <p:nvPr/>
+        </p:nvCxnSpPr>
+        <p:spPr>
+          <a:xfrm flipV="1">
+            <a:off x="5178637" y="1856289"/>
+            <a:ext cx="0" cy="1001692"/>
+          </a:xfrm>
+          <a:prstGeom prst="straightConnector1">
+            <a:avLst/>
+          </a:prstGeom>
+          <a:ln>
+            <a:tailEnd type="triangle"/>
+          </a:ln>
+        </p:spPr>
+        <p:style>
+          <a:lnRef idx="1">
+            <a:schemeClr val="dk1"/>
+          </a:lnRef>
+          <a:fillRef idx="0">
+            <a:schemeClr val="dk1"/>
+          </a:fillRef>
+          <a:effectRef idx="0">
+            <a:schemeClr val="dk1"/>
+          </a:effectRef>
+          <a:fontRef idx="minor">
+            <a:schemeClr val="tx1"/>
+          </a:fontRef>
+        </p:style>
+      </p:cxnSp>
+      <p:sp>
+        <p:nvSpPr>
+          <p:cNvPr id="20" name="文本框 19">
+            <a:extLst>
+              <a:ext uri="{FF2B5EF4-FFF2-40B4-BE49-F238E27FC236}">
+                <a16:creationId xmlns:a16="http://schemas.microsoft.com/office/drawing/2014/main" id="{C8AA54EF-0471-4F2C-B214-CAAC0BB41229}"/>
+              </a:ext>
+            </a:extLst>
+          </p:cNvPr>
+          <p:cNvSpPr txBox="1"/>
+          <p:nvPr/>
+        </p:nvSpPr>
+        <p:spPr>
+          <a:xfrm>
+            <a:off x="4197962" y="2860050"/>
+            <a:ext cx="1898038" cy="1077218"/>
+          </a:xfrm>
+          <a:prstGeom prst="rect">
+            <a:avLst/>
+          </a:prstGeom>
+          <a:solidFill>
+            <a:schemeClr val="bg1">
+              <a:lumMod val="95000"/>
+            </a:schemeClr>
+          </a:solidFill>
+          <a:ln>
+            <a:noFill/>
+          </a:ln>
+          <a:effectLst>
+            <a:outerShdw blurRad="50800" dist="38100" dir="5400000" algn="t" rotWithShape="0">
+              <a:prstClr val="black">
+                <a:alpha val="40000"/>
+              </a:prstClr>
+            </a:outerShdw>
+          </a:effectLst>
+        </p:spPr>
+        <p:txBody>
+          <a:bodyPr wrap="square" rtlCol="0">
+            <a:spAutoFit/>
+          </a:bodyPr>
+          <a:lstStyle/>
+          <a:p>
+            <a:r>
+              <a:rPr lang="zh-CN" altLang="en-US" sz="1600">
+                <a:latin typeface="Ubuntu Mono" panose="020B0509030602030204" pitchFamily="49" charset="0"/>
+                <a:ea typeface="思源黑体 CN Light" panose="020B0300000000000000" pitchFamily="34" charset="-122"/>
+              </a:rPr>
+              <a:t>页面</a:t>
+            </a:r>
+            <a:r>
+              <a:rPr lang="en-US" altLang="zh-CN" sz="1600">
+                <a:latin typeface="Ubuntu Mono" panose="020B0509030602030204" pitchFamily="49" charset="0"/>
+                <a:ea typeface="思源黑体 CN Light" panose="020B0300000000000000" pitchFamily="34" charset="-122"/>
+              </a:rPr>
+              <a:t>js</a:t>
+            </a:r>
+            <a:r>
+              <a:rPr lang="zh-CN" altLang="en-US" sz="1600">
+                <a:latin typeface="Ubuntu Mono" panose="020B0509030602030204" pitchFamily="49" charset="0"/>
+                <a:ea typeface="思源黑体 CN Light" panose="020B0300000000000000" pitchFamily="34" charset="-122"/>
+              </a:rPr>
+              <a:t>文件中可以调用的</a:t>
+            </a:r>
+            <a:r>
+              <a:rPr lang="en-US" altLang="zh-CN" sz="1600">
+                <a:latin typeface="Ubuntu Mono" panose="020B0509030602030204" pitchFamily="49" charset="0"/>
+                <a:ea typeface="思源黑体 CN Light" panose="020B0300000000000000" pitchFamily="34" charset="-122"/>
+              </a:rPr>
+              <a:t>API</a:t>
+            </a:r>
+            <a:r>
+              <a:rPr lang="zh-CN" altLang="en-US" sz="1600">
+                <a:latin typeface="Ubuntu Mono" panose="020B0509030602030204" pitchFamily="49" charset="0"/>
+                <a:ea typeface="思源黑体 CN Light" panose="020B0300000000000000" pitchFamily="34" charset="-122"/>
+              </a:rPr>
+              <a:t>，比如获取设备信息，发起远程请求。</a:t>
+            </a:r>
+          </a:p>
+        </p:txBody>
+      </p:sp>
+      <p:cxnSp>
+        <p:nvCxnSpPr>
+          <p:cNvPr id="21" name="直接箭头连接符 20">
+            <a:extLst>
+              <a:ext uri="{FF2B5EF4-FFF2-40B4-BE49-F238E27FC236}">
+                <a16:creationId xmlns:a16="http://schemas.microsoft.com/office/drawing/2014/main" id="{9B7A57E4-3BF2-4FA2-9869-D97916F1906E}"/>
+              </a:ext>
+            </a:extLst>
+          </p:cNvPr>
+          <p:cNvCxnSpPr>
+            <a:cxnSpLocks/>
+          </p:cNvCxnSpPr>
+          <p:nvPr/>
+        </p:nvCxnSpPr>
+        <p:spPr>
+          <a:xfrm flipV="1">
+            <a:off x="6377130" y="1864311"/>
+            <a:ext cx="0" cy="2839380"/>
+          </a:xfrm>
+          <a:prstGeom prst="straightConnector1">
+            <a:avLst/>
+          </a:prstGeom>
+          <a:ln>
+            <a:tailEnd type="triangle"/>
+          </a:ln>
+        </p:spPr>
+        <p:style>
+          <a:lnRef idx="1">
+            <a:schemeClr val="dk1"/>
+          </a:lnRef>
+          <a:fillRef idx="0">
+            <a:schemeClr val="dk1"/>
+          </a:fillRef>
+          <a:effectRef idx="0">
+            <a:schemeClr val="dk1"/>
+          </a:effectRef>
+          <a:fontRef idx="minor">
+            <a:schemeClr val="tx1"/>
+          </a:fontRef>
+        </p:style>
+      </p:cxnSp>
+      <p:sp>
+        <p:nvSpPr>
+          <p:cNvPr id="23" name="文本框 22">
+            <a:extLst>
+              <a:ext uri="{FF2B5EF4-FFF2-40B4-BE49-F238E27FC236}">
+                <a16:creationId xmlns:a16="http://schemas.microsoft.com/office/drawing/2014/main" id="{1FB56772-379F-48A2-A38A-B6EB3C9B6472}"/>
+              </a:ext>
+            </a:extLst>
+          </p:cNvPr>
+          <p:cNvSpPr txBox="1"/>
+          <p:nvPr/>
+        </p:nvSpPr>
+        <p:spPr>
+          <a:xfrm>
+            <a:off x="5187677" y="4708734"/>
+            <a:ext cx="2378906" cy="1323439"/>
+          </a:xfrm>
+          <a:prstGeom prst="rect">
+            <a:avLst/>
+          </a:prstGeom>
+          <a:solidFill>
+            <a:schemeClr val="bg1">
+              <a:lumMod val="95000"/>
+            </a:schemeClr>
+          </a:solidFill>
+          <a:ln>
+            <a:noFill/>
+          </a:ln>
+          <a:effectLst>
+            <a:outerShdw blurRad="50800" dist="38100" dir="5400000" algn="t" rotWithShape="0">
+              <a:prstClr val="black">
+                <a:alpha val="40000"/>
+              </a:prstClr>
+            </a:outerShdw>
+          </a:effectLst>
+        </p:spPr>
+        <p:txBody>
+          <a:bodyPr wrap="square" rtlCol="0">
+            <a:spAutoFit/>
+          </a:bodyPr>
+          <a:lstStyle/>
+          <a:p>
+            <a:r>
+              <a:rPr lang="zh-CN" altLang="en-US" sz="1600">
+                <a:latin typeface="Ubuntu Mono" panose="020B0509030602030204" pitchFamily="49" charset="0"/>
+                <a:ea typeface="思源黑体 CN Light" panose="020B0300000000000000" pitchFamily="34" charset="-122"/>
+              </a:rPr>
+              <a:t>服务端调用的</a:t>
+            </a:r>
+            <a:r>
+              <a:rPr lang="en-US" altLang="zh-CN" sz="1600">
+                <a:latin typeface="Ubuntu Mono" panose="020B0509030602030204" pitchFamily="49" charset="0"/>
+                <a:ea typeface="思源黑体 CN Light" panose="020B0300000000000000" pitchFamily="34" charset="-122"/>
+              </a:rPr>
+              <a:t>API</a:t>
+            </a:r>
+            <a:r>
+              <a:rPr lang="zh-CN" altLang="en-US" sz="1600">
+                <a:latin typeface="Ubuntu Mono" panose="020B0509030602030204" pitchFamily="49" charset="0"/>
+                <a:ea typeface="思源黑体 CN Light" panose="020B0300000000000000" pitchFamily="34" charset="-122"/>
+              </a:rPr>
+              <a:t>，通常会这样使用：小程序发起请求到开发者的服务器，在开发者服务会调用此</a:t>
+            </a:r>
+            <a:r>
+              <a:rPr lang="en-US" altLang="zh-CN" sz="1600">
+                <a:latin typeface="Ubuntu Mono" panose="020B0509030602030204" pitchFamily="49" charset="0"/>
+                <a:ea typeface="思源黑体 CN Light" panose="020B0300000000000000" pitchFamily="34" charset="-122"/>
+              </a:rPr>
+              <a:t>API</a:t>
+            </a:r>
+            <a:r>
+              <a:rPr lang="zh-CN" altLang="en-US" sz="1600">
+                <a:latin typeface="Ubuntu Mono" panose="020B0509030602030204" pitchFamily="49" charset="0"/>
+                <a:ea typeface="思源黑体 CN Light" panose="020B0300000000000000" pitchFamily="34" charset="-122"/>
+              </a:rPr>
+              <a:t>并返回结果。</a:t>
+            </a:r>
+          </a:p>
+        </p:txBody>
+      </p:sp>
+      <p:cxnSp>
+        <p:nvCxnSpPr>
+          <p:cNvPr id="24" name="直接箭头连接符 23">
+            <a:extLst>
+              <a:ext uri="{FF2B5EF4-FFF2-40B4-BE49-F238E27FC236}">
+                <a16:creationId xmlns:a16="http://schemas.microsoft.com/office/drawing/2014/main" id="{431BC9BB-0C0E-4E0D-8C49-9DA66AD4C4D4}"/>
+              </a:ext>
+            </a:extLst>
+          </p:cNvPr>
+          <p:cNvCxnSpPr>
+            <a:cxnSpLocks/>
+          </p:cNvCxnSpPr>
+          <p:nvPr/>
+        </p:nvCxnSpPr>
+        <p:spPr>
+          <a:xfrm flipV="1">
+            <a:off x="7293005" y="1857768"/>
+            <a:ext cx="0" cy="1001692"/>
+          </a:xfrm>
+          <a:prstGeom prst="straightConnector1">
+            <a:avLst/>
+          </a:prstGeom>
+          <a:ln>
+            <a:tailEnd type="triangle"/>
+          </a:ln>
+        </p:spPr>
+        <p:style>
+          <a:lnRef idx="1">
+            <a:schemeClr val="dk1"/>
+          </a:lnRef>
+          <a:fillRef idx="0">
+            <a:schemeClr val="dk1"/>
+          </a:fillRef>
+          <a:effectRef idx="0">
+            <a:schemeClr val="dk1"/>
+          </a:effectRef>
+          <a:fontRef idx="minor">
+            <a:schemeClr val="tx1"/>
+          </a:fontRef>
+        </p:style>
+      </p:cxnSp>
+      <p:sp>
+        <p:nvSpPr>
+          <p:cNvPr id="26" name="文本框 25">
+            <a:extLst>
+              <a:ext uri="{FF2B5EF4-FFF2-40B4-BE49-F238E27FC236}">
+                <a16:creationId xmlns:a16="http://schemas.microsoft.com/office/drawing/2014/main" id="{E118B4AE-E509-44C2-9D44-DCC119227CA7}"/>
+              </a:ext>
+            </a:extLst>
+          </p:cNvPr>
+          <p:cNvSpPr txBox="1"/>
+          <p:nvPr/>
+        </p:nvSpPr>
+        <p:spPr>
+          <a:xfrm>
+            <a:off x="6454373" y="2857060"/>
+            <a:ext cx="1898038" cy="584775"/>
+          </a:xfrm>
+          <a:prstGeom prst="rect">
+            <a:avLst/>
+          </a:prstGeom>
+          <a:solidFill>
+            <a:schemeClr val="bg1">
+              <a:lumMod val="95000"/>
+            </a:schemeClr>
+          </a:solidFill>
+          <a:ln>
+            <a:noFill/>
+          </a:ln>
+          <a:effectLst>
+            <a:outerShdw blurRad="50800" dist="38100" dir="5400000" algn="t" rotWithShape="0">
+              <a:prstClr val="black">
+                <a:alpha val="40000"/>
+              </a:prstClr>
+            </a:outerShdw>
+          </a:effectLst>
+        </p:spPr>
+        <p:txBody>
+          <a:bodyPr wrap="square" rtlCol="0">
+            <a:spAutoFit/>
+          </a:bodyPr>
+          <a:lstStyle/>
+          <a:p>
+            <a:r>
+              <a:rPr lang="zh-CN" altLang="en-US" sz="1600">
+                <a:latin typeface="Ubuntu Mono" panose="020B0509030602030204" pitchFamily="49" charset="0"/>
+                <a:ea typeface="思源黑体 CN Light" panose="020B0300000000000000" pitchFamily="34" charset="-122"/>
+              </a:rPr>
+              <a:t>开发者工具的使用说明和下载。</a:t>
+            </a:r>
+          </a:p>
+        </p:txBody>
+      </p:sp>
+      <p:cxnSp>
+        <p:nvCxnSpPr>
+          <p:cNvPr id="27" name="直接箭头连接符 26">
+            <a:extLst>
+              <a:ext uri="{FF2B5EF4-FFF2-40B4-BE49-F238E27FC236}">
+                <a16:creationId xmlns:a16="http://schemas.microsoft.com/office/drawing/2014/main" id="{4D90DF17-27AC-4981-B284-2D7A9BF95896}"/>
+              </a:ext>
+            </a:extLst>
+          </p:cNvPr>
+          <p:cNvCxnSpPr>
+            <a:cxnSpLocks/>
+          </p:cNvCxnSpPr>
+          <p:nvPr/>
+        </p:nvCxnSpPr>
+        <p:spPr>
+          <a:xfrm flipV="1">
+            <a:off x="8535888" y="1856910"/>
+            <a:ext cx="0" cy="2839380"/>
+          </a:xfrm>
+          <a:prstGeom prst="straightConnector1">
+            <a:avLst/>
+          </a:prstGeom>
+          <a:ln>
+            <a:tailEnd type="triangle"/>
+          </a:ln>
+        </p:spPr>
+        <p:style>
+          <a:lnRef idx="1">
+            <a:schemeClr val="dk1"/>
+          </a:lnRef>
+          <a:fillRef idx="0">
+            <a:schemeClr val="dk1"/>
+          </a:fillRef>
+          <a:effectRef idx="0">
+            <a:schemeClr val="dk1"/>
+          </a:effectRef>
+          <a:fontRef idx="minor">
+            <a:schemeClr val="tx1"/>
+          </a:fontRef>
+        </p:style>
+      </p:cxnSp>
+      <p:sp>
+        <p:nvSpPr>
+          <p:cNvPr id="29" name="文本框 28">
+            <a:extLst>
+              <a:ext uri="{FF2B5EF4-FFF2-40B4-BE49-F238E27FC236}">
+                <a16:creationId xmlns:a16="http://schemas.microsoft.com/office/drawing/2014/main" id="{346991D2-B988-4F93-9282-669AC001CF4B}"/>
+              </a:ext>
+            </a:extLst>
+          </p:cNvPr>
+          <p:cNvSpPr txBox="1"/>
+          <p:nvPr/>
+        </p:nvSpPr>
+        <p:spPr>
+          <a:xfrm>
+            <a:off x="7932357" y="4708734"/>
+            <a:ext cx="2378906" cy="830997"/>
+          </a:xfrm>
+          <a:prstGeom prst="rect">
+            <a:avLst/>
+          </a:prstGeom>
+          <a:solidFill>
+            <a:schemeClr val="bg1">
+              <a:lumMod val="95000"/>
+            </a:schemeClr>
+          </a:solidFill>
+          <a:ln>
+            <a:noFill/>
+          </a:ln>
+          <a:effectLst>
+            <a:outerShdw blurRad="50800" dist="38100" dir="5400000" algn="t" rotWithShape="0">
+              <a:prstClr val="black">
+                <a:alpha val="40000"/>
+              </a:prstClr>
+            </a:outerShdw>
+          </a:effectLst>
+        </p:spPr>
+        <p:txBody>
+          <a:bodyPr wrap="square" rtlCol="0">
+            <a:spAutoFit/>
+          </a:bodyPr>
+          <a:lstStyle/>
+          <a:p>
+            <a:r>
+              <a:rPr lang="zh-CN" altLang="en-US" sz="1600">
+                <a:latin typeface="Ubuntu Mono" panose="020B0509030602030204" pitchFamily="49" charset="0"/>
+                <a:ea typeface="思源黑体 CN Light" panose="020B0300000000000000" pitchFamily="34" charset="-122"/>
+              </a:rPr>
+              <a:t>小程序云开发的文档，云函数的编写，云开发的</a:t>
+            </a:r>
+            <a:r>
+              <a:rPr lang="en-US" altLang="zh-CN" sz="1600">
+                <a:latin typeface="Ubuntu Mono" panose="020B0509030602030204" pitchFamily="49" charset="0"/>
+                <a:ea typeface="思源黑体 CN Light" panose="020B0300000000000000" pitchFamily="34" charset="-122"/>
+              </a:rPr>
+              <a:t>API</a:t>
+            </a:r>
+            <a:r>
+              <a:rPr lang="zh-CN" altLang="en-US" sz="1600">
+                <a:latin typeface="Ubuntu Mono" panose="020B0509030602030204" pitchFamily="49" charset="0"/>
+                <a:ea typeface="思源黑体 CN Light" panose="020B0300000000000000" pitchFamily="34" charset="-122"/>
+              </a:rPr>
+              <a:t>等。</a:t>
+            </a:r>
+          </a:p>
+        </p:txBody>
+      </p:sp>
+    </p:spTree>
+    <p:extLst>
+      <p:ext uri="{BB962C8B-B14F-4D97-AF65-F5344CB8AC3E}">
+        <p14:creationId xmlns:p14="http://schemas.microsoft.com/office/powerpoint/2010/main" val="1595890343"/>
       </p:ext>
     </p:extLst>
   </p:cSld>

--- a/materials/ch02/ch02-第一个小程序和相关说明.pptx
+++ b/materials/ch02/ch02-第一个小程序和相关说明.pptx
@@ -22,6 +22,10 @@
     <p:sldId id="272" r:id="rId16"/>
     <p:sldId id="273" r:id="rId17"/>
     <p:sldId id="268" r:id="rId18"/>
+    <p:sldId id="276" r:id="rId19"/>
+    <p:sldId id="277" r:id="rId20"/>
+    <p:sldId id="274" r:id="rId21"/>
+    <p:sldId id="278" r:id="rId22"/>
   </p:sldIdLst>
   <p:sldSz cx="12192000" cy="6858000"/>
   <p:notesSz cx="6858000" cy="9144000"/>
@@ -554,7 +558,7 @@
           <a:p>
             <a:fld id="{10955001-8E90-43AD-87AF-166875BDDBE4}" type="datetimeFigureOut">
               <a:rPr lang="zh-CN" altLang="en-US" smtClean="0"/>
-              <a:t>2020/8/19</a:t>
+              <a:t>2020/8/23</a:t>
             </a:fld>
             <a:endParaRPr lang="zh-CN" altLang="en-US"/>
           </a:p>
@@ -786,7 +790,7 @@
           <a:p>
             <a:fld id="{10955001-8E90-43AD-87AF-166875BDDBE4}" type="datetimeFigureOut">
               <a:rPr lang="zh-CN" altLang="en-US" smtClean="0"/>
-              <a:t>2020/8/19</a:t>
+              <a:t>2020/8/23</a:t>
             </a:fld>
             <a:endParaRPr lang="zh-CN" altLang="en-US"/>
           </a:p>
@@ -1284,7 +1288,7 @@
           <a:p>
             <a:fld id="{10955001-8E90-43AD-87AF-166875BDDBE4}" type="datetimeFigureOut">
               <a:rPr lang="zh-CN" altLang="en-US" smtClean="0"/>
-              <a:t>2020/8/19</a:t>
+              <a:t>2020/8/23</a:t>
             </a:fld>
             <a:endParaRPr lang="zh-CN" altLang="en-US"/>
           </a:p>
@@ -1713,7 +1717,7 @@
           <a:p>
             <a:fld id="{10955001-8E90-43AD-87AF-166875BDDBE4}" type="datetimeFigureOut">
               <a:rPr lang="zh-CN" altLang="en-US" smtClean="0"/>
-              <a:t>2020/8/19</a:t>
+              <a:t>2020/8/23</a:t>
             </a:fld>
             <a:endParaRPr lang="zh-CN" altLang="en-US"/>
           </a:p>
@@ -2230,7 +2234,7 @@
           <a:p>
             <a:fld id="{10955001-8E90-43AD-87AF-166875BDDBE4}" type="datetimeFigureOut">
               <a:rPr lang="zh-CN" altLang="en-US" smtClean="0"/>
-              <a:t>2020/8/19</a:t>
+              <a:t>2020/8/23</a:t>
             </a:fld>
             <a:endParaRPr lang="zh-CN" altLang="en-US"/>
           </a:p>
@@ -2690,7 +2694,7 @@
           <a:p>
             <a:fld id="{10955001-8E90-43AD-87AF-166875BDDBE4}" type="datetimeFigureOut">
               <a:rPr lang="zh-CN" altLang="en-US" smtClean="0"/>
-              <a:t>2020/8/19</a:t>
+              <a:t>2020/8/23</a:t>
             </a:fld>
             <a:endParaRPr lang="zh-CN" altLang="en-US"/>
           </a:p>
@@ -3002,7 +3006,7 @@
           <a:p>
             <a:fld id="{10955001-8E90-43AD-87AF-166875BDDBE4}" type="datetimeFigureOut">
               <a:rPr lang="zh-CN" altLang="en-US" smtClean="0"/>
-              <a:t>2020/8/19</a:t>
+              <a:t>2020/8/23</a:t>
             </a:fld>
             <a:endParaRPr lang="zh-CN" altLang="en-US"/>
           </a:p>
@@ -5502,51 +5506,1051 @@
           </a:xfrm>
         </p:spPr>
       </p:pic>
-      <p:cxnSp>
-        <p:nvCxnSpPr>
-          <p:cNvPr id="7" name="直接箭头连接符 6">
-            <a:extLst>
-              <a:ext uri="{FF2B5EF4-FFF2-40B4-BE49-F238E27FC236}">
-                <a16:creationId xmlns:a16="http://schemas.microsoft.com/office/drawing/2014/main" id="{B2632764-9195-4933-B644-3B040D103250}"/>
-              </a:ext>
-            </a:extLst>
-          </p:cNvPr>
-          <p:cNvCxnSpPr/>
+      <p:grpSp>
+        <p:nvGrpSpPr>
+          <p:cNvPr id="15" name="组合 14">
+            <a:extLst>
+              <a:ext uri="{FF2B5EF4-FFF2-40B4-BE49-F238E27FC236}">
+                <a16:creationId xmlns:a16="http://schemas.microsoft.com/office/drawing/2014/main" id="{66CA24B6-35EF-4D4A-A450-18493F86BC03}"/>
+              </a:ext>
+            </a:extLst>
+          </p:cNvPr>
+          <p:cNvGrpSpPr/>
           <p:nvPr/>
-        </p:nvCxnSpPr>
+        </p:nvGrpSpPr>
+        <p:grpSpPr>
+          <a:xfrm>
+            <a:off x="1198480" y="1846555"/>
+            <a:ext cx="1367163" cy="2946230"/>
+            <a:chOff x="1198480" y="1846555"/>
+            <a:chExt cx="1367163" cy="2946230"/>
+          </a:xfrm>
+        </p:grpSpPr>
+        <p:cxnSp>
+          <p:nvCxnSpPr>
+            <p:cNvPr id="7" name="直接箭头连接符 6">
+              <a:extLst>
+                <a:ext uri="{FF2B5EF4-FFF2-40B4-BE49-F238E27FC236}">
+                  <a16:creationId xmlns:a16="http://schemas.microsoft.com/office/drawing/2014/main" id="{B2632764-9195-4933-B644-3B040D103250}"/>
+                </a:ext>
+              </a:extLst>
+            </p:cNvPr>
+            <p:cNvCxnSpPr/>
+            <p:nvPr/>
+          </p:nvCxnSpPr>
+          <p:spPr>
+            <a:xfrm flipV="1">
+              <a:off x="2086252" y="1846555"/>
+              <a:ext cx="0" cy="2343705"/>
+            </a:xfrm>
+            <a:prstGeom prst="straightConnector1">
+              <a:avLst/>
+            </a:prstGeom>
+            <a:ln>
+              <a:tailEnd type="triangle"/>
+            </a:ln>
+          </p:spPr>
+          <p:style>
+            <a:lnRef idx="1">
+              <a:schemeClr val="dk1"/>
+            </a:lnRef>
+            <a:fillRef idx="0">
+              <a:schemeClr val="dk1"/>
+            </a:fillRef>
+            <a:effectRef idx="0">
+              <a:schemeClr val="dk1"/>
+            </a:effectRef>
+            <a:fontRef idx="minor">
+              <a:schemeClr val="tx1"/>
+            </a:fontRef>
+          </p:style>
+        </p:cxnSp>
+        <p:sp>
+          <p:nvSpPr>
+            <p:cNvPr id="8" name="文本框 7">
+              <a:extLst>
+                <a:ext uri="{FF2B5EF4-FFF2-40B4-BE49-F238E27FC236}">
+                  <a16:creationId xmlns:a16="http://schemas.microsoft.com/office/drawing/2014/main" id="{AB549EE5-6B69-449F-9879-397761B348A4}"/>
+                </a:ext>
+              </a:extLst>
+            </p:cNvPr>
+            <p:cNvSpPr txBox="1"/>
+            <p:nvPr/>
+          </p:nvSpPr>
+          <p:spPr>
+            <a:xfrm>
+              <a:off x="1198480" y="4208010"/>
+              <a:ext cx="1367163" cy="584775"/>
+            </a:xfrm>
+            <a:prstGeom prst="rect">
+              <a:avLst/>
+            </a:prstGeom>
+            <a:solidFill>
+              <a:schemeClr val="bg1">
+                <a:lumMod val="95000"/>
+              </a:schemeClr>
+            </a:solidFill>
+            <a:ln>
+              <a:noFill/>
+            </a:ln>
+            <a:effectLst>
+              <a:outerShdw blurRad="50800" dist="38100" dir="5400000" algn="t" rotWithShape="0">
+                <a:prstClr val="black">
+                  <a:alpha val="40000"/>
+                </a:prstClr>
+              </a:outerShdw>
+            </a:effectLst>
+          </p:spPr>
+          <p:txBody>
+            <a:bodyPr wrap="square" rtlCol="0">
+              <a:spAutoFit/>
+            </a:bodyPr>
+            <a:lstStyle/>
+            <a:p>
+              <a:r>
+                <a:rPr lang="zh-CN" altLang="en-US" sz="1600">
+                  <a:latin typeface="Ubuntu Mono" panose="020B0509030602030204" pitchFamily="49" charset="0"/>
+                  <a:ea typeface="思源黑体 CN Light" panose="020B0300000000000000" pitchFamily="34" charset="-122"/>
+                </a:rPr>
+                <a:t>对小程序整体的概括。</a:t>
+              </a:r>
+            </a:p>
+          </p:txBody>
+        </p:sp>
+      </p:grpSp>
+      <p:grpSp>
+        <p:nvGrpSpPr>
+          <p:cNvPr id="13" name="组合 12">
+            <a:extLst>
+              <a:ext uri="{FF2B5EF4-FFF2-40B4-BE49-F238E27FC236}">
+                <a16:creationId xmlns:a16="http://schemas.microsoft.com/office/drawing/2014/main" id="{81A3250A-A987-4FF5-9B75-304E76982559}"/>
+              </a:ext>
+            </a:extLst>
+          </p:cNvPr>
+          <p:cNvGrpSpPr/>
+          <p:nvPr/>
+        </p:nvGrpSpPr>
+        <p:grpSpPr>
+          <a:xfrm>
+            <a:off x="2175032" y="1848040"/>
+            <a:ext cx="1866092" cy="1852663"/>
+            <a:chOff x="2139520" y="1848040"/>
+            <a:chExt cx="1866092" cy="1852663"/>
+          </a:xfrm>
+        </p:grpSpPr>
+        <p:cxnSp>
+          <p:nvCxnSpPr>
+            <p:cNvPr id="9" name="直接箭头连接符 8">
+              <a:extLst>
+                <a:ext uri="{FF2B5EF4-FFF2-40B4-BE49-F238E27FC236}">
+                  <a16:creationId xmlns:a16="http://schemas.microsoft.com/office/drawing/2014/main" id="{31D6FC4E-79D0-49DB-B8C4-C48A306A165E}"/>
+                </a:ext>
+              </a:extLst>
+            </p:cNvPr>
+            <p:cNvCxnSpPr>
+              <a:cxnSpLocks/>
+            </p:cNvCxnSpPr>
+            <p:nvPr/>
+          </p:nvCxnSpPr>
+          <p:spPr>
+            <a:xfrm flipV="1">
+              <a:off x="3179682" y="1848040"/>
+              <a:ext cx="0" cy="1001692"/>
+            </a:xfrm>
+            <a:prstGeom prst="straightConnector1">
+              <a:avLst/>
+            </a:prstGeom>
+            <a:ln>
+              <a:tailEnd type="triangle"/>
+            </a:ln>
+          </p:spPr>
+          <p:style>
+            <a:lnRef idx="1">
+              <a:schemeClr val="dk1"/>
+            </a:lnRef>
+            <a:fillRef idx="0">
+              <a:schemeClr val="dk1"/>
+            </a:fillRef>
+            <a:effectRef idx="0">
+              <a:schemeClr val="dk1"/>
+            </a:effectRef>
+            <a:fontRef idx="minor">
+              <a:schemeClr val="tx1"/>
+            </a:fontRef>
+          </p:style>
+        </p:cxnSp>
+        <p:sp>
+          <p:nvSpPr>
+            <p:cNvPr id="12" name="文本框 11">
+              <a:extLst>
+                <a:ext uri="{FF2B5EF4-FFF2-40B4-BE49-F238E27FC236}">
+                  <a16:creationId xmlns:a16="http://schemas.microsoft.com/office/drawing/2014/main" id="{C49878CE-4D11-497D-A42B-DF75C00CBE53}"/>
+                </a:ext>
+              </a:extLst>
+            </p:cNvPr>
+            <p:cNvSpPr txBox="1"/>
+            <p:nvPr/>
+          </p:nvSpPr>
+          <p:spPr>
+            <a:xfrm>
+              <a:off x="2139520" y="2869706"/>
+              <a:ext cx="1866092" cy="830997"/>
+            </a:xfrm>
+            <a:prstGeom prst="rect">
+              <a:avLst/>
+            </a:prstGeom>
+            <a:solidFill>
+              <a:schemeClr val="bg1">
+                <a:lumMod val="95000"/>
+              </a:schemeClr>
+            </a:solidFill>
+            <a:ln>
+              <a:noFill/>
+            </a:ln>
+            <a:effectLst>
+              <a:outerShdw blurRad="50800" dist="38100" dir="5400000" algn="t" rotWithShape="0">
+                <a:prstClr val="black">
+                  <a:alpha val="40000"/>
+                </a:prstClr>
+              </a:outerShdw>
+            </a:effectLst>
+          </p:spPr>
+          <p:txBody>
+            <a:bodyPr wrap="square" rtlCol="0">
+              <a:spAutoFit/>
+            </a:bodyPr>
+            <a:lstStyle/>
+            <a:p>
+              <a:r>
+                <a:rPr lang="zh-CN" altLang="en-US" sz="1600">
+                  <a:latin typeface="Ubuntu Mono" panose="020B0509030602030204" pitchFamily="49" charset="0"/>
+                  <a:ea typeface="思源黑体 CN Light" panose="020B0300000000000000" pitchFamily="34" charset="-122"/>
+                </a:rPr>
+                <a:t>整体运行机制，</a:t>
+              </a:r>
+              <a:r>
+                <a:rPr lang="en-US" altLang="zh-CN" sz="1600">
+                  <a:latin typeface="Ubuntu Mono" panose="020B0509030602030204" pitchFamily="49" charset="0"/>
+                  <a:ea typeface="思源黑体 CN Light" panose="020B0300000000000000" pitchFamily="34" charset="-122"/>
+                </a:rPr>
+                <a:t>wxml</a:t>
+              </a:r>
+              <a:r>
+                <a:rPr lang="zh-CN" altLang="en-US" sz="1600">
+                  <a:latin typeface="Ubuntu Mono" panose="020B0509030602030204" pitchFamily="49" charset="0"/>
+                  <a:ea typeface="思源黑体 CN Light" panose="020B0300000000000000" pitchFamily="34" charset="-122"/>
+                </a:rPr>
+                <a:t>语法参考，全局配置等。</a:t>
+              </a:r>
+            </a:p>
+          </p:txBody>
+        </p:sp>
+      </p:grpSp>
+      <p:grpSp>
+        <p:nvGrpSpPr>
+          <p:cNvPr id="17" name="组合 16">
+            <a:extLst>
+              <a:ext uri="{FF2B5EF4-FFF2-40B4-BE49-F238E27FC236}">
+                <a16:creationId xmlns:a16="http://schemas.microsoft.com/office/drawing/2014/main" id="{DC5DBBCE-2699-44C3-BB77-A60D5C8A88DC}"/>
+              </a:ext>
+            </a:extLst>
+          </p:cNvPr>
+          <p:cNvGrpSpPr/>
+          <p:nvPr/>
+        </p:nvGrpSpPr>
+        <p:grpSpPr>
+          <a:xfrm>
+            <a:off x="2894128" y="1848030"/>
+            <a:ext cx="2010358" cy="3675282"/>
+            <a:chOff x="2894128" y="1848030"/>
+            <a:chExt cx="2010358" cy="3675282"/>
+          </a:xfrm>
+        </p:grpSpPr>
+        <p:cxnSp>
+          <p:nvCxnSpPr>
+            <p:cNvPr id="14" name="直接箭头连接符 13">
+              <a:extLst>
+                <a:ext uri="{FF2B5EF4-FFF2-40B4-BE49-F238E27FC236}">
+                  <a16:creationId xmlns:a16="http://schemas.microsoft.com/office/drawing/2014/main" id="{A48747E2-8877-43FA-9462-9897133154CE}"/>
+                </a:ext>
+              </a:extLst>
+            </p:cNvPr>
+            <p:cNvCxnSpPr>
+              <a:cxnSpLocks/>
+            </p:cNvCxnSpPr>
+            <p:nvPr/>
+          </p:nvCxnSpPr>
+          <p:spPr>
+            <a:xfrm flipV="1">
+              <a:off x="4147352" y="1848030"/>
+              <a:ext cx="0" cy="2839380"/>
+            </a:xfrm>
+            <a:prstGeom prst="straightConnector1">
+              <a:avLst/>
+            </a:prstGeom>
+            <a:ln>
+              <a:tailEnd type="triangle"/>
+            </a:ln>
+          </p:spPr>
+          <p:style>
+            <a:lnRef idx="1">
+              <a:schemeClr val="dk1"/>
+            </a:lnRef>
+            <a:fillRef idx="0">
+              <a:schemeClr val="dk1"/>
+            </a:fillRef>
+            <a:effectRef idx="0">
+              <a:schemeClr val="dk1"/>
+            </a:effectRef>
+            <a:fontRef idx="minor">
+              <a:schemeClr val="tx1"/>
+            </a:fontRef>
+          </p:style>
+        </p:cxnSp>
+        <p:sp>
+          <p:nvSpPr>
+            <p:cNvPr id="16" name="文本框 15">
+              <a:extLst>
+                <a:ext uri="{FF2B5EF4-FFF2-40B4-BE49-F238E27FC236}">
+                  <a16:creationId xmlns:a16="http://schemas.microsoft.com/office/drawing/2014/main" id="{6051A877-07A8-4DD8-8211-4137382C7A1E}"/>
+                </a:ext>
+              </a:extLst>
+            </p:cNvPr>
+            <p:cNvSpPr txBox="1"/>
+            <p:nvPr/>
+          </p:nvSpPr>
+          <p:spPr>
+            <a:xfrm>
+              <a:off x="2894128" y="4692315"/>
+              <a:ext cx="2010358" cy="830997"/>
+            </a:xfrm>
+            <a:prstGeom prst="rect">
+              <a:avLst/>
+            </a:prstGeom>
+            <a:solidFill>
+              <a:schemeClr val="bg1">
+                <a:lumMod val="95000"/>
+              </a:schemeClr>
+            </a:solidFill>
+            <a:ln>
+              <a:noFill/>
+            </a:ln>
+            <a:effectLst>
+              <a:outerShdw blurRad="50800" dist="38100" dir="5400000" algn="t" rotWithShape="0">
+                <a:prstClr val="black">
+                  <a:alpha val="40000"/>
+                </a:prstClr>
+              </a:outerShdw>
+            </a:effectLst>
+          </p:spPr>
+          <p:txBody>
+            <a:bodyPr wrap="square" rtlCol="0">
+              <a:spAutoFit/>
+            </a:bodyPr>
+            <a:lstStyle/>
+            <a:p>
+              <a:r>
+                <a:rPr lang="en-US" altLang="zh-CN" sz="1600">
+                  <a:latin typeface="Ubuntu Mono" panose="020B0509030602030204" pitchFamily="49" charset="0"/>
+                  <a:ea typeface="思源黑体 CN Light" panose="020B0300000000000000" pitchFamily="34" charset="-122"/>
+                </a:rPr>
+                <a:t>wxml</a:t>
+              </a:r>
+              <a:r>
+                <a:rPr lang="zh-CN" altLang="en-US" sz="1600">
+                  <a:latin typeface="Ubuntu Mono" panose="020B0509030602030204" pitchFamily="49" charset="0"/>
+                  <a:ea typeface="思源黑体 CN Light" panose="020B0300000000000000" pitchFamily="34" charset="-122"/>
+                </a:rPr>
+                <a:t>中使用的组件，一些复杂的组件还要配合</a:t>
+              </a:r>
+              <a:r>
+                <a:rPr lang="en-US" altLang="zh-CN" sz="1600">
+                  <a:latin typeface="Ubuntu Mono" panose="020B0509030602030204" pitchFamily="49" charset="0"/>
+                  <a:ea typeface="思源黑体 CN Light" panose="020B0300000000000000" pitchFamily="34" charset="-122"/>
+                </a:rPr>
+                <a:t>API</a:t>
+              </a:r>
+              <a:r>
+                <a:rPr lang="zh-CN" altLang="en-US" sz="1600">
+                  <a:latin typeface="Ubuntu Mono" panose="020B0509030602030204" pitchFamily="49" charset="0"/>
+                  <a:ea typeface="思源黑体 CN Light" panose="020B0300000000000000" pitchFamily="34" charset="-122"/>
+                </a:rPr>
+                <a:t>来使用。</a:t>
+              </a:r>
+            </a:p>
+          </p:txBody>
+        </p:sp>
+      </p:grpSp>
+      <p:grpSp>
+        <p:nvGrpSpPr>
+          <p:cNvPr id="10" name="组合 9">
+            <a:extLst>
+              <a:ext uri="{FF2B5EF4-FFF2-40B4-BE49-F238E27FC236}">
+                <a16:creationId xmlns:a16="http://schemas.microsoft.com/office/drawing/2014/main" id="{F6DB90BA-60E1-40C5-A47E-0E457B87D98E}"/>
+              </a:ext>
+            </a:extLst>
+          </p:cNvPr>
+          <p:cNvGrpSpPr/>
+          <p:nvPr/>
+        </p:nvGrpSpPr>
+        <p:grpSpPr>
+          <a:xfrm>
+            <a:off x="4304498" y="1838533"/>
+            <a:ext cx="1898038" cy="2080979"/>
+            <a:chOff x="4197962" y="1856289"/>
+            <a:chExt cx="1898038" cy="2080979"/>
+          </a:xfrm>
+        </p:grpSpPr>
+        <p:cxnSp>
+          <p:nvCxnSpPr>
+            <p:cNvPr id="18" name="直接箭头连接符 17">
+              <a:extLst>
+                <a:ext uri="{FF2B5EF4-FFF2-40B4-BE49-F238E27FC236}">
+                  <a16:creationId xmlns:a16="http://schemas.microsoft.com/office/drawing/2014/main" id="{D04B061D-B783-455D-80B4-43CDAEA1DDA0}"/>
+                </a:ext>
+              </a:extLst>
+            </p:cNvPr>
+            <p:cNvCxnSpPr>
+              <a:cxnSpLocks/>
+            </p:cNvCxnSpPr>
+            <p:nvPr/>
+          </p:nvCxnSpPr>
+          <p:spPr>
+            <a:xfrm flipV="1">
+              <a:off x="5178637" y="1856289"/>
+              <a:ext cx="0" cy="1001692"/>
+            </a:xfrm>
+            <a:prstGeom prst="straightConnector1">
+              <a:avLst/>
+            </a:prstGeom>
+            <a:ln>
+              <a:tailEnd type="triangle"/>
+            </a:ln>
+          </p:spPr>
+          <p:style>
+            <a:lnRef idx="1">
+              <a:schemeClr val="dk1"/>
+            </a:lnRef>
+            <a:fillRef idx="0">
+              <a:schemeClr val="dk1"/>
+            </a:fillRef>
+            <a:effectRef idx="0">
+              <a:schemeClr val="dk1"/>
+            </a:effectRef>
+            <a:fontRef idx="minor">
+              <a:schemeClr val="tx1"/>
+            </a:fontRef>
+          </p:style>
+        </p:cxnSp>
+        <p:sp>
+          <p:nvSpPr>
+            <p:cNvPr id="20" name="文本框 19">
+              <a:extLst>
+                <a:ext uri="{FF2B5EF4-FFF2-40B4-BE49-F238E27FC236}">
+                  <a16:creationId xmlns:a16="http://schemas.microsoft.com/office/drawing/2014/main" id="{C8AA54EF-0471-4F2C-B214-CAAC0BB41229}"/>
+                </a:ext>
+              </a:extLst>
+            </p:cNvPr>
+            <p:cNvSpPr txBox="1"/>
+            <p:nvPr/>
+          </p:nvSpPr>
+          <p:spPr>
+            <a:xfrm>
+              <a:off x="4197962" y="2860050"/>
+              <a:ext cx="1898038" cy="1077218"/>
+            </a:xfrm>
+            <a:prstGeom prst="rect">
+              <a:avLst/>
+            </a:prstGeom>
+            <a:solidFill>
+              <a:schemeClr val="bg1">
+                <a:lumMod val="95000"/>
+              </a:schemeClr>
+            </a:solidFill>
+            <a:ln>
+              <a:noFill/>
+            </a:ln>
+            <a:effectLst>
+              <a:outerShdw blurRad="50800" dist="38100" dir="5400000" algn="t" rotWithShape="0">
+                <a:prstClr val="black">
+                  <a:alpha val="40000"/>
+                </a:prstClr>
+              </a:outerShdw>
+            </a:effectLst>
+          </p:spPr>
+          <p:txBody>
+            <a:bodyPr wrap="square" rtlCol="0">
+              <a:spAutoFit/>
+            </a:bodyPr>
+            <a:lstStyle/>
+            <a:p>
+              <a:r>
+                <a:rPr lang="zh-CN" altLang="en-US" sz="1600">
+                  <a:latin typeface="Ubuntu Mono" panose="020B0509030602030204" pitchFamily="49" charset="0"/>
+                  <a:ea typeface="思源黑体 CN Light" panose="020B0300000000000000" pitchFamily="34" charset="-122"/>
+                </a:rPr>
+                <a:t>页面</a:t>
+              </a:r>
+              <a:r>
+                <a:rPr lang="en-US" altLang="zh-CN" sz="1600">
+                  <a:latin typeface="Ubuntu Mono" panose="020B0509030602030204" pitchFamily="49" charset="0"/>
+                  <a:ea typeface="思源黑体 CN Light" panose="020B0300000000000000" pitchFamily="34" charset="-122"/>
+                </a:rPr>
+                <a:t>js</a:t>
+              </a:r>
+              <a:r>
+                <a:rPr lang="zh-CN" altLang="en-US" sz="1600">
+                  <a:latin typeface="Ubuntu Mono" panose="020B0509030602030204" pitchFamily="49" charset="0"/>
+                  <a:ea typeface="思源黑体 CN Light" panose="020B0300000000000000" pitchFamily="34" charset="-122"/>
+                </a:rPr>
+                <a:t>文件中可以调用的</a:t>
+              </a:r>
+              <a:r>
+                <a:rPr lang="en-US" altLang="zh-CN" sz="1600">
+                  <a:latin typeface="Ubuntu Mono" panose="020B0509030602030204" pitchFamily="49" charset="0"/>
+                  <a:ea typeface="思源黑体 CN Light" panose="020B0300000000000000" pitchFamily="34" charset="-122"/>
+                </a:rPr>
+                <a:t>API</a:t>
+              </a:r>
+              <a:r>
+                <a:rPr lang="zh-CN" altLang="en-US" sz="1600">
+                  <a:latin typeface="Ubuntu Mono" panose="020B0509030602030204" pitchFamily="49" charset="0"/>
+                  <a:ea typeface="思源黑体 CN Light" panose="020B0300000000000000" pitchFamily="34" charset="-122"/>
+                </a:rPr>
+                <a:t>，比如获取设备信息，发起远程请求。</a:t>
+              </a:r>
+            </a:p>
+          </p:txBody>
+        </p:sp>
+      </p:grpSp>
+      <p:grpSp>
+        <p:nvGrpSpPr>
+          <p:cNvPr id="6" name="组合 5">
+            <a:extLst>
+              <a:ext uri="{FF2B5EF4-FFF2-40B4-BE49-F238E27FC236}">
+                <a16:creationId xmlns:a16="http://schemas.microsoft.com/office/drawing/2014/main" id="{D18F949A-F959-4D6F-AA39-9F3ACE8BCE31}"/>
+              </a:ext>
+            </a:extLst>
+          </p:cNvPr>
+          <p:cNvGrpSpPr/>
+          <p:nvPr/>
+        </p:nvGrpSpPr>
+        <p:grpSpPr>
+          <a:xfrm>
+            <a:off x="5178799" y="1828799"/>
+            <a:ext cx="2378906" cy="4167862"/>
+            <a:chOff x="5187677" y="1864311"/>
+            <a:chExt cx="2378906" cy="4167862"/>
+          </a:xfrm>
+        </p:grpSpPr>
+        <p:cxnSp>
+          <p:nvCxnSpPr>
+            <p:cNvPr id="21" name="直接箭头连接符 20">
+              <a:extLst>
+                <a:ext uri="{FF2B5EF4-FFF2-40B4-BE49-F238E27FC236}">
+                  <a16:creationId xmlns:a16="http://schemas.microsoft.com/office/drawing/2014/main" id="{9B7A57E4-3BF2-4FA2-9869-D97916F1906E}"/>
+                </a:ext>
+              </a:extLst>
+            </p:cNvPr>
+            <p:cNvCxnSpPr>
+              <a:cxnSpLocks/>
+            </p:cNvCxnSpPr>
+            <p:nvPr/>
+          </p:nvCxnSpPr>
+          <p:spPr>
+            <a:xfrm flipV="1">
+              <a:off x="6377130" y="1864311"/>
+              <a:ext cx="0" cy="2839380"/>
+            </a:xfrm>
+            <a:prstGeom prst="straightConnector1">
+              <a:avLst/>
+            </a:prstGeom>
+            <a:ln>
+              <a:tailEnd type="triangle"/>
+            </a:ln>
+          </p:spPr>
+          <p:style>
+            <a:lnRef idx="1">
+              <a:schemeClr val="dk1"/>
+            </a:lnRef>
+            <a:fillRef idx="0">
+              <a:schemeClr val="dk1"/>
+            </a:fillRef>
+            <a:effectRef idx="0">
+              <a:schemeClr val="dk1"/>
+            </a:effectRef>
+            <a:fontRef idx="minor">
+              <a:schemeClr val="tx1"/>
+            </a:fontRef>
+          </p:style>
+        </p:cxnSp>
+        <p:sp>
+          <p:nvSpPr>
+            <p:cNvPr id="23" name="文本框 22">
+              <a:extLst>
+                <a:ext uri="{FF2B5EF4-FFF2-40B4-BE49-F238E27FC236}">
+                  <a16:creationId xmlns:a16="http://schemas.microsoft.com/office/drawing/2014/main" id="{1FB56772-379F-48A2-A38A-B6EB3C9B6472}"/>
+                </a:ext>
+              </a:extLst>
+            </p:cNvPr>
+            <p:cNvSpPr txBox="1"/>
+            <p:nvPr/>
+          </p:nvSpPr>
+          <p:spPr>
+            <a:xfrm>
+              <a:off x="5187677" y="4708734"/>
+              <a:ext cx="2378906" cy="1323439"/>
+            </a:xfrm>
+            <a:prstGeom prst="rect">
+              <a:avLst/>
+            </a:prstGeom>
+            <a:solidFill>
+              <a:schemeClr val="bg1">
+                <a:lumMod val="95000"/>
+              </a:schemeClr>
+            </a:solidFill>
+            <a:ln>
+              <a:noFill/>
+            </a:ln>
+            <a:effectLst>
+              <a:outerShdw blurRad="50800" dist="38100" dir="5400000" algn="t" rotWithShape="0">
+                <a:prstClr val="black">
+                  <a:alpha val="40000"/>
+                </a:prstClr>
+              </a:outerShdw>
+            </a:effectLst>
+          </p:spPr>
+          <p:txBody>
+            <a:bodyPr wrap="square" rtlCol="0">
+              <a:spAutoFit/>
+            </a:bodyPr>
+            <a:lstStyle/>
+            <a:p>
+              <a:r>
+                <a:rPr lang="zh-CN" altLang="en-US" sz="1600">
+                  <a:latin typeface="Ubuntu Mono" panose="020B0509030602030204" pitchFamily="49" charset="0"/>
+                  <a:ea typeface="思源黑体 CN Light" panose="020B0300000000000000" pitchFamily="34" charset="-122"/>
+                </a:rPr>
+                <a:t>服务端调用的</a:t>
+              </a:r>
+              <a:r>
+                <a:rPr lang="en-US" altLang="zh-CN" sz="1600">
+                  <a:latin typeface="Ubuntu Mono" panose="020B0509030602030204" pitchFamily="49" charset="0"/>
+                  <a:ea typeface="思源黑体 CN Light" panose="020B0300000000000000" pitchFamily="34" charset="-122"/>
+                </a:rPr>
+                <a:t>API</a:t>
+              </a:r>
+              <a:r>
+                <a:rPr lang="zh-CN" altLang="en-US" sz="1600">
+                  <a:latin typeface="Ubuntu Mono" panose="020B0509030602030204" pitchFamily="49" charset="0"/>
+                  <a:ea typeface="思源黑体 CN Light" panose="020B0300000000000000" pitchFamily="34" charset="-122"/>
+                </a:rPr>
+                <a:t>，通常会这样使用：小程序发起请求到开发者的服务器，在开发者服务会调用此</a:t>
+              </a:r>
+              <a:r>
+                <a:rPr lang="en-US" altLang="zh-CN" sz="1600">
+                  <a:latin typeface="Ubuntu Mono" panose="020B0509030602030204" pitchFamily="49" charset="0"/>
+                  <a:ea typeface="思源黑体 CN Light" panose="020B0300000000000000" pitchFamily="34" charset="-122"/>
+                </a:rPr>
+                <a:t>API</a:t>
+              </a:r>
+              <a:r>
+                <a:rPr lang="zh-CN" altLang="en-US" sz="1600">
+                  <a:latin typeface="Ubuntu Mono" panose="020B0509030602030204" pitchFamily="49" charset="0"/>
+                  <a:ea typeface="思源黑体 CN Light" panose="020B0300000000000000" pitchFamily="34" charset="-122"/>
+                </a:rPr>
+                <a:t>并返回结果。</a:t>
+              </a:r>
+            </a:p>
+          </p:txBody>
+        </p:sp>
+      </p:grpSp>
+      <p:grpSp>
+        <p:nvGrpSpPr>
+          <p:cNvPr id="4" name="组合 3">
+            <a:extLst>
+              <a:ext uri="{FF2B5EF4-FFF2-40B4-BE49-F238E27FC236}">
+                <a16:creationId xmlns:a16="http://schemas.microsoft.com/office/drawing/2014/main" id="{C3441B90-E788-4501-94A2-90564569C4E6}"/>
+              </a:ext>
+            </a:extLst>
+          </p:cNvPr>
+          <p:cNvGrpSpPr/>
+          <p:nvPr/>
+        </p:nvGrpSpPr>
+        <p:grpSpPr>
+          <a:xfrm>
+            <a:off x="6525397" y="1848890"/>
+            <a:ext cx="1898038" cy="1584067"/>
+            <a:chOff x="6454373" y="1857768"/>
+            <a:chExt cx="1898038" cy="1584067"/>
+          </a:xfrm>
+        </p:grpSpPr>
+        <p:cxnSp>
+          <p:nvCxnSpPr>
+            <p:cNvPr id="24" name="直接箭头连接符 23">
+              <a:extLst>
+                <a:ext uri="{FF2B5EF4-FFF2-40B4-BE49-F238E27FC236}">
+                  <a16:creationId xmlns:a16="http://schemas.microsoft.com/office/drawing/2014/main" id="{431BC9BB-0C0E-4E0D-8C49-9DA66AD4C4D4}"/>
+                </a:ext>
+              </a:extLst>
+            </p:cNvPr>
+            <p:cNvCxnSpPr>
+              <a:cxnSpLocks/>
+            </p:cNvCxnSpPr>
+            <p:nvPr/>
+          </p:nvCxnSpPr>
+          <p:spPr>
+            <a:xfrm flipV="1">
+              <a:off x="7293005" y="1857768"/>
+              <a:ext cx="0" cy="1001692"/>
+            </a:xfrm>
+            <a:prstGeom prst="straightConnector1">
+              <a:avLst/>
+            </a:prstGeom>
+            <a:ln>
+              <a:tailEnd type="triangle"/>
+            </a:ln>
+          </p:spPr>
+          <p:style>
+            <a:lnRef idx="1">
+              <a:schemeClr val="dk1"/>
+            </a:lnRef>
+            <a:fillRef idx="0">
+              <a:schemeClr val="dk1"/>
+            </a:fillRef>
+            <a:effectRef idx="0">
+              <a:schemeClr val="dk1"/>
+            </a:effectRef>
+            <a:fontRef idx="minor">
+              <a:schemeClr val="tx1"/>
+            </a:fontRef>
+          </p:style>
+        </p:cxnSp>
+        <p:sp>
+          <p:nvSpPr>
+            <p:cNvPr id="26" name="文本框 25">
+              <a:extLst>
+                <a:ext uri="{FF2B5EF4-FFF2-40B4-BE49-F238E27FC236}">
+                  <a16:creationId xmlns:a16="http://schemas.microsoft.com/office/drawing/2014/main" id="{E118B4AE-E509-44C2-9D44-DCC119227CA7}"/>
+                </a:ext>
+              </a:extLst>
+            </p:cNvPr>
+            <p:cNvSpPr txBox="1"/>
+            <p:nvPr/>
+          </p:nvSpPr>
+          <p:spPr>
+            <a:xfrm>
+              <a:off x="6454373" y="2857060"/>
+              <a:ext cx="1898038" cy="584775"/>
+            </a:xfrm>
+            <a:prstGeom prst="rect">
+              <a:avLst/>
+            </a:prstGeom>
+            <a:solidFill>
+              <a:schemeClr val="bg1">
+                <a:lumMod val="95000"/>
+              </a:schemeClr>
+            </a:solidFill>
+            <a:ln>
+              <a:noFill/>
+            </a:ln>
+            <a:effectLst>
+              <a:outerShdw blurRad="50800" dist="38100" dir="5400000" algn="t" rotWithShape="0">
+                <a:prstClr val="black">
+                  <a:alpha val="40000"/>
+                </a:prstClr>
+              </a:outerShdw>
+            </a:effectLst>
+          </p:spPr>
+          <p:txBody>
+            <a:bodyPr wrap="square" rtlCol="0">
+              <a:spAutoFit/>
+            </a:bodyPr>
+            <a:lstStyle/>
+            <a:p>
+              <a:r>
+                <a:rPr lang="zh-CN" altLang="en-US" sz="1600">
+                  <a:latin typeface="Ubuntu Mono" panose="020B0509030602030204" pitchFamily="49" charset="0"/>
+                  <a:ea typeface="思源黑体 CN Light" panose="020B0300000000000000" pitchFamily="34" charset="-122"/>
+                </a:rPr>
+                <a:t>开发者工具的使用说明和下载。</a:t>
+              </a:r>
+            </a:p>
+          </p:txBody>
+        </p:sp>
+      </p:grpSp>
+      <p:grpSp>
+        <p:nvGrpSpPr>
+          <p:cNvPr id="3" name="组合 2">
+            <a:extLst>
+              <a:ext uri="{FF2B5EF4-FFF2-40B4-BE49-F238E27FC236}">
+                <a16:creationId xmlns:a16="http://schemas.microsoft.com/office/drawing/2014/main" id="{77F809B8-D87B-451D-BF04-CD10499A7E75}"/>
+              </a:ext>
+            </a:extLst>
+          </p:cNvPr>
+          <p:cNvGrpSpPr/>
+          <p:nvPr/>
+        </p:nvGrpSpPr>
+        <p:grpSpPr>
+          <a:xfrm>
+            <a:off x="7958991" y="1856910"/>
+            <a:ext cx="2378906" cy="3682821"/>
+            <a:chOff x="7932357" y="1856910"/>
+            <a:chExt cx="2378906" cy="3682821"/>
+          </a:xfrm>
+        </p:grpSpPr>
+        <p:cxnSp>
+          <p:nvCxnSpPr>
+            <p:cNvPr id="27" name="直接箭头连接符 26">
+              <a:extLst>
+                <a:ext uri="{FF2B5EF4-FFF2-40B4-BE49-F238E27FC236}">
+                  <a16:creationId xmlns:a16="http://schemas.microsoft.com/office/drawing/2014/main" id="{4D90DF17-27AC-4981-B284-2D7A9BF95896}"/>
+                </a:ext>
+              </a:extLst>
+            </p:cNvPr>
+            <p:cNvCxnSpPr>
+              <a:cxnSpLocks/>
+            </p:cNvCxnSpPr>
+            <p:nvPr/>
+          </p:nvCxnSpPr>
+          <p:spPr>
+            <a:xfrm flipV="1">
+              <a:off x="8535888" y="1856910"/>
+              <a:ext cx="0" cy="2839380"/>
+            </a:xfrm>
+            <a:prstGeom prst="straightConnector1">
+              <a:avLst/>
+            </a:prstGeom>
+            <a:ln>
+              <a:tailEnd type="triangle"/>
+            </a:ln>
+          </p:spPr>
+          <p:style>
+            <a:lnRef idx="1">
+              <a:schemeClr val="dk1"/>
+            </a:lnRef>
+            <a:fillRef idx="0">
+              <a:schemeClr val="dk1"/>
+            </a:fillRef>
+            <a:effectRef idx="0">
+              <a:schemeClr val="dk1"/>
+            </a:effectRef>
+            <a:fontRef idx="minor">
+              <a:schemeClr val="tx1"/>
+            </a:fontRef>
+          </p:style>
+        </p:cxnSp>
+        <p:sp>
+          <p:nvSpPr>
+            <p:cNvPr id="29" name="文本框 28">
+              <a:extLst>
+                <a:ext uri="{FF2B5EF4-FFF2-40B4-BE49-F238E27FC236}">
+                  <a16:creationId xmlns:a16="http://schemas.microsoft.com/office/drawing/2014/main" id="{346991D2-B988-4F93-9282-669AC001CF4B}"/>
+                </a:ext>
+              </a:extLst>
+            </p:cNvPr>
+            <p:cNvSpPr txBox="1"/>
+            <p:nvPr/>
+          </p:nvSpPr>
+          <p:spPr>
+            <a:xfrm>
+              <a:off x="7932357" y="4708734"/>
+              <a:ext cx="2378906" cy="830997"/>
+            </a:xfrm>
+            <a:prstGeom prst="rect">
+              <a:avLst/>
+            </a:prstGeom>
+            <a:solidFill>
+              <a:schemeClr val="bg1">
+                <a:lumMod val="95000"/>
+              </a:schemeClr>
+            </a:solidFill>
+            <a:ln>
+              <a:noFill/>
+            </a:ln>
+            <a:effectLst>
+              <a:outerShdw blurRad="50800" dist="38100" dir="5400000" algn="t" rotWithShape="0">
+                <a:prstClr val="black">
+                  <a:alpha val="40000"/>
+                </a:prstClr>
+              </a:outerShdw>
+            </a:effectLst>
+          </p:spPr>
+          <p:txBody>
+            <a:bodyPr wrap="square" rtlCol="0">
+              <a:spAutoFit/>
+            </a:bodyPr>
+            <a:lstStyle/>
+            <a:p>
+              <a:r>
+                <a:rPr lang="zh-CN" altLang="en-US" sz="1600">
+                  <a:latin typeface="Ubuntu Mono" panose="020B0509030602030204" pitchFamily="49" charset="0"/>
+                  <a:ea typeface="思源黑体 CN Light" panose="020B0300000000000000" pitchFamily="34" charset="-122"/>
+                </a:rPr>
+                <a:t>小程序云开发的文档，云函数的编写，云开发的</a:t>
+              </a:r>
+              <a:r>
+                <a:rPr lang="en-US" altLang="zh-CN" sz="1600">
+                  <a:latin typeface="Ubuntu Mono" panose="020B0509030602030204" pitchFamily="49" charset="0"/>
+                  <a:ea typeface="思源黑体 CN Light" panose="020B0300000000000000" pitchFamily="34" charset="-122"/>
+                </a:rPr>
+                <a:t>API</a:t>
+              </a:r>
+              <a:r>
+                <a:rPr lang="zh-CN" altLang="en-US" sz="1600">
+                  <a:latin typeface="Ubuntu Mono" panose="020B0509030602030204" pitchFamily="49" charset="0"/>
+                  <a:ea typeface="思源黑体 CN Light" panose="020B0300000000000000" pitchFamily="34" charset="-122"/>
+                </a:rPr>
+                <a:t>等。</a:t>
+              </a:r>
+            </a:p>
+          </p:txBody>
+        </p:sp>
+      </p:grpSp>
+    </p:spTree>
+    <p:extLst>
+      <p:ext uri="{BB962C8B-B14F-4D97-AF65-F5344CB8AC3E}">
+        <p14:creationId xmlns:p14="http://schemas.microsoft.com/office/powerpoint/2010/main" val="1595890343"/>
+      </p:ext>
+    </p:extLst>
+  </p:cSld>
+  <p:clrMapOvr>
+    <a:masterClrMapping/>
+  </p:clrMapOvr>
+</p:sld>
+</file>
+
+<file path=ppt/slides/slide18.xml><?xml version="1.0" encoding="utf-8"?>
+<p:sld xmlns:a="http://schemas.openxmlformats.org/drawingml/2006/main" xmlns:r="http://schemas.openxmlformats.org/officeDocument/2006/relationships" xmlns:p="http://schemas.openxmlformats.org/presentationml/2006/main">
+  <p:cSld>
+    <p:spTree>
+      <p:nvGrpSpPr>
+        <p:cNvPr id="1" name=""/>
+        <p:cNvGrpSpPr/>
+        <p:nvPr/>
+      </p:nvGrpSpPr>
+      <p:grpSpPr>
+        <a:xfrm>
+          <a:off x="0" y="0"/>
+          <a:ext cx="0" cy="0"/>
+          <a:chOff x="0" y="0"/>
+          <a:chExt cx="0" cy="0"/>
+        </a:xfrm>
+      </p:grpSpPr>
+      <p:sp>
+        <p:nvSpPr>
+          <p:cNvPr id="2" name="标题 1">
+            <a:extLst>
+              <a:ext uri="{FF2B5EF4-FFF2-40B4-BE49-F238E27FC236}">
+                <a16:creationId xmlns:a16="http://schemas.microsoft.com/office/drawing/2014/main" id="{17E4B6AC-4C46-49E4-8164-464675BC9B9E}"/>
+              </a:ext>
+            </a:extLst>
+          </p:cNvPr>
+          <p:cNvSpPr>
+            <a:spLocks noGrp="1"/>
+          </p:cNvSpPr>
+          <p:nvPr>
+            <p:ph type="title"/>
+          </p:nvPr>
+        </p:nvSpPr>
+        <p:spPr/>
+        <p:txBody>
+          <a:bodyPr/>
+          <a:lstStyle/>
+          <a:p>
+            <a:r>
+              <a:rPr lang="zh-CN" altLang="en-US"/>
+              <a:t>网络</a:t>
+            </a:r>
+            <a:r>
+              <a:rPr lang="en-US" altLang="zh-CN"/>
+              <a:t>API</a:t>
+            </a:r>
+            <a:r>
+              <a:rPr lang="zh-CN" altLang="en-US"/>
+              <a:t>示例</a:t>
+            </a:r>
+          </a:p>
+        </p:txBody>
+      </p:sp>
+      <p:pic>
+        <p:nvPicPr>
+          <p:cNvPr id="4" name="内容占位符 4">
+            <a:extLst>
+              <a:ext uri="{FF2B5EF4-FFF2-40B4-BE49-F238E27FC236}">
+                <a16:creationId xmlns:a16="http://schemas.microsoft.com/office/drawing/2014/main" id="{88704536-6C0B-409F-B270-08169D2F8A74}"/>
+              </a:ext>
+            </a:extLst>
+          </p:cNvPr>
+          <p:cNvPicPr>
+            <a:picLocks noChangeAspect="1"/>
+          </p:cNvPicPr>
+          <p:nvPr/>
+        </p:nvPicPr>
+        <p:blipFill>
+          <a:blip r:embed="rId2">
+            <a:extLst>
+              <a:ext uri="{28A0092B-C50C-407E-A947-70E740481C1C}">
+                <a14:useLocalDpi xmlns:a14="http://schemas.microsoft.com/office/drawing/2010/main" val="0"/>
+              </a:ext>
+            </a:extLst>
+          </a:blip>
+          <a:stretch>
+            <a:fillRect/>
+          </a:stretch>
+        </p:blipFill>
         <p:spPr>
-          <a:xfrm flipV="1">
-            <a:off x="2086252" y="1846555"/>
-            <a:ext cx="0" cy="2343705"/>
-          </a:xfrm>
-          <a:prstGeom prst="straightConnector1">
+          <a:xfrm>
+            <a:off x="1030032" y="1338652"/>
+            <a:ext cx="7686345" cy="2357387"/>
+          </a:xfrm>
+          <a:prstGeom prst="rect">
             <a:avLst/>
           </a:prstGeom>
-          <a:ln>
-            <a:tailEnd type="triangle"/>
-          </a:ln>
         </p:spPr>
-        <p:style>
-          <a:lnRef idx="1">
-            <a:schemeClr val="dk1"/>
-          </a:lnRef>
-          <a:fillRef idx="0">
-            <a:schemeClr val="dk1"/>
-          </a:fillRef>
-          <a:effectRef idx="0">
-            <a:schemeClr val="dk1"/>
-          </a:effectRef>
-          <a:fontRef idx="minor">
-            <a:schemeClr val="tx1"/>
-          </a:fontRef>
-        </p:style>
-      </p:cxnSp>
+      </p:pic>
+      <p:pic>
+        <p:nvPicPr>
+          <p:cNvPr id="5" name="图片 4">
+            <a:extLst>
+              <a:ext uri="{FF2B5EF4-FFF2-40B4-BE49-F238E27FC236}">
+                <a16:creationId xmlns:a16="http://schemas.microsoft.com/office/drawing/2014/main" id="{26B09CAA-47AD-492D-A47D-E16C3DDF4B2A}"/>
+              </a:ext>
+            </a:extLst>
+          </p:cNvPr>
+          <p:cNvPicPr>
+            <a:picLocks noChangeAspect="1"/>
+          </p:cNvPicPr>
+          <p:nvPr/>
+        </p:nvPicPr>
+        <p:blipFill>
+          <a:blip r:embed="rId3">
+            <a:extLst>
+              <a:ext uri="{28A0092B-C50C-407E-A947-70E740481C1C}">
+                <a14:useLocalDpi xmlns:a14="http://schemas.microsoft.com/office/drawing/2010/main" val="0"/>
+              </a:ext>
+            </a:extLst>
+          </a:blip>
+          <a:stretch>
+            <a:fillRect/>
+          </a:stretch>
+        </p:blipFill>
+        <p:spPr>
+          <a:xfrm>
+            <a:off x="918485" y="4171167"/>
+            <a:ext cx="7260173" cy="1965864"/>
+          </a:xfrm>
+          <a:prstGeom prst="rect">
+            <a:avLst/>
+          </a:prstGeom>
+        </p:spPr>
+      </p:pic>
       <p:sp>
         <p:nvSpPr>
-          <p:cNvPr id="8" name="文本框 7">
-            <a:extLst>
-              <a:ext uri="{FF2B5EF4-FFF2-40B4-BE49-F238E27FC236}">
-                <a16:creationId xmlns:a16="http://schemas.microsoft.com/office/drawing/2014/main" id="{AB549EE5-6B69-449F-9879-397761B348A4}"/>
+          <p:cNvPr id="6" name="文本框 5">
+            <a:extLst>
+              <a:ext uri="{FF2B5EF4-FFF2-40B4-BE49-F238E27FC236}">
+                <a16:creationId xmlns:a16="http://schemas.microsoft.com/office/drawing/2014/main" id="{28EB0AF7-9822-4FA0-8348-62FB7202238D}"/>
               </a:ext>
             </a:extLst>
           </p:cNvPr>
@@ -5555,8 +6559,8 @@
         </p:nvSpPr>
         <p:spPr>
           <a:xfrm>
-            <a:off x="719089" y="4208010"/>
-            <a:ext cx="2246048" cy="338554"/>
+            <a:off x="4332303" y="1464814"/>
+            <a:ext cx="2148396" cy="369332"/>
           </a:xfrm>
           <a:prstGeom prst="rect">
             <a:avLst/>
@@ -5583,63 +6587,29 @@
           </a:bodyPr>
           <a:lstStyle/>
           <a:p>
-            <a:r>
-              <a:rPr lang="zh-CN" altLang="en-US" sz="1600">
-                <a:latin typeface="Ubuntu Mono" panose="020B0509030602030204" pitchFamily="49" charset="0"/>
-                <a:ea typeface="思源黑体 CN Light" panose="020B0300000000000000" pitchFamily="34" charset="-122"/>
-              </a:rPr>
-              <a:t>对小程序整体的概括。</a:t>
+            <a:pPr marL="285750" indent="-285750">
+              <a:spcBef>
+                <a:spcPts val="600"/>
+              </a:spcBef>
+              <a:buFont typeface="Arial" panose="020B0604020202020204" pitchFamily="34" charset="0"/>
+              <a:buChar char="•"/>
+            </a:pPr>
+            <a:r>
+              <a:rPr lang="zh-CN" altLang="en-US">
+                <a:latin typeface="Ubuntu Mono" panose="020B0509030602030204" pitchFamily="49" charset="0"/>
+                <a:ea typeface="思源黑体 CN Light" panose="020B0300000000000000" pitchFamily="34" charset="-122"/>
+              </a:rPr>
+              <a:t>获取网络状态</a:t>
             </a:r>
           </a:p>
         </p:txBody>
       </p:sp>
-      <p:cxnSp>
-        <p:nvCxnSpPr>
-          <p:cNvPr id="9" name="直接箭头连接符 8">
-            <a:extLst>
-              <a:ext uri="{FF2B5EF4-FFF2-40B4-BE49-F238E27FC236}">
-                <a16:creationId xmlns:a16="http://schemas.microsoft.com/office/drawing/2014/main" id="{31D6FC4E-79D0-49DB-B8C4-C48A306A165E}"/>
-              </a:ext>
-            </a:extLst>
-          </p:cNvPr>
-          <p:cNvCxnSpPr>
-            <a:cxnSpLocks/>
-          </p:cNvCxnSpPr>
-          <p:nvPr/>
-        </p:nvCxnSpPr>
-        <p:spPr>
-          <a:xfrm flipV="1">
-            <a:off x="3179682" y="1848040"/>
-            <a:ext cx="0" cy="1001692"/>
-          </a:xfrm>
-          <a:prstGeom prst="straightConnector1">
-            <a:avLst/>
-          </a:prstGeom>
-          <a:ln>
-            <a:tailEnd type="triangle"/>
-          </a:ln>
-        </p:spPr>
-        <p:style>
-          <a:lnRef idx="1">
-            <a:schemeClr val="dk1"/>
-          </a:lnRef>
-          <a:fillRef idx="0">
-            <a:schemeClr val="dk1"/>
-          </a:fillRef>
-          <a:effectRef idx="0">
-            <a:schemeClr val="dk1"/>
-          </a:effectRef>
-          <a:fontRef idx="minor">
-            <a:schemeClr val="tx1"/>
-          </a:fontRef>
-        </p:style>
-      </p:cxnSp>
       <p:sp>
         <p:nvSpPr>
-          <p:cNvPr id="12" name="文本框 11">
-            <a:extLst>
-              <a:ext uri="{FF2B5EF4-FFF2-40B4-BE49-F238E27FC236}">
-                <a16:creationId xmlns:a16="http://schemas.microsoft.com/office/drawing/2014/main" id="{C49878CE-4D11-497D-A42B-DF75C00CBE53}"/>
+          <p:cNvPr id="8" name="文本框 7">
+            <a:extLst>
+              <a:ext uri="{FF2B5EF4-FFF2-40B4-BE49-F238E27FC236}">
+                <a16:creationId xmlns:a16="http://schemas.microsoft.com/office/drawing/2014/main" id="{B9B59974-40AE-4418-B24E-F2082231F75B}"/>
               </a:ext>
             </a:extLst>
           </p:cNvPr>
@@ -5648,8 +6618,8 @@
         </p:nvSpPr>
         <p:spPr>
           <a:xfrm>
-            <a:off x="2139520" y="2869706"/>
-            <a:ext cx="1898038" cy="830997"/>
+            <a:off x="5452367" y="5328083"/>
+            <a:ext cx="2628635" cy="369332"/>
           </a:xfrm>
           <a:prstGeom prst="rect">
             <a:avLst/>
@@ -5676,36 +6646,111 @@
           </a:bodyPr>
           <a:lstStyle/>
           <a:p>
-            <a:r>
-              <a:rPr lang="zh-CN" altLang="en-US" sz="1600">
-                <a:latin typeface="Ubuntu Mono" panose="020B0509030602030204" pitchFamily="49" charset="0"/>
-                <a:ea typeface="思源黑体 CN Light" panose="020B0300000000000000" pitchFamily="34" charset="-122"/>
-              </a:rPr>
-              <a:t>整体运行机制，</a:t>
-            </a:r>
-            <a:r>
-              <a:rPr lang="en-US" altLang="zh-CN" sz="1600">
-                <a:latin typeface="Ubuntu Mono" panose="020B0509030602030204" pitchFamily="49" charset="0"/>
-                <a:ea typeface="思源黑体 CN Light" panose="020B0300000000000000" pitchFamily="34" charset="-122"/>
-              </a:rPr>
-              <a:t>wxml</a:t>
-            </a:r>
-            <a:r>
-              <a:rPr lang="zh-CN" altLang="en-US" sz="1600">
-                <a:latin typeface="Ubuntu Mono" panose="020B0509030602030204" pitchFamily="49" charset="0"/>
-                <a:ea typeface="思源黑体 CN Light" panose="020B0300000000000000" pitchFamily="34" charset="-122"/>
-              </a:rPr>
-              <a:t>语法参考，全局配置等。</a:t>
+            <a:pPr marL="285750" indent="-285750">
+              <a:spcBef>
+                <a:spcPts val="600"/>
+              </a:spcBef>
+              <a:buFont typeface="Arial" panose="020B0604020202020204" pitchFamily="34" charset="0"/>
+              <a:buChar char="•"/>
+            </a:pPr>
+            <a:r>
+              <a:rPr lang="zh-CN" altLang="en-US">
+                <a:latin typeface="Ubuntu Mono" panose="020B0509030602030204" pitchFamily="49" charset="0"/>
+                <a:ea typeface="思源黑体 CN Light" panose="020B0300000000000000" pitchFamily="34" charset="-122"/>
+              </a:rPr>
+              <a:t>监听网络状态变化</a:t>
             </a:r>
           </a:p>
         </p:txBody>
       </p:sp>
+      <p:pic>
+        <p:nvPicPr>
+          <p:cNvPr id="10" name="图片 9">
+            <a:extLst>
+              <a:ext uri="{FF2B5EF4-FFF2-40B4-BE49-F238E27FC236}">
+                <a16:creationId xmlns:a16="http://schemas.microsoft.com/office/drawing/2014/main" id="{0759D373-3334-41E2-A90D-F67556EEEE95}"/>
+              </a:ext>
+            </a:extLst>
+          </p:cNvPr>
+          <p:cNvPicPr>
+            <a:picLocks noChangeAspect="1"/>
+          </p:cNvPicPr>
+          <p:nvPr/>
+        </p:nvPicPr>
+        <p:blipFill>
+          <a:blip r:embed="rId4">
+            <a:extLst>
+              <a:ext uri="{28A0092B-C50C-407E-A947-70E740481C1C}">
+                <a14:useLocalDpi xmlns:a14="http://schemas.microsoft.com/office/drawing/2010/main" val="0"/>
+              </a:ext>
+            </a:extLst>
+          </a:blip>
+          <a:stretch>
+            <a:fillRect/>
+          </a:stretch>
+        </p:blipFill>
+        <p:spPr>
+          <a:xfrm>
+            <a:off x="6312242" y="2654062"/>
+            <a:ext cx="5071460" cy="1509565"/>
+          </a:xfrm>
+          <a:prstGeom prst="rect">
+            <a:avLst/>
+          </a:prstGeom>
+        </p:spPr>
+      </p:pic>
       <p:cxnSp>
         <p:nvCxnSpPr>
-          <p:cNvPr id="14" name="直接箭头连接符 13">
-            <a:extLst>
-              <a:ext uri="{FF2B5EF4-FFF2-40B4-BE49-F238E27FC236}">
-                <a16:creationId xmlns:a16="http://schemas.microsoft.com/office/drawing/2014/main" id="{A48747E2-8877-43FA-9462-9897133154CE}"/>
+          <p:cNvPr id="12" name="直接箭头连接符 11">
+            <a:extLst>
+              <a:ext uri="{FF2B5EF4-FFF2-40B4-BE49-F238E27FC236}">
+                <a16:creationId xmlns:a16="http://schemas.microsoft.com/office/drawing/2014/main" id="{B173D892-DAEA-4FAF-AFCB-D12E6271C75F}"/>
+              </a:ext>
+            </a:extLst>
+          </p:cNvPr>
+          <p:cNvCxnSpPr/>
+          <p:nvPr/>
+        </p:nvCxnSpPr>
+        <p:spPr>
+          <a:xfrm>
+            <a:off x="3977196" y="2743200"/>
+            <a:ext cx="2592280" cy="532660"/>
+          </a:xfrm>
+          <a:prstGeom prst="straightConnector1">
+            <a:avLst/>
+          </a:prstGeom>
+          <a:ln w="12700">
+            <a:solidFill>
+              <a:schemeClr val="tx1">
+                <a:lumMod val="85000"/>
+                <a:lumOff val="15000"/>
+              </a:schemeClr>
+            </a:solidFill>
+            <a:prstDash val="dash"/>
+            <a:tailEnd type="triangle"/>
+          </a:ln>
+        </p:spPr>
+        <p:style>
+          <a:lnRef idx="1">
+            <a:schemeClr val="accent1"/>
+          </a:lnRef>
+          <a:fillRef idx="0">
+            <a:schemeClr val="accent1"/>
+          </a:fillRef>
+          <a:effectRef idx="0">
+            <a:schemeClr val="accent1"/>
+          </a:effectRef>
+          <a:fontRef idx="minor">
+            <a:schemeClr val="tx1"/>
+          </a:fontRef>
+        </p:style>
+      </p:cxnSp>
+      <p:cxnSp>
+        <p:nvCxnSpPr>
+          <p:cNvPr id="13" name="直接箭头连接符 12">
+            <a:extLst>
+              <a:ext uri="{FF2B5EF4-FFF2-40B4-BE49-F238E27FC236}">
+                <a16:creationId xmlns:a16="http://schemas.microsoft.com/office/drawing/2014/main" id="{4EBA4A2C-43CF-495B-A838-4A80A38431A8}"/>
               </a:ext>
             </a:extLst>
           </p:cNvPr>
@@ -5716,110 +6761,179 @@
         </p:nvCxnSpPr>
         <p:spPr>
           <a:xfrm flipV="1">
-            <a:off x="4147352" y="1848030"/>
-            <a:ext cx="0" cy="2839380"/>
+            <a:off x="3870027" y="3539960"/>
+            <a:ext cx="2699449" cy="722116"/>
           </a:xfrm>
           <a:prstGeom prst="straightConnector1">
             <a:avLst/>
           </a:prstGeom>
-          <a:ln>
+          <a:ln w="12700">
+            <a:solidFill>
+              <a:schemeClr val="tx1">
+                <a:lumMod val="85000"/>
+                <a:lumOff val="15000"/>
+              </a:schemeClr>
+            </a:solidFill>
+            <a:prstDash val="dash"/>
             <a:tailEnd type="triangle"/>
           </a:ln>
         </p:spPr>
         <p:style>
           <a:lnRef idx="1">
-            <a:schemeClr val="dk1"/>
+            <a:schemeClr val="accent1"/>
           </a:lnRef>
           <a:fillRef idx="0">
-            <a:schemeClr val="dk1"/>
+            <a:schemeClr val="accent1"/>
           </a:fillRef>
           <a:effectRef idx="0">
-            <a:schemeClr val="dk1"/>
+            <a:schemeClr val="accent1"/>
           </a:effectRef>
           <a:fontRef idx="minor">
             <a:schemeClr val="tx1"/>
           </a:fontRef>
         </p:style>
       </p:cxnSp>
+    </p:spTree>
+    <p:extLst>
+      <p:ext uri="{BB962C8B-B14F-4D97-AF65-F5344CB8AC3E}">
+        <p14:creationId xmlns:p14="http://schemas.microsoft.com/office/powerpoint/2010/main" val="1636987880"/>
+      </p:ext>
+    </p:extLst>
+  </p:cSld>
+  <p:clrMapOvr>
+    <a:masterClrMapping/>
+  </p:clrMapOvr>
+</p:sld>
+</file>
+
+<file path=ppt/slides/slide19.xml><?xml version="1.0" encoding="utf-8"?>
+<p:sld xmlns:a="http://schemas.openxmlformats.org/drawingml/2006/main" xmlns:r="http://schemas.openxmlformats.org/officeDocument/2006/relationships" xmlns:p="http://schemas.openxmlformats.org/presentationml/2006/main">
+  <p:cSld>
+    <p:spTree>
+      <p:nvGrpSpPr>
+        <p:cNvPr id="1" name=""/>
+        <p:cNvGrpSpPr/>
+        <p:nvPr/>
+      </p:nvGrpSpPr>
+      <p:grpSpPr>
+        <a:xfrm>
+          <a:off x="0" y="0"/>
+          <a:ext cx="0" cy="0"/>
+          <a:chOff x="0" y="0"/>
+          <a:chExt cx="0" cy="0"/>
+        </a:xfrm>
+      </p:grpSpPr>
       <p:sp>
         <p:nvSpPr>
-          <p:cNvPr id="16" name="文本框 15">
-            <a:extLst>
-              <a:ext uri="{FF2B5EF4-FFF2-40B4-BE49-F238E27FC236}">
-                <a16:creationId xmlns:a16="http://schemas.microsoft.com/office/drawing/2014/main" id="{6051A877-07A8-4DD8-8211-4137382C7A1E}"/>
-              </a:ext>
-            </a:extLst>
-          </p:cNvPr>
-          <p:cNvSpPr txBox="1"/>
+          <p:cNvPr id="2" name="标题 1">
+            <a:extLst>
+              <a:ext uri="{FF2B5EF4-FFF2-40B4-BE49-F238E27FC236}">
+                <a16:creationId xmlns:a16="http://schemas.microsoft.com/office/drawing/2014/main" id="{17E4B6AC-4C46-49E4-8164-464675BC9B9E}"/>
+              </a:ext>
+            </a:extLst>
+          </p:cNvPr>
+          <p:cNvSpPr>
+            <a:spLocks noGrp="1"/>
+          </p:cNvSpPr>
+          <p:nvPr>
+            <p:ph type="title"/>
+          </p:nvPr>
+        </p:nvSpPr>
+        <p:spPr/>
+        <p:txBody>
+          <a:bodyPr/>
+          <a:lstStyle/>
+          <a:p>
+            <a:r>
+              <a:rPr lang="zh-CN" altLang="en-US"/>
+              <a:t>设备电量</a:t>
+            </a:r>
+            <a:r>
+              <a:rPr lang="en-US" altLang="zh-CN"/>
+              <a:t>API</a:t>
+            </a:r>
+            <a:endParaRPr lang="zh-CN" altLang="en-US"/>
+          </a:p>
+        </p:txBody>
+      </p:sp>
+      <p:pic>
+        <p:nvPicPr>
+          <p:cNvPr id="5" name="图片 4">
+            <a:extLst>
+              <a:ext uri="{FF2B5EF4-FFF2-40B4-BE49-F238E27FC236}">
+                <a16:creationId xmlns:a16="http://schemas.microsoft.com/office/drawing/2014/main" id="{963AFCA6-D057-44C8-9449-C1C72B982BDD}"/>
+              </a:ext>
+            </a:extLst>
+          </p:cNvPr>
+          <p:cNvPicPr>
+            <a:picLocks noChangeAspect="1"/>
+          </p:cNvPicPr>
           <p:nvPr/>
-        </p:nvSpPr>
+        </p:nvPicPr>
+        <p:blipFill>
+          <a:blip r:embed="rId2">
+            <a:extLst>
+              <a:ext uri="{28A0092B-C50C-407E-A947-70E740481C1C}">
+                <a14:useLocalDpi xmlns:a14="http://schemas.microsoft.com/office/drawing/2010/main" val="0"/>
+              </a:ext>
+            </a:extLst>
+          </a:blip>
+          <a:stretch>
+            <a:fillRect/>
+          </a:stretch>
+        </p:blipFill>
         <p:spPr>
           <a:xfrm>
-            <a:off x="2698815" y="4692315"/>
-            <a:ext cx="2378906" cy="584775"/>
+            <a:off x="838200" y="1635267"/>
+            <a:ext cx="6246502" cy="2187593"/>
           </a:xfrm>
           <a:prstGeom prst="rect">
             <a:avLst/>
           </a:prstGeom>
-          <a:solidFill>
-            <a:schemeClr val="bg1">
-              <a:lumMod val="95000"/>
-            </a:schemeClr>
-          </a:solidFill>
-          <a:ln>
-            <a:noFill/>
-          </a:ln>
-          <a:effectLst>
-            <a:outerShdw blurRad="50800" dist="38100" dir="5400000" algn="t" rotWithShape="0">
-              <a:prstClr val="black">
-                <a:alpha val="40000"/>
-              </a:prstClr>
-            </a:outerShdw>
-          </a:effectLst>
         </p:spPr>
-        <p:txBody>
-          <a:bodyPr wrap="square" rtlCol="0">
-            <a:spAutoFit/>
-          </a:bodyPr>
-          <a:lstStyle/>
-          <a:p>
-            <a:r>
-              <a:rPr lang="en-US" altLang="zh-CN" sz="1600">
-                <a:latin typeface="Ubuntu Mono" panose="020B0509030602030204" pitchFamily="49" charset="0"/>
-                <a:ea typeface="思源黑体 CN Light" panose="020B0300000000000000" pitchFamily="34" charset="-122"/>
-              </a:rPr>
-              <a:t>wxml</a:t>
-            </a:r>
-            <a:r>
-              <a:rPr lang="zh-CN" altLang="en-US" sz="1600">
-                <a:latin typeface="Ubuntu Mono" panose="020B0509030602030204" pitchFamily="49" charset="0"/>
-                <a:ea typeface="思源黑体 CN Light" panose="020B0300000000000000" pitchFamily="34" charset="-122"/>
-              </a:rPr>
-              <a:t>中使用的组件，通常还要配合</a:t>
-            </a:r>
-            <a:r>
-              <a:rPr lang="en-US" altLang="zh-CN" sz="1600">
-                <a:latin typeface="Ubuntu Mono" panose="020B0509030602030204" pitchFamily="49" charset="0"/>
-                <a:ea typeface="思源黑体 CN Light" panose="020B0300000000000000" pitchFamily="34" charset="-122"/>
-              </a:rPr>
-              <a:t>API</a:t>
-            </a:r>
-            <a:r>
-              <a:rPr lang="zh-CN" altLang="en-US" sz="1600">
-                <a:latin typeface="Ubuntu Mono" panose="020B0509030602030204" pitchFamily="49" charset="0"/>
-                <a:ea typeface="思源黑体 CN Light" panose="020B0300000000000000" pitchFamily="34" charset="-122"/>
-              </a:rPr>
-              <a:t>来使用。</a:t>
-            </a:r>
-          </a:p>
-        </p:txBody>
-      </p:sp>
+      </p:pic>
+      <p:pic>
+        <p:nvPicPr>
+          <p:cNvPr id="7" name="图片 6">
+            <a:extLst>
+              <a:ext uri="{FF2B5EF4-FFF2-40B4-BE49-F238E27FC236}">
+                <a16:creationId xmlns:a16="http://schemas.microsoft.com/office/drawing/2014/main" id="{09B0E4E0-C7EF-49B2-93A7-E6358FBE2994}"/>
+              </a:ext>
+            </a:extLst>
+          </p:cNvPr>
+          <p:cNvPicPr>
+            <a:picLocks noChangeAspect="1"/>
+          </p:cNvPicPr>
+          <p:nvPr/>
+        </p:nvPicPr>
+        <p:blipFill>
+          <a:blip r:embed="rId3">
+            <a:extLst>
+              <a:ext uri="{28A0092B-C50C-407E-A947-70E740481C1C}">
+                <a14:useLocalDpi xmlns:a14="http://schemas.microsoft.com/office/drawing/2010/main" val="0"/>
+              </a:ext>
+            </a:extLst>
+          </a:blip>
+          <a:stretch>
+            <a:fillRect/>
+          </a:stretch>
+        </p:blipFill>
+        <p:spPr>
+          <a:xfrm>
+            <a:off x="4197433" y="3957797"/>
+            <a:ext cx="5974660" cy="1078209"/>
+          </a:xfrm>
+          <a:prstGeom prst="rect">
+            <a:avLst/>
+          </a:prstGeom>
+        </p:spPr>
+      </p:pic>
       <p:cxnSp>
         <p:nvCxnSpPr>
-          <p:cNvPr id="18" name="直接箭头连接符 17">
-            <a:extLst>
-              <a:ext uri="{FF2B5EF4-FFF2-40B4-BE49-F238E27FC236}">
-                <a16:creationId xmlns:a16="http://schemas.microsoft.com/office/drawing/2014/main" id="{D04B061D-B783-455D-80B4-43CDAEA1DDA0}"/>
+          <p:cNvPr id="8" name="直接箭头连接符 7">
+            <a:extLst>
+              <a:ext uri="{FF2B5EF4-FFF2-40B4-BE49-F238E27FC236}">
+                <a16:creationId xmlns:a16="http://schemas.microsoft.com/office/drawing/2014/main" id="{AFCB084C-7185-457C-B17B-2D08CA58613B}"/>
               </a:ext>
             </a:extLst>
           </p:cNvPr>
@@ -5829,437 +6943,43 @@
           <p:nvPr/>
         </p:nvCxnSpPr>
         <p:spPr>
-          <a:xfrm flipV="1">
-            <a:off x="5178637" y="1856289"/>
-            <a:ext cx="0" cy="1001692"/>
+          <a:xfrm>
+            <a:off x="3311371" y="3000653"/>
+            <a:ext cx="2627790" cy="1287262"/>
           </a:xfrm>
           <a:prstGeom prst="straightConnector1">
             <a:avLst/>
           </a:prstGeom>
-          <a:ln>
+          <a:ln w="12700">
+            <a:solidFill>
+              <a:schemeClr val="tx1">
+                <a:lumMod val="85000"/>
+                <a:lumOff val="15000"/>
+              </a:schemeClr>
+            </a:solidFill>
+            <a:prstDash val="dash"/>
             <a:tailEnd type="triangle"/>
           </a:ln>
         </p:spPr>
         <p:style>
           <a:lnRef idx="1">
-            <a:schemeClr val="dk1"/>
+            <a:schemeClr val="accent1"/>
           </a:lnRef>
           <a:fillRef idx="0">
-            <a:schemeClr val="dk1"/>
+            <a:schemeClr val="accent1"/>
           </a:fillRef>
           <a:effectRef idx="0">
-            <a:schemeClr val="dk1"/>
+            <a:schemeClr val="accent1"/>
           </a:effectRef>
           <a:fontRef idx="minor">
             <a:schemeClr val="tx1"/>
           </a:fontRef>
         </p:style>
       </p:cxnSp>
-      <p:sp>
-        <p:nvSpPr>
-          <p:cNvPr id="20" name="文本框 19">
-            <a:extLst>
-              <a:ext uri="{FF2B5EF4-FFF2-40B4-BE49-F238E27FC236}">
-                <a16:creationId xmlns:a16="http://schemas.microsoft.com/office/drawing/2014/main" id="{C8AA54EF-0471-4F2C-B214-CAAC0BB41229}"/>
-              </a:ext>
-            </a:extLst>
-          </p:cNvPr>
-          <p:cNvSpPr txBox="1"/>
-          <p:nvPr/>
-        </p:nvSpPr>
-        <p:spPr>
-          <a:xfrm>
-            <a:off x="4197962" y="2860050"/>
-            <a:ext cx="1898038" cy="1077218"/>
-          </a:xfrm>
-          <a:prstGeom prst="rect">
-            <a:avLst/>
-          </a:prstGeom>
-          <a:solidFill>
-            <a:schemeClr val="bg1">
-              <a:lumMod val="95000"/>
-            </a:schemeClr>
-          </a:solidFill>
-          <a:ln>
-            <a:noFill/>
-          </a:ln>
-          <a:effectLst>
-            <a:outerShdw blurRad="50800" dist="38100" dir="5400000" algn="t" rotWithShape="0">
-              <a:prstClr val="black">
-                <a:alpha val="40000"/>
-              </a:prstClr>
-            </a:outerShdw>
-          </a:effectLst>
-        </p:spPr>
-        <p:txBody>
-          <a:bodyPr wrap="square" rtlCol="0">
-            <a:spAutoFit/>
-          </a:bodyPr>
-          <a:lstStyle/>
-          <a:p>
-            <a:r>
-              <a:rPr lang="zh-CN" altLang="en-US" sz="1600">
-                <a:latin typeface="Ubuntu Mono" panose="020B0509030602030204" pitchFamily="49" charset="0"/>
-                <a:ea typeface="思源黑体 CN Light" panose="020B0300000000000000" pitchFamily="34" charset="-122"/>
-              </a:rPr>
-              <a:t>页面</a:t>
-            </a:r>
-            <a:r>
-              <a:rPr lang="en-US" altLang="zh-CN" sz="1600">
-                <a:latin typeface="Ubuntu Mono" panose="020B0509030602030204" pitchFamily="49" charset="0"/>
-                <a:ea typeface="思源黑体 CN Light" panose="020B0300000000000000" pitchFamily="34" charset="-122"/>
-              </a:rPr>
-              <a:t>js</a:t>
-            </a:r>
-            <a:r>
-              <a:rPr lang="zh-CN" altLang="en-US" sz="1600">
-                <a:latin typeface="Ubuntu Mono" panose="020B0509030602030204" pitchFamily="49" charset="0"/>
-                <a:ea typeface="思源黑体 CN Light" panose="020B0300000000000000" pitchFamily="34" charset="-122"/>
-              </a:rPr>
-              <a:t>文件中可以调用的</a:t>
-            </a:r>
-            <a:r>
-              <a:rPr lang="en-US" altLang="zh-CN" sz="1600">
-                <a:latin typeface="Ubuntu Mono" panose="020B0509030602030204" pitchFamily="49" charset="0"/>
-                <a:ea typeface="思源黑体 CN Light" panose="020B0300000000000000" pitchFamily="34" charset="-122"/>
-              </a:rPr>
-              <a:t>API</a:t>
-            </a:r>
-            <a:r>
-              <a:rPr lang="zh-CN" altLang="en-US" sz="1600">
-                <a:latin typeface="Ubuntu Mono" panose="020B0509030602030204" pitchFamily="49" charset="0"/>
-                <a:ea typeface="思源黑体 CN Light" panose="020B0300000000000000" pitchFamily="34" charset="-122"/>
-              </a:rPr>
-              <a:t>，比如获取设备信息，发起远程请求。</a:t>
-            </a:r>
-          </a:p>
-        </p:txBody>
-      </p:sp>
-      <p:cxnSp>
-        <p:nvCxnSpPr>
-          <p:cNvPr id="21" name="直接箭头连接符 20">
-            <a:extLst>
-              <a:ext uri="{FF2B5EF4-FFF2-40B4-BE49-F238E27FC236}">
-                <a16:creationId xmlns:a16="http://schemas.microsoft.com/office/drawing/2014/main" id="{9B7A57E4-3BF2-4FA2-9869-D97916F1906E}"/>
-              </a:ext>
-            </a:extLst>
-          </p:cNvPr>
-          <p:cNvCxnSpPr>
-            <a:cxnSpLocks/>
-          </p:cNvCxnSpPr>
-          <p:nvPr/>
-        </p:nvCxnSpPr>
-        <p:spPr>
-          <a:xfrm flipV="1">
-            <a:off x="6377130" y="1864311"/>
-            <a:ext cx="0" cy="2839380"/>
-          </a:xfrm>
-          <a:prstGeom prst="straightConnector1">
-            <a:avLst/>
-          </a:prstGeom>
-          <a:ln>
-            <a:tailEnd type="triangle"/>
-          </a:ln>
-        </p:spPr>
-        <p:style>
-          <a:lnRef idx="1">
-            <a:schemeClr val="dk1"/>
-          </a:lnRef>
-          <a:fillRef idx="0">
-            <a:schemeClr val="dk1"/>
-          </a:fillRef>
-          <a:effectRef idx="0">
-            <a:schemeClr val="dk1"/>
-          </a:effectRef>
-          <a:fontRef idx="minor">
-            <a:schemeClr val="tx1"/>
-          </a:fontRef>
-        </p:style>
-      </p:cxnSp>
-      <p:sp>
-        <p:nvSpPr>
-          <p:cNvPr id="23" name="文本框 22">
-            <a:extLst>
-              <a:ext uri="{FF2B5EF4-FFF2-40B4-BE49-F238E27FC236}">
-                <a16:creationId xmlns:a16="http://schemas.microsoft.com/office/drawing/2014/main" id="{1FB56772-379F-48A2-A38A-B6EB3C9B6472}"/>
-              </a:ext>
-            </a:extLst>
-          </p:cNvPr>
-          <p:cNvSpPr txBox="1"/>
-          <p:nvPr/>
-        </p:nvSpPr>
-        <p:spPr>
-          <a:xfrm>
-            <a:off x="5187677" y="4708734"/>
-            <a:ext cx="2378906" cy="1323439"/>
-          </a:xfrm>
-          <a:prstGeom prst="rect">
-            <a:avLst/>
-          </a:prstGeom>
-          <a:solidFill>
-            <a:schemeClr val="bg1">
-              <a:lumMod val="95000"/>
-            </a:schemeClr>
-          </a:solidFill>
-          <a:ln>
-            <a:noFill/>
-          </a:ln>
-          <a:effectLst>
-            <a:outerShdw blurRad="50800" dist="38100" dir="5400000" algn="t" rotWithShape="0">
-              <a:prstClr val="black">
-                <a:alpha val="40000"/>
-              </a:prstClr>
-            </a:outerShdw>
-          </a:effectLst>
-        </p:spPr>
-        <p:txBody>
-          <a:bodyPr wrap="square" rtlCol="0">
-            <a:spAutoFit/>
-          </a:bodyPr>
-          <a:lstStyle/>
-          <a:p>
-            <a:r>
-              <a:rPr lang="zh-CN" altLang="en-US" sz="1600">
-                <a:latin typeface="Ubuntu Mono" panose="020B0509030602030204" pitchFamily="49" charset="0"/>
-                <a:ea typeface="思源黑体 CN Light" panose="020B0300000000000000" pitchFamily="34" charset="-122"/>
-              </a:rPr>
-              <a:t>服务端调用的</a:t>
-            </a:r>
-            <a:r>
-              <a:rPr lang="en-US" altLang="zh-CN" sz="1600">
-                <a:latin typeface="Ubuntu Mono" panose="020B0509030602030204" pitchFamily="49" charset="0"/>
-                <a:ea typeface="思源黑体 CN Light" panose="020B0300000000000000" pitchFamily="34" charset="-122"/>
-              </a:rPr>
-              <a:t>API</a:t>
-            </a:r>
-            <a:r>
-              <a:rPr lang="zh-CN" altLang="en-US" sz="1600">
-                <a:latin typeface="Ubuntu Mono" panose="020B0509030602030204" pitchFamily="49" charset="0"/>
-                <a:ea typeface="思源黑体 CN Light" panose="020B0300000000000000" pitchFamily="34" charset="-122"/>
-              </a:rPr>
-              <a:t>，通常会这样使用：小程序发起请求到开发者的服务器，在开发者服务会调用此</a:t>
-            </a:r>
-            <a:r>
-              <a:rPr lang="en-US" altLang="zh-CN" sz="1600">
-                <a:latin typeface="Ubuntu Mono" panose="020B0509030602030204" pitchFamily="49" charset="0"/>
-                <a:ea typeface="思源黑体 CN Light" panose="020B0300000000000000" pitchFamily="34" charset="-122"/>
-              </a:rPr>
-              <a:t>API</a:t>
-            </a:r>
-            <a:r>
-              <a:rPr lang="zh-CN" altLang="en-US" sz="1600">
-                <a:latin typeface="Ubuntu Mono" panose="020B0509030602030204" pitchFamily="49" charset="0"/>
-                <a:ea typeface="思源黑体 CN Light" panose="020B0300000000000000" pitchFamily="34" charset="-122"/>
-              </a:rPr>
-              <a:t>并返回结果。</a:t>
-            </a:r>
-          </a:p>
-        </p:txBody>
-      </p:sp>
-      <p:cxnSp>
-        <p:nvCxnSpPr>
-          <p:cNvPr id="24" name="直接箭头连接符 23">
-            <a:extLst>
-              <a:ext uri="{FF2B5EF4-FFF2-40B4-BE49-F238E27FC236}">
-                <a16:creationId xmlns:a16="http://schemas.microsoft.com/office/drawing/2014/main" id="{431BC9BB-0C0E-4E0D-8C49-9DA66AD4C4D4}"/>
-              </a:ext>
-            </a:extLst>
-          </p:cNvPr>
-          <p:cNvCxnSpPr>
-            <a:cxnSpLocks/>
-          </p:cNvCxnSpPr>
-          <p:nvPr/>
-        </p:nvCxnSpPr>
-        <p:spPr>
-          <a:xfrm flipV="1">
-            <a:off x="7293005" y="1857768"/>
-            <a:ext cx="0" cy="1001692"/>
-          </a:xfrm>
-          <a:prstGeom prst="straightConnector1">
-            <a:avLst/>
-          </a:prstGeom>
-          <a:ln>
-            <a:tailEnd type="triangle"/>
-          </a:ln>
-        </p:spPr>
-        <p:style>
-          <a:lnRef idx="1">
-            <a:schemeClr val="dk1"/>
-          </a:lnRef>
-          <a:fillRef idx="0">
-            <a:schemeClr val="dk1"/>
-          </a:fillRef>
-          <a:effectRef idx="0">
-            <a:schemeClr val="dk1"/>
-          </a:effectRef>
-          <a:fontRef idx="minor">
-            <a:schemeClr val="tx1"/>
-          </a:fontRef>
-        </p:style>
-      </p:cxnSp>
-      <p:sp>
-        <p:nvSpPr>
-          <p:cNvPr id="26" name="文本框 25">
-            <a:extLst>
-              <a:ext uri="{FF2B5EF4-FFF2-40B4-BE49-F238E27FC236}">
-                <a16:creationId xmlns:a16="http://schemas.microsoft.com/office/drawing/2014/main" id="{E118B4AE-E509-44C2-9D44-DCC119227CA7}"/>
-              </a:ext>
-            </a:extLst>
-          </p:cNvPr>
-          <p:cNvSpPr txBox="1"/>
-          <p:nvPr/>
-        </p:nvSpPr>
-        <p:spPr>
-          <a:xfrm>
-            <a:off x="6454373" y="2857060"/>
-            <a:ext cx="1898038" cy="584775"/>
-          </a:xfrm>
-          <a:prstGeom prst="rect">
-            <a:avLst/>
-          </a:prstGeom>
-          <a:solidFill>
-            <a:schemeClr val="bg1">
-              <a:lumMod val="95000"/>
-            </a:schemeClr>
-          </a:solidFill>
-          <a:ln>
-            <a:noFill/>
-          </a:ln>
-          <a:effectLst>
-            <a:outerShdw blurRad="50800" dist="38100" dir="5400000" algn="t" rotWithShape="0">
-              <a:prstClr val="black">
-                <a:alpha val="40000"/>
-              </a:prstClr>
-            </a:outerShdw>
-          </a:effectLst>
-        </p:spPr>
-        <p:txBody>
-          <a:bodyPr wrap="square" rtlCol="0">
-            <a:spAutoFit/>
-          </a:bodyPr>
-          <a:lstStyle/>
-          <a:p>
-            <a:r>
-              <a:rPr lang="zh-CN" altLang="en-US" sz="1600">
-                <a:latin typeface="Ubuntu Mono" panose="020B0509030602030204" pitchFamily="49" charset="0"/>
-                <a:ea typeface="思源黑体 CN Light" panose="020B0300000000000000" pitchFamily="34" charset="-122"/>
-              </a:rPr>
-              <a:t>开发者工具的使用说明和下载。</a:t>
-            </a:r>
-          </a:p>
-        </p:txBody>
-      </p:sp>
-      <p:cxnSp>
-        <p:nvCxnSpPr>
-          <p:cNvPr id="27" name="直接箭头连接符 26">
-            <a:extLst>
-              <a:ext uri="{FF2B5EF4-FFF2-40B4-BE49-F238E27FC236}">
-                <a16:creationId xmlns:a16="http://schemas.microsoft.com/office/drawing/2014/main" id="{4D90DF17-27AC-4981-B284-2D7A9BF95896}"/>
-              </a:ext>
-            </a:extLst>
-          </p:cNvPr>
-          <p:cNvCxnSpPr>
-            <a:cxnSpLocks/>
-          </p:cNvCxnSpPr>
-          <p:nvPr/>
-        </p:nvCxnSpPr>
-        <p:spPr>
-          <a:xfrm flipV="1">
-            <a:off x="8535888" y="1856910"/>
-            <a:ext cx="0" cy="2839380"/>
-          </a:xfrm>
-          <a:prstGeom prst="straightConnector1">
-            <a:avLst/>
-          </a:prstGeom>
-          <a:ln>
-            <a:tailEnd type="triangle"/>
-          </a:ln>
-        </p:spPr>
-        <p:style>
-          <a:lnRef idx="1">
-            <a:schemeClr val="dk1"/>
-          </a:lnRef>
-          <a:fillRef idx="0">
-            <a:schemeClr val="dk1"/>
-          </a:fillRef>
-          <a:effectRef idx="0">
-            <a:schemeClr val="dk1"/>
-          </a:effectRef>
-          <a:fontRef idx="minor">
-            <a:schemeClr val="tx1"/>
-          </a:fontRef>
-        </p:style>
-      </p:cxnSp>
-      <p:sp>
-        <p:nvSpPr>
-          <p:cNvPr id="29" name="文本框 28">
-            <a:extLst>
-              <a:ext uri="{FF2B5EF4-FFF2-40B4-BE49-F238E27FC236}">
-                <a16:creationId xmlns:a16="http://schemas.microsoft.com/office/drawing/2014/main" id="{346991D2-B988-4F93-9282-669AC001CF4B}"/>
-              </a:ext>
-            </a:extLst>
-          </p:cNvPr>
-          <p:cNvSpPr txBox="1"/>
-          <p:nvPr/>
-        </p:nvSpPr>
-        <p:spPr>
-          <a:xfrm>
-            <a:off x="7932357" y="4708734"/>
-            <a:ext cx="2378906" cy="830997"/>
-          </a:xfrm>
-          <a:prstGeom prst="rect">
-            <a:avLst/>
-          </a:prstGeom>
-          <a:solidFill>
-            <a:schemeClr val="bg1">
-              <a:lumMod val="95000"/>
-            </a:schemeClr>
-          </a:solidFill>
-          <a:ln>
-            <a:noFill/>
-          </a:ln>
-          <a:effectLst>
-            <a:outerShdw blurRad="50800" dist="38100" dir="5400000" algn="t" rotWithShape="0">
-              <a:prstClr val="black">
-                <a:alpha val="40000"/>
-              </a:prstClr>
-            </a:outerShdw>
-          </a:effectLst>
-        </p:spPr>
-        <p:txBody>
-          <a:bodyPr wrap="square" rtlCol="0">
-            <a:spAutoFit/>
-          </a:bodyPr>
-          <a:lstStyle/>
-          <a:p>
-            <a:r>
-              <a:rPr lang="zh-CN" altLang="en-US" sz="1600">
-                <a:latin typeface="Ubuntu Mono" panose="020B0509030602030204" pitchFamily="49" charset="0"/>
-                <a:ea typeface="思源黑体 CN Light" panose="020B0300000000000000" pitchFamily="34" charset="-122"/>
-              </a:rPr>
-              <a:t>小程序云开发的文档，云函数的编写，云开发的</a:t>
-            </a:r>
-            <a:r>
-              <a:rPr lang="en-US" altLang="zh-CN" sz="1600">
-                <a:latin typeface="Ubuntu Mono" panose="020B0509030602030204" pitchFamily="49" charset="0"/>
-                <a:ea typeface="思源黑体 CN Light" panose="020B0300000000000000" pitchFamily="34" charset="-122"/>
-              </a:rPr>
-              <a:t>API</a:t>
-            </a:r>
-            <a:r>
-              <a:rPr lang="zh-CN" altLang="en-US" sz="1600">
-                <a:latin typeface="Ubuntu Mono" panose="020B0509030602030204" pitchFamily="49" charset="0"/>
-                <a:ea typeface="思源黑体 CN Light" panose="020B0300000000000000" pitchFamily="34" charset="-122"/>
-              </a:rPr>
-              <a:t>等。</a:t>
-            </a:r>
-          </a:p>
-        </p:txBody>
-      </p:sp>
     </p:spTree>
     <p:extLst>
       <p:ext uri="{BB962C8B-B14F-4D97-AF65-F5344CB8AC3E}">
-        <p14:creationId xmlns:p14="http://schemas.microsoft.com/office/powerpoint/2010/main" val="1595890343"/>
+        <p14:creationId xmlns:p14="http://schemas.microsoft.com/office/powerpoint/2010/main" val="1595442490"/>
       </p:ext>
     </p:extLst>
   </p:cSld>
@@ -6354,6 +7074,431 @@
     <p:extLst>
       <p:ext uri="{BB962C8B-B14F-4D97-AF65-F5344CB8AC3E}">
         <p14:creationId xmlns:p14="http://schemas.microsoft.com/office/powerpoint/2010/main" val="3193686447"/>
+      </p:ext>
+    </p:extLst>
+  </p:cSld>
+  <p:clrMapOvr>
+    <a:masterClrMapping/>
+  </p:clrMapOvr>
+</p:sld>
+</file>
+
+<file path=ppt/slides/slide20.xml><?xml version="1.0" encoding="utf-8"?>
+<p:sld xmlns:a="http://schemas.openxmlformats.org/drawingml/2006/main" xmlns:r="http://schemas.openxmlformats.org/officeDocument/2006/relationships" xmlns:p="http://schemas.openxmlformats.org/presentationml/2006/main">
+  <p:cSld>
+    <p:spTree>
+      <p:nvGrpSpPr>
+        <p:cNvPr id="1" name=""/>
+        <p:cNvGrpSpPr/>
+        <p:nvPr/>
+      </p:nvGrpSpPr>
+      <p:grpSpPr>
+        <a:xfrm>
+          <a:off x="0" y="0"/>
+          <a:ext cx="0" cy="0"/>
+          <a:chOff x="0" y="0"/>
+          <a:chExt cx="0" cy="0"/>
+        </a:xfrm>
+      </p:grpSpPr>
+      <p:sp>
+        <p:nvSpPr>
+          <p:cNvPr id="2" name="标题 1">
+            <a:extLst>
+              <a:ext uri="{FF2B5EF4-FFF2-40B4-BE49-F238E27FC236}">
+                <a16:creationId xmlns:a16="http://schemas.microsoft.com/office/drawing/2014/main" id="{E4B9D096-27E2-43FC-B5BB-7916518197BE}"/>
+              </a:ext>
+            </a:extLst>
+          </p:cNvPr>
+          <p:cNvSpPr>
+            <a:spLocks noGrp="1"/>
+          </p:cNvSpPr>
+          <p:nvPr>
+            <p:ph type="title"/>
+          </p:nvPr>
+        </p:nvSpPr>
+        <p:spPr/>
+        <p:txBody>
+          <a:bodyPr>
+            <a:normAutofit/>
+          </a:bodyPr>
+          <a:lstStyle/>
+          <a:p>
+            <a:r>
+              <a:rPr lang="zh-CN" altLang="en-US"/>
+              <a:t>小程序中使用</a:t>
+            </a:r>
+            <a:r>
+              <a:rPr lang="en-US" altLang="zh-CN"/>
+              <a:t>promise</a:t>
+            </a:r>
+            <a:r>
+              <a:rPr lang="zh-CN" altLang="en-US"/>
+              <a:t>和</a:t>
+            </a:r>
+            <a:r>
+              <a:rPr lang="en-US" altLang="zh-CN"/>
+              <a:t>async/await</a:t>
+            </a:r>
+            <a:endParaRPr lang="zh-CN" altLang="en-US"/>
+          </a:p>
+        </p:txBody>
+      </p:sp>
+      <p:sp>
+        <p:nvSpPr>
+          <p:cNvPr id="3" name="内容占位符 2">
+            <a:extLst>
+              <a:ext uri="{FF2B5EF4-FFF2-40B4-BE49-F238E27FC236}">
+                <a16:creationId xmlns:a16="http://schemas.microsoft.com/office/drawing/2014/main" id="{131C03CF-E3EA-4CB6-A8D8-CE2CCF56DE75}"/>
+              </a:ext>
+            </a:extLst>
+          </p:cNvPr>
+          <p:cNvSpPr>
+            <a:spLocks noGrp="1"/>
+          </p:cNvSpPr>
+          <p:nvPr>
+            <p:ph idx="1"/>
+          </p:nvPr>
+        </p:nvSpPr>
+        <p:spPr/>
+        <p:txBody>
+          <a:bodyPr/>
+          <a:lstStyle/>
+          <a:p>
+            <a:r>
+              <a:rPr lang="zh-CN" altLang="en-US"/>
+              <a:t>在一些统计测试中，基本上大部分手机，只要更新到最新版的微信，运行环境都是支持</a:t>
+            </a:r>
+            <a:r>
+              <a:rPr lang="en-US" altLang="zh-CN"/>
+              <a:t>async/await</a:t>
+            </a:r>
+            <a:r>
+              <a:rPr lang="zh-CN" altLang="en-US"/>
+              <a:t>的。</a:t>
+            </a:r>
+            <a:endParaRPr lang="en-US" altLang="zh-CN"/>
+          </a:p>
+          <a:p>
+            <a:r>
+              <a:rPr lang="zh-CN" altLang="en-US"/>
+              <a:t>不支持的情况：</a:t>
+            </a:r>
+            <a:r>
+              <a:rPr lang="en-US" altLang="zh-CN"/>
+              <a:t>PC</a:t>
+            </a:r>
+            <a:r>
+              <a:rPr lang="zh-CN" altLang="en-US"/>
+              <a:t>端的微信，一些手机自带的浏览器，</a:t>
+            </a:r>
+            <a:r>
+              <a:rPr lang="en-US" altLang="zh-CN"/>
+              <a:t>PC</a:t>
+            </a:r>
+            <a:r>
+              <a:rPr lang="zh-CN" altLang="en-US"/>
+              <a:t>端早期的浏览器以及</a:t>
+            </a:r>
+            <a:r>
+              <a:rPr lang="en-US" altLang="zh-CN"/>
+              <a:t>IE</a:t>
+            </a:r>
+            <a:r>
+              <a:rPr lang="zh-CN" altLang="en-US"/>
+              <a:t>浏览器。</a:t>
+            </a:r>
+            <a:endParaRPr lang="en-US" altLang="zh-CN"/>
+          </a:p>
+          <a:p>
+            <a:r>
+              <a:rPr lang="zh-CN" altLang="en-US"/>
+              <a:t>对于要针对大众普遍使用的小程序，需要考虑一些兼容情况。</a:t>
+            </a:r>
+            <a:endParaRPr lang="en-US" altLang="zh-CN"/>
+          </a:p>
+          <a:p>
+            <a:r>
+              <a:rPr lang="zh-CN" altLang="en-US"/>
+              <a:t>使用</a:t>
+            </a:r>
+            <a:r>
+              <a:rPr lang="en-US" altLang="zh-CN"/>
+              <a:t>async/await</a:t>
+            </a:r>
+            <a:r>
+              <a:rPr lang="zh-CN" altLang="en-US"/>
+              <a:t>可以解决回调嵌套层次太多的问题，当然</a:t>
+            </a:r>
+            <a:r>
+              <a:rPr lang="en-US" altLang="zh-CN"/>
+              <a:t>async function</a:t>
+            </a:r>
+            <a:r>
+              <a:rPr lang="zh-CN" altLang="en-US"/>
+              <a:t>返回的其实也是</a:t>
+            </a:r>
+            <a:r>
+              <a:rPr lang="en-US" altLang="zh-CN"/>
+              <a:t>promise</a:t>
+            </a:r>
+            <a:r>
+              <a:rPr lang="zh-CN" altLang="en-US"/>
+              <a:t>实例，但是利用</a:t>
+            </a:r>
+            <a:r>
+              <a:rPr lang="en-US" altLang="zh-CN"/>
+              <a:t>async/await</a:t>
+            </a:r>
+            <a:r>
+              <a:rPr lang="zh-CN" altLang="en-US"/>
+              <a:t>可以更好的分离和组织代码，而</a:t>
+            </a:r>
+            <a:r>
+              <a:rPr lang="en-US" altLang="zh-CN"/>
+              <a:t>promise</a:t>
+            </a:r>
+            <a:r>
+              <a:rPr lang="zh-CN" altLang="en-US"/>
+              <a:t>的链式调用解决了嵌套深度问题，却不利于代码的分离。</a:t>
+            </a:r>
+            <a:endParaRPr lang="en-US" altLang="zh-CN"/>
+          </a:p>
+        </p:txBody>
+      </p:sp>
+      <p:sp>
+        <p:nvSpPr>
+          <p:cNvPr id="4" name="文本框 3">
+            <a:extLst>
+              <a:ext uri="{FF2B5EF4-FFF2-40B4-BE49-F238E27FC236}">
+                <a16:creationId xmlns:a16="http://schemas.microsoft.com/office/drawing/2014/main" id="{FCD1A07F-59CE-4CD1-B69F-3B8D645FAF62}"/>
+              </a:ext>
+            </a:extLst>
+          </p:cNvPr>
+          <p:cNvSpPr txBox="1"/>
+          <p:nvPr/>
+        </p:nvSpPr>
+        <p:spPr>
+          <a:xfrm>
+            <a:off x="4784324" y="5592932"/>
+            <a:ext cx="6569476" cy="369332"/>
+          </a:xfrm>
+          <a:prstGeom prst="rect">
+            <a:avLst/>
+          </a:prstGeom>
+          <a:solidFill>
+            <a:schemeClr val="bg1">
+              <a:lumMod val="95000"/>
+            </a:schemeClr>
+          </a:solidFill>
+          <a:ln>
+            <a:noFill/>
+          </a:ln>
+          <a:effectLst>
+            <a:outerShdw blurRad="50800" dist="38100" dir="5400000" algn="t" rotWithShape="0">
+              <a:prstClr val="black">
+                <a:alpha val="40000"/>
+              </a:prstClr>
+            </a:outerShdw>
+          </a:effectLst>
+        </p:spPr>
+        <p:txBody>
+          <a:bodyPr wrap="square" rtlCol="0">
+            <a:spAutoFit/>
+          </a:bodyPr>
+          <a:lstStyle/>
+          <a:p>
+            <a:pPr marL="285750" indent="-285750">
+              <a:buFont typeface="Arial" panose="020B0604020202020204" pitchFamily="34" charset="0"/>
+              <a:buChar char="•"/>
+            </a:pPr>
+            <a:r>
+              <a:rPr lang="en-US" altLang="zh-CN">
+                <a:latin typeface="Ubuntu Mono" panose="020B0509030602030204" pitchFamily="49" charset="0"/>
+                <a:ea typeface="思源黑体 CN Light" panose="020B0300000000000000" pitchFamily="34" charset="-122"/>
+              </a:rPr>
+              <a:t>async await </a:t>
+            </a:r>
+            <a:r>
+              <a:rPr lang="zh-CN" altLang="en-US">
+                <a:latin typeface="Ubuntu Mono" panose="020B0509030602030204" pitchFamily="49" charset="0"/>
+                <a:ea typeface="思源黑体 CN Light" panose="020B0300000000000000" pitchFamily="34" charset="-122"/>
+              </a:rPr>
+              <a:t>是</a:t>
+            </a:r>
+            <a:r>
+              <a:rPr lang="en-US" altLang="zh-CN">
+                <a:latin typeface="Ubuntu Mono" panose="020B0509030602030204" pitchFamily="49" charset="0"/>
+                <a:ea typeface="思源黑体 CN Light" panose="020B0300000000000000" pitchFamily="34" charset="-122"/>
+              </a:rPr>
+              <a:t>ECMAScript 2017</a:t>
+            </a:r>
+            <a:r>
+              <a:rPr lang="zh-CN" altLang="en-US">
+                <a:latin typeface="Ubuntu Mono" panose="020B0509030602030204" pitchFamily="49" charset="0"/>
+                <a:ea typeface="思源黑体 CN Light" panose="020B0300000000000000" pitchFamily="34" charset="-122"/>
+              </a:rPr>
+              <a:t>（</a:t>
+            </a:r>
+            <a:r>
+              <a:rPr lang="en-US" altLang="zh-CN">
+                <a:latin typeface="Ubuntu Mono" panose="020B0509030602030204" pitchFamily="49" charset="0"/>
+                <a:ea typeface="思源黑体 CN Light" panose="020B0300000000000000" pitchFamily="34" charset="-122"/>
+              </a:rPr>
+              <a:t>ES8</a:t>
+            </a:r>
+            <a:r>
+              <a:rPr lang="zh-CN" altLang="en-US">
+                <a:latin typeface="Ubuntu Mono" panose="020B0509030602030204" pitchFamily="49" charset="0"/>
+                <a:ea typeface="思源黑体 CN Light" panose="020B0300000000000000" pitchFamily="34" charset="-122"/>
+              </a:rPr>
+              <a:t>）标准提出的。</a:t>
+            </a:r>
+            <a:endParaRPr lang="en-US" altLang="zh-CN">
+              <a:latin typeface="Ubuntu Mono" panose="020B0509030602030204" pitchFamily="49" charset="0"/>
+              <a:ea typeface="思源黑体 CN Light" panose="020B0300000000000000" pitchFamily="34" charset="-122"/>
+            </a:endParaRPr>
+          </a:p>
+        </p:txBody>
+      </p:sp>
+    </p:spTree>
+    <p:extLst>
+      <p:ext uri="{BB962C8B-B14F-4D97-AF65-F5344CB8AC3E}">
+        <p14:creationId xmlns:p14="http://schemas.microsoft.com/office/powerpoint/2010/main" val="1273111734"/>
+      </p:ext>
+    </p:extLst>
+  </p:cSld>
+  <p:clrMapOvr>
+    <a:masterClrMapping/>
+  </p:clrMapOvr>
+</p:sld>
+</file>
+
+<file path=ppt/slides/slide21.xml><?xml version="1.0" encoding="utf-8"?>
+<p:sld xmlns:a="http://schemas.openxmlformats.org/drawingml/2006/main" xmlns:r="http://schemas.openxmlformats.org/officeDocument/2006/relationships" xmlns:p="http://schemas.openxmlformats.org/presentationml/2006/main">
+  <p:cSld>
+    <p:spTree>
+      <p:nvGrpSpPr>
+        <p:cNvPr id="1" name=""/>
+        <p:cNvGrpSpPr/>
+        <p:nvPr/>
+      </p:nvGrpSpPr>
+      <p:grpSpPr>
+        <a:xfrm>
+          <a:off x="0" y="0"/>
+          <a:ext cx="0" cy="0"/>
+          <a:chOff x="0" y="0"/>
+          <a:chExt cx="0" cy="0"/>
+        </a:xfrm>
+      </p:grpSpPr>
+      <p:sp>
+        <p:nvSpPr>
+          <p:cNvPr id="2" name="标题 1">
+            <a:extLst>
+              <a:ext uri="{FF2B5EF4-FFF2-40B4-BE49-F238E27FC236}">
+                <a16:creationId xmlns:a16="http://schemas.microsoft.com/office/drawing/2014/main" id="{E5AD516C-21E4-4FF9-A176-1F20A9C4514B}"/>
+              </a:ext>
+            </a:extLst>
+          </p:cNvPr>
+          <p:cNvSpPr>
+            <a:spLocks noGrp="1"/>
+          </p:cNvSpPr>
+          <p:nvPr>
+            <p:ph type="title"/>
+          </p:nvPr>
+        </p:nvSpPr>
+        <p:spPr/>
+        <p:txBody>
+          <a:bodyPr/>
+          <a:lstStyle/>
+          <a:p>
+            <a:r>
+              <a:rPr lang="zh-CN" altLang="en-US"/>
+              <a:t>练习</a:t>
+            </a:r>
+          </a:p>
+        </p:txBody>
+      </p:sp>
+      <p:sp>
+        <p:nvSpPr>
+          <p:cNvPr id="3" name="内容占位符 2">
+            <a:extLst>
+              <a:ext uri="{FF2B5EF4-FFF2-40B4-BE49-F238E27FC236}">
+                <a16:creationId xmlns:a16="http://schemas.microsoft.com/office/drawing/2014/main" id="{5C3F673B-94AA-4D50-BF68-429E925EEC98}"/>
+              </a:ext>
+            </a:extLst>
+          </p:cNvPr>
+          <p:cNvSpPr>
+            <a:spLocks noGrp="1"/>
+          </p:cNvSpPr>
+          <p:nvPr>
+            <p:ph idx="1"/>
+          </p:nvPr>
+        </p:nvSpPr>
+        <p:spPr/>
+        <p:txBody>
+          <a:bodyPr/>
+          <a:lstStyle/>
+          <a:p>
+            <a:r>
+              <a:rPr lang="zh-CN" altLang="en-US"/>
+              <a:t>创建多个页面。</a:t>
+            </a:r>
+            <a:endParaRPr lang="en-US" altLang="zh-CN"/>
+          </a:p>
+          <a:p>
+            <a:r>
+              <a:rPr lang="zh-CN" altLang="en-US"/>
+              <a:t>全局配置修改。</a:t>
+            </a:r>
+            <a:endParaRPr lang="en-US" altLang="zh-CN"/>
+          </a:p>
+          <a:p>
+            <a:r>
+              <a:rPr lang="zh-CN" altLang="en-US"/>
+              <a:t>修改默认页。</a:t>
+            </a:r>
+            <a:endParaRPr lang="en-US" altLang="zh-CN"/>
+          </a:p>
+          <a:p>
+            <a:r>
+              <a:rPr lang="zh-CN" altLang="en-US"/>
+              <a:t>双向绑定练习。</a:t>
+            </a:r>
+            <a:endParaRPr lang="en-US" altLang="zh-CN"/>
+          </a:p>
+          <a:p>
+            <a:r>
+              <a:rPr lang="en-US" altLang="zh-CN"/>
+              <a:t>wxml</a:t>
+            </a:r>
+            <a:r>
+              <a:rPr lang="zh-CN" altLang="en-US"/>
+              <a:t>列表渲染和条件渲染。（参考开发者文档</a:t>
+            </a:r>
+            <a:r>
+              <a:rPr lang="en-US" altLang="zh-CN"/>
+              <a:t>《</a:t>
+            </a:r>
+            <a:r>
+              <a:rPr lang="zh-CN" altLang="en-US"/>
+              <a:t>框架</a:t>
+            </a:r>
+            <a:r>
+              <a:rPr lang="en-US" altLang="zh-CN"/>
+              <a:t>》</a:t>
+            </a:r>
+            <a:r>
+              <a:rPr lang="zh-CN" altLang="en-US"/>
+              <a:t>部分）</a:t>
+            </a:r>
+            <a:endParaRPr lang="en-US" altLang="zh-CN"/>
+          </a:p>
+        </p:txBody>
+      </p:sp>
+    </p:spTree>
+    <p:extLst>
+      <p:ext uri="{BB962C8B-B14F-4D97-AF65-F5344CB8AC3E}">
+        <p14:creationId xmlns:p14="http://schemas.microsoft.com/office/powerpoint/2010/main" val="3311913534"/>
       </p:ext>
     </p:extLst>
   </p:cSld>

--- a/materials/ch02/ch02-第一个小程序和相关说明.pptx
+++ b/materials/ch02/ch02-第一个小程序和相关说明.pptx
@@ -558,7 +558,7 @@
           <a:p>
             <a:fld id="{10955001-8E90-43AD-87AF-166875BDDBE4}" type="datetimeFigureOut">
               <a:rPr lang="zh-CN" altLang="en-US" smtClean="0"/>
-              <a:t>2020/8/23</a:t>
+              <a:t>2020/9/1</a:t>
             </a:fld>
             <a:endParaRPr lang="zh-CN" altLang="en-US"/>
           </a:p>
@@ -790,7 +790,7 @@
           <a:p>
             <a:fld id="{10955001-8E90-43AD-87AF-166875BDDBE4}" type="datetimeFigureOut">
               <a:rPr lang="zh-CN" altLang="en-US" smtClean="0"/>
-              <a:t>2020/8/23</a:t>
+              <a:t>2020/9/1</a:t>
             </a:fld>
             <a:endParaRPr lang="zh-CN" altLang="en-US"/>
           </a:p>
@@ -1288,7 +1288,7 @@
           <a:p>
             <a:fld id="{10955001-8E90-43AD-87AF-166875BDDBE4}" type="datetimeFigureOut">
               <a:rPr lang="zh-CN" altLang="en-US" smtClean="0"/>
-              <a:t>2020/8/23</a:t>
+              <a:t>2020/9/1</a:t>
             </a:fld>
             <a:endParaRPr lang="zh-CN" altLang="en-US"/>
           </a:p>
@@ -1717,7 +1717,7 @@
           <a:p>
             <a:fld id="{10955001-8E90-43AD-87AF-166875BDDBE4}" type="datetimeFigureOut">
               <a:rPr lang="zh-CN" altLang="en-US" smtClean="0"/>
-              <a:t>2020/8/23</a:t>
+              <a:t>2020/9/1</a:t>
             </a:fld>
             <a:endParaRPr lang="zh-CN" altLang="en-US"/>
           </a:p>
@@ -2234,7 +2234,7 @@
           <a:p>
             <a:fld id="{10955001-8E90-43AD-87AF-166875BDDBE4}" type="datetimeFigureOut">
               <a:rPr lang="zh-CN" altLang="en-US" smtClean="0"/>
-              <a:t>2020/8/23</a:t>
+              <a:t>2020/9/1</a:t>
             </a:fld>
             <a:endParaRPr lang="zh-CN" altLang="en-US"/>
           </a:p>
@@ -2694,7 +2694,7 @@
           <a:p>
             <a:fld id="{10955001-8E90-43AD-87AF-166875BDDBE4}" type="datetimeFigureOut">
               <a:rPr lang="zh-CN" altLang="en-US" smtClean="0"/>
-              <a:t>2020/8/23</a:t>
+              <a:t>2020/9/1</a:t>
             </a:fld>
             <a:endParaRPr lang="zh-CN" altLang="en-US"/>
           </a:p>
@@ -3006,7 +3006,7 @@
           <a:p>
             <a:fld id="{10955001-8E90-43AD-87AF-166875BDDBE4}" type="datetimeFigureOut">
               <a:rPr lang="zh-CN" altLang="en-US" smtClean="0"/>
-              <a:t>2020/8/23</a:t>
+              <a:t>2020/9/1</a:t>
             </a:fld>
             <a:endParaRPr lang="zh-CN" altLang="en-US"/>
           </a:p>
@@ -8680,6 +8680,14 @@
           <a:prstGeom prst="rect">
             <a:avLst/>
           </a:prstGeom>
+          <a:solidFill>
+            <a:schemeClr val="bg1">
+              <a:lumMod val="95000"/>
+            </a:schemeClr>
+          </a:solidFill>
+          <a:ln>
+            <a:noFill/>
+          </a:ln>
         </p:spPr>
         <p:style>
           <a:lnRef idx="2">
@@ -8764,6 +8772,14 @@
           <a:prstGeom prst="rect">
             <a:avLst/>
           </a:prstGeom>
+          <a:solidFill>
+            <a:schemeClr val="bg1">
+              <a:lumMod val="95000"/>
+            </a:schemeClr>
+          </a:solidFill>
+          <a:ln>
+            <a:noFill/>
+          </a:ln>
         </p:spPr>
         <p:style>
           <a:lnRef idx="2">
@@ -8827,6 +8843,14 @@
           <a:prstGeom prst="rect">
             <a:avLst/>
           </a:prstGeom>
+          <a:solidFill>
+            <a:schemeClr val="bg1">
+              <a:lumMod val="95000"/>
+            </a:schemeClr>
+          </a:solidFill>
+          <a:ln>
+            <a:noFill/>
+          </a:ln>
         </p:spPr>
         <p:style>
           <a:lnRef idx="2">
@@ -8927,6 +8951,14 @@
           <a:prstGeom prst="rect">
             <a:avLst/>
           </a:prstGeom>
+          <a:solidFill>
+            <a:schemeClr val="bg1">
+              <a:lumMod val="95000"/>
+            </a:schemeClr>
+          </a:solidFill>
+          <a:ln>
+            <a:noFill/>
+          </a:ln>
         </p:spPr>
         <p:style>
           <a:lnRef idx="2">
@@ -9230,7 +9262,12 @@
             <p:ph type="title"/>
           </p:nvPr>
         </p:nvSpPr>
-        <p:spPr/>
+        <p:spPr>
+          <a:xfrm>
+            <a:off x="838200" y="329615"/>
+            <a:ext cx="10515600" cy="876534"/>
+          </a:xfrm>
+        </p:spPr>
         <p:txBody>
           <a:bodyPr/>
           <a:lstStyle/>
@@ -9342,6 +9379,13 @@
             </a:solidFill>
             <a:prstDash val="dash"/>
           </a:ln>
+          <a:effectLst>
+            <a:outerShdw blurRad="50800" dist="38100" dir="5400000" algn="t" rotWithShape="0">
+              <a:prstClr val="black">
+                <a:alpha val="40000"/>
+              </a:prstClr>
+            </a:outerShdw>
+          </a:effectLst>
         </p:spPr>
         <p:style>
           <a:lnRef idx="2">
@@ -9386,12 +9430,27 @@
         </p:nvSpPr>
         <p:spPr>
           <a:xfrm>
-            <a:off x="5345729" y="1527406"/>
-            <a:ext cx="6392002" cy="3247236"/>
+            <a:off x="5406497" y="1527406"/>
+            <a:ext cx="6215820" cy="3247236"/>
           </a:xfrm>
           <a:prstGeom prst="rect">
             <a:avLst/>
           </a:prstGeom>
+          <a:solidFill>
+            <a:schemeClr val="bg1">
+              <a:lumMod val="95000"/>
+            </a:schemeClr>
+          </a:solidFill>
+          <a:ln>
+            <a:noFill/>
+          </a:ln>
+          <a:effectLst>
+            <a:outerShdw blurRad="50800" dist="38100" dir="5400000" algn="t" rotWithShape="0">
+              <a:prstClr val="black">
+                <a:alpha val="40000"/>
+              </a:prstClr>
+            </a:outerShdw>
+          </a:effectLst>
         </p:spPr>
         <p:style>
           <a:lnRef idx="2">
@@ -9421,34 +9480,34 @@
               <a:buChar char="•"/>
             </a:pPr>
             <a:r>
-              <a:rPr lang="zh-CN" altLang="en-US" sz="2200" dirty="0">
+              <a:rPr lang="zh-CN" altLang="en-US" sz="2000" dirty="0">
                 <a:latin typeface="Ubuntu Mono" panose="020B0509030602030204" pitchFamily="49" charset="0"/>
                 <a:ea typeface="思源黑体 CN Light" panose="020B0300000000000000" pitchFamily="34" charset="-122"/>
               </a:rPr>
               <a:t>在</a:t>
             </a:r>
             <a:r>
-              <a:rPr lang="en-US" altLang="zh-CN" sz="2200" dirty="0">
+              <a:rPr lang="en-US" altLang="zh-CN" sz="2000" dirty="0">
                 <a:latin typeface="Ubuntu Mono" panose="020B0509030602030204" pitchFamily="49" charset="0"/>
                 <a:ea typeface="思源黑体 CN Light" panose="020B0300000000000000" pitchFamily="34" charset="-122"/>
               </a:rPr>
               <a:t>pages</a:t>
             </a:r>
             <a:r>
-              <a:rPr lang="zh-CN" altLang="en-US" sz="2200" dirty="0">
+              <a:rPr lang="zh-CN" altLang="en-US" sz="2000" dirty="0">
                 <a:latin typeface="Ubuntu Mono" panose="020B0509030602030204" pitchFamily="49" charset="0"/>
                 <a:ea typeface="思源黑体 CN Light" panose="020B0300000000000000" pitchFamily="34" charset="-122"/>
               </a:rPr>
               <a:t>目录中，创建页面是以页面名称创建一</a:t>
             </a:r>
             <a:r>
-              <a:rPr lang="zh-CN" altLang="en-US" sz="2200">
+              <a:rPr lang="zh-CN" altLang="en-US" sz="2000">
                 <a:latin typeface="Ubuntu Mono" panose="020B0509030602030204" pitchFamily="49" charset="0"/>
                 <a:ea typeface="思源黑体 CN Light" panose="020B0300000000000000" pitchFamily="34" charset="-122"/>
               </a:rPr>
               <a:t>个目录。</a:t>
             </a:r>
-            <a:endParaRPr lang="en-US" altLang="zh-CN" sz="2200">
+            <a:endParaRPr lang="en-US" altLang="zh-CN" sz="2000">
               <a:latin typeface="Ubuntu Mono" panose="020B0509030602030204" pitchFamily="49" charset="0"/>
               <a:ea typeface="思源黑体 CN Light" panose="020B0300000000000000" pitchFamily="34" charset="-122"/>
             </a:endParaRPr>
@@ -9462,40 +9521,40 @@
               <a:buChar char="•"/>
             </a:pPr>
             <a:r>
-              <a:rPr lang="zh-CN" altLang="en-US" sz="2200">
+              <a:rPr lang="zh-CN" altLang="en-US" sz="2000">
                 <a:latin typeface="Ubuntu Mono" panose="020B0509030602030204" pitchFamily="49" charset="0"/>
                 <a:ea typeface="思源黑体 CN Light" panose="020B0300000000000000" pitchFamily="34" charset="-122"/>
               </a:rPr>
               <a:t>并且</a:t>
             </a:r>
             <a:r>
-              <a:rPr lang="zh-CN" altLang="en-US" sz="2200" dirty="0">
+              <a:rPr lang="zh-CN" altLang="en-US" sz="2000" dirty="0">
                 <a:latin typeface="Ubuntu Mono" panose="020B0509030602030204" pitchFamily="49" charset="0"/>
                 <a:ea typeface="思源黑体 CN Light" panose="020B0300000000000000" pitchFamily="34" charset="-122"/>
               </a:rPr>
               <a:t>在页面目录中以页面名称创建四种类型的文件，以</a:t>
             </a:r>
             <a:r>
-              <a:rPr lang="en-US" altLang="zh-CN" sz="2200" dirty="0">
+              <a:rPr lang="en-US" altLang="zh-CN" sz="2000" dirty="0">
                 <a:latin typeface="Ubuntu Mono" panose="020B0509030602030204" pitchFamily="49" charset="0"/>
                 <a:ea typeface="思源黑体 CN Light" panose="020B0300000000000000" pitchFamily="34" charset="-122"/>
               </a:rPr>
               <a:t>index</a:t>
             </a:r>
             <a:r>
-              <a:rPr lang="zh-CN" altLang="en-US" sz="2200" dirty="0">
+              <a:rPr lang="zh-CN" altLang="en-US" sz="2000" dirty="0">
                 <a:latin typeface="Ubuntu Mono" panose="020B0509030602030204" pitchFamily="49" charset="0"/>
                 <a:ea typeface="思源黑体 CN Light" panose="020B0300000000000000" pitchFamily="34" charset="-122"/>
               </a:rPr>
               <a:t>页面为例：</a:t>
             </a:r>
-            <a:endParaRPr lang="en-US" altLang="zh-CN" sz="2200" dirty="0">
+            <a:endParaRPr lang="en-US" altLang="zh-CN" sz="2000" dirty="0">
               <a:latin typeface="Ubuntu Mono" panose="020B0509030602030204" pitchFamily="49" charset="0"/>
               <a:ea typeface="思源黑体 CN Light" panose="020B0300000000000000" pitchFamily="34" charset="-122"/>
             </a:endParaRPr>
           </a:p>
           <a:p>
-            <a:pPr marL="800100" lvl="1" indent="-342900">
+            <a:pPr marL="1257300" lvl="2" indent="-342900">
               <a:lnSpc>
                 <a:spcPts val="2800"/>
               </a:lnSpc>
@@ -9506,40 +9565,40 @@
               <a:buChar char="•"/>
             </a:pPr>
             <a:r>
-              <a:rPr lang="en-US" altLang="zh-CN" sz="2000" dirty="0">
+              <a:rPr lang="en-US" altLang="zh-CN" dirty="0">
                 <a:latin typeface="Ubuntu Mono" panose="020B0509030602030204" pitchFamily="49" charset="0"/>
                 <a:ea typeface="思源黑体 CN Light" panose="020B0300000000000000" pitchFamily="34" charset="-122"/>
               </a:rPr>
               <a:t>index</a:t>
             </a:r>
             <a:r>
-              <a:rPr lang="en-US" altLang="zh-CN" sz="2000">
+              <a:rPr lang="en-US" altLang="zh-CN">
                 <a:latin typeface="Ubuntu Mono" panose="020B0509030602030204" pitchFamily="49" charset="0"/>
                 <a:ea typeface="思源黑体 CN Light" panose="020B0300000000000000" pitchFamily="34" charset="-122"/>
               </a:rPr>
               <a:t>.js </a:t>
             </a:r>
             <a:r>
-              <a:rPr lang="zh-CN" altLang="en-US" sz="2000">
+              <a:rPr lang="zh-CN" altLang="en-US">
                 <a:latin typeface="Ubuntu Mono" panose="020B0509030602030204" pitchFamily="49" charset="0"/>
                 <a:ea typeface="思源黑体 CN Light" panose="020B0300000000000000" pitchFamily="34" charset="-122"/>
               </a:rPr>
               <a:t>控制</a:t>
             </a:r>
             <a:r>
-              <a:rPr lang="zh-CN" altLang="en-US" sz="2000" dirty="0">
+              <a:rPr lang="zh-CN" altLang="en-US" dirty="0">
                 <a:latin typeface="Ubuntu Mono" panose="020B0509030602030204" pitchFamily="49" charset="0"/>
                 <a:ea typeface="思源黑体 CN Light" panose="020B0300000000000000" pitchFamily="34" charset="-122"/>
               </a:rPr>
               <a:t>页面逻辑；</a:t>
             </a:r>
-            <a:endParaRPr lang="en-US" altLang="zh-CN" sz="2000" dirty="0">
+            <a:endParaRPr lang="en-US" altLang="zh-CN" dirty="0">
               <a:latin typeface="Ubuntu Mono" panose="020B0509030602030204" pitchFamily="49" charset="0"/>
               <a:ea typeface="思源黑体 CN Light" panose="020B0300000000000000" pitchFamily="34" charset="-122"/>
             </a:endParaRPr>
           </a:p>
           <a:p>
-            <a:pPr marL="800100" lvl="1" indent="-342900">
+            <a:pPr marL="1257300" lvl="2" indent="-342900">
               <a:lnSpc>
                 <a:spcPts val="2800"/>
               </a:lnSpc>
@@ -9550,47 +9609,47 @@
               <a:buChar char="•"/>
             </a:pPr>
             <a:r>
-              <a:rPr lang="en-US" altLang="zh-CN" sz="2000" dirty="0" err="1">
+              <a:rPr lang="en-US" altLang="zh-CN" dirty="0" err="1">
                 <a:latin typeface="Ubuntu Mono" panose="020B0509030602030204" pitchFamily="49" charset="0"/>
                 <a:ea typeface="思源黑体 CN Light" panose="020B0300000000000000" pitchFamily="34" charset="-122"/>
               </a:rPr>
               <a:t>index</a:t>
             </a:r>
             <a:r>
-              <a:rPr lang="en-US" altLang="zh-CN" sz="2000" err="1">
+              <a:rPr lang="en-US" altLang="zh-CN" err="1">
                 <a:latin typeface="Ubuntu Mono" panose="020B0509030602030204" pitchFamily="49" charset="0"/>
                 <a:ea typeface="思源黑体 CN Light" panose="020B0300000000000000" pitchFamily="34" charset="-122"/>
               </a:rPr>
               <a:t>.</a:t>
             </a:r>
             <a:r>
-              <a:rPr lang="en-US" altLang="zh-CN" sz="2000">
+              <a:rPr lang="en-US" altLang="zh-CN">
                 <a:latin typeface="Ubuntu Mono" panose="020B0509030602030204" pitchFamily="49" charset="0"/>
                 <a:ea typeface="思源黑体 CN Light" panose="020B0300000000000000" pitchFamily="34" charset="-122"/>
               </a:rPr>
               <a:t>json </a:t>
             </a:r>
             <a:r>
-              <a:rPr lang="zh-CN" altLang="en-US" sz="2000">
+              <a:rPr lang="zh-CN" altLang="en-US">
                 <a:latin typeface="Ubuntu Mono" panose="020B0509030602030204" pitchFamily="49" charset="0"/>
                 <a:ea typeface="思源黑体 CN Light" panose="020B0300000000000000" pitchFamily="34" charset="-122"/>
               </a:rPr>
               <a:t>是</a:t>
             </a:r>
             <a:r>
-              <a:rPr lang="zh-CN" altLang="en-US" sz="2000" dirty="0">
+              <a:rPr lang="zh-CN" altLang="en-US" dirty="0">
                 <a:latin typeface="Ubuntu Mono" panose="020B0509030602030204" pitchFamily="49" charset="0"/>
                 <a:ea typeface="思源黑体 CN Light" panose="020B0300000000000000" pitchFamily="34" charset="-122"/>
               </a:rPr>
               <a:t>页面配置文件；</a:t>
             </a:r>
-            <a:endParaRPr lang="en-US" altLang="zh-CN" sz="2000" dirty="0">
+            <a:endParaRPr lang="en-US" altLang="zh-CN" dirty="0">
               <a:latin typeface="Ubuntu Mono" panose="020B0509030602030204" pitchFamily="49" charset="0"/>
               <a:ea typeface="思源黑体 CN Light" panose="020B0300000000000000" pitchFamily="34" charset="-122"/>
             </a:endParaRPr>
           </a:p>
           <a:p>
-            <a:pPr marL="800100" lvl="1" indent="-342900">
+            <a:pPr marL="1257300" lvl="2" indent="-342900">
               <a:lnSpc>
                 <a:spcPts val="2800"/>
               </a:lnSpc>
@@ -9601,61 +9660,61 @@
               <a:buChar char="•"/>
             </a:pPr>
             <a:r>
-              <a:rPr lang="en-US" altLang="zh-CN" sz="2000" dirty="0" err="1">
+              <a:rPr lang="en-US" altLang="zh-CN" dirty="0" err="1">
                 <a:latin typeface="Ubuntu Mono" panose="020B0509030602030204" pitchFamily="49" charset="0"/>
                 <a:ea typeface="思源黑体 CN Light" panose="020B0300000000000000" pitchFamily="34" charset="-122"/>
               </a:rPr>
               <a:t>index</a:t>
             </a:r>
             <a:r>
-              <a:rPr lang="en-US" altLang="zh-CN" sz="2000" err="1">
+              <a:rPr lang="en-US" altLang="zh-CN" err="1">
                 <a:latin typeface="Ubuntu Mono" panose="020B0509030602030204" pitchFamily="49" charset="0"/>
                 <a:ea typeface="思源黑体 CN Light" panose="020B0300000000000000" pitchFamily="34" charset="-122"/>
               </a:rPr>
               <a:t>.</a:t>
             </a:r>
             <a:r>
-              <a:rPr lang="en-US" altLang="zh-CN" sz="2000">
+              <a:rPr lang="en-US" altLang="zh-CN">
                 <a:latin typeface="Ubuntu Mono" panose="020B0509030602030204" pitchFamily="49" charset="0"/>
                 <a:ea typeface="思源黑体 CN Light" panose="020B0300000000000000" pitchFamily="34" charset="-122"/>
               </a:rPr>
               <a:t>wxml </a:t>
             </a:r>
             <a:r>
-              <a:rPr lang="zh-CN" altLang="en-US" sz="2000">
+              <a:rPr lang="zh-CN" altLang="en-US">
                 <a:latin typeface="Ubuntu Mono" panose="020B0509030602030204" pitchFamily="49" charset="0"/>
                 <a:ea typeface="思源黑体 CN Light" panose="020B0300000000000000" pitchFamily="34" charset="-122"/>
               </a:rPr>
               <a:t>是</a:t>
             </a:r>
             <a:r>
-              <a:rPr lang="zh-CN" altLang="en-US" sz="2000" dirty="0">
+              <a:rPr lang="zh-CN" altLang="en-US" dirty="0">
                 <a:latin typeface="Ubuntu Mono" panose="020B0509030602030204" pitchFamily="49" charset="0"/>
                 <a:ea typeface="思源黑体 CN Light" panose="020B0300000000000000" pitchFamily="34" charset="-122"/>
               </a:rPr>
               <a:t>模板文件，作用相当于</a:t>
             </a:r>
             <a:r>
-              <a:rPr lang="en-US" altLang="zh-CN" sz="2000" dirty="0">
+              <a:rPr lang="en-US" altLang="zh-CN" dirty="0">
                 <a:latin typeface="Ubuntu Mono" panose="020B0509030602030204" pitchFamily="49" charset="0"/>
                 <a:ea typeface="思源黑体 CN Light" panose="020B0300000000000000" pitchFamily="34" charset="-122"/>
               </a:rPr>
               <a:t>HTML</a:t>
             </a:r>
             <a:r>
-              <a:rPr lang="zh-CN" altLang="en-US" sz="2000" dirty="0">
+              <a:rPr lang="zh-CN" altLang="en-US" dirty="0">
                 <a:latin typeface="Ubuntu Mono" panose="020B0509030602030204" pitchFamily="49" charset="0"/>
                 <a:ea typeface="思源黑体 CN Light" panose="020B0300000000000000" pitchFamily="34" charset="-122"/>
               </a:rPr>
               <a:t>；</a:t>
             </a:r>
-            <a:endParaRPr lang="en-US" altLang="zh-CN" sz="2000" dirty="0">
+            <a:endParaRPr lang="en-US" altLang="zh-CN" dirty="0">
               <a:latin typeface="Ubuntu Mono" panose="020B0509030602030204" pitchFamily="49" charset="0"/>
               <a:ea typeface="思源黑体 CN Light" panose="020B0300000000000000" pitchFamily="34" charset="-122"/>
             </a:endParaRPr>
           </a:p>
           <a:p>
-            <a:pPr marL="800100" lvl="1" indent="-342900">
+            <a:pPr marL="1257300" lvl="2" indent="-342900">
               <a:lnSpc>
                 <a:spcPts val="2800"/>
               </a:lnSpc>
@@ -9666,55 +9725,55 @@
               <a:buChar char="•"/>
             </a:pPr>
             <a:r>
-              <a:rPr lang="en-US" altLang="zh-CN" sz="2000" dirty="0" err="1">
+              <a:rPr lang="en-US" altLang="zh-CN" dirty="0" err="1">
                 <a:latin typeface="Ubuntu Mono" panose="020B0509030602030204" pitchFamily="49" charset="0"/>
                 <a:ea typeface="思源黑体 CN Light" panose="020B0300000000000000" pitchFamily="34" charset="-122"/>
               </a:rPr>
               <a:t>index</a:t>
             </a:r>
             <a:r>
-              <a:rPr lang="en-US" altLang="zh-CN" sz="2000" err="1">
+              <a:rPr lang="en-US" altLang="zh-CN" err="1">
                 <a:latin typeface="Ubuntu Mono" panose="020B0509030602030204" pitchFamily="49" charset="0"/>
                 <a:ea typeface="思源黑体 CN Light" panose="020B0300000000000000" pitchFamily="34" charset="-122"/>
               </a:rPr>
               <a:t>.</a:t>
             </a:r>
             <a:r>
-              <a:rPr lang="en-US" altLang="zh-CN" sz="2000">
+              <a:rPr lang="en-US" altLang="zh-CN">
                 <a:latin typeface="Ubuntu Mono" panose="020B0509030602030204" pitchFamily="49" charset="0"/>
                 <a:ea typeface="思源黑体 CN Light" panose="020B0300000000000000" pitchFamily="34" charset="-122"/>
               </a:rPr>
               <a:t>wxss </a:t>
             </a:r>
             <a:r>
-              <a:rPr lang="zh-CN" altLang="en-US" sz="2000">
+              <a:rPr lang="zh-CN" altLang="en-US">
                 <a:latin typeface="Ubuntu Mono" panose="020B0509030602030204" pitchFamily="49" charset="0"/>
                 <a:ea typeface="思源黑体 CN Light" panose="020B0300000000000000" pitchFamily="34" charset="-122"/>
               </a:rPr>
               <a:t>是</a:t>
             </a:r>
             <a:r>
-              <a:rPr lang="zh-CN" altLang="en-US" sz="2000" dirty="0">
+              <a:rPr lang="zh-CN" altLang="en-US" dirty="0">
                 <a:latin typeface="Ubuntu Mono" panose="020B0509030602030204" pitchFamily="49" charset="0"/>
                 <a:ea typeface="思源黑体 CN Light" panose="020B0300000000000000" pitchFamily="34" charset="-122"/>
               </a:rPr>
               <a:t>样式文件，作用相当于</a:t>
             </a:r>
             <a:r>
-              <a:rPr lang="en-US" altLang="zh-CN" sz="2000">
+              <a:rPr lang="en-US" altLang="zh-CN">
                 <a:latin typeface="Ubuntu Mono" panose="020B0509030602030204" pitchFamily="49" charset="0"/>
                 <a:ea typeface="思源黑体 CN Light" panose="020B0300000000000000" pitchFamily="34" charset="-122"/>
               </a:rPr>
               <a:t>CSS</a:t>
             </a:r>
             <a:r>
-              <a:rPr lang="zh-CN" altLang="en-US" sz="2000">
+              <a:rPr lang="zh-CN" altLang="en-US">
                 <a:latin typeface="Ubuntu Mono" panose="020B0509030602030204" pitchFamily="49" charset="0"/>
                 <a:ea typeface="思源黑体 CN Light" panose="020B0300000000000000" pitchFamily="34" charset="-122"/>
               </a:rPr>
               <a:t>；</a:t>
             </a:r>
-            <a:endParaRPr lang="en-US" altLang="zh-CN" sz="2000" dirty="0">
+            <a:endParaRPr lang="en-US" altLang="zh-CN" dirty="0">
               <a:latin typeface="Ubuntu Mono" panose="020B0509030602030204" pitchFamily="49" charset="0"/>
               <a:ea typeface="思源黑体 CN Light" panose="020B0300000000000000" pitchFamily="34" charset="-122"/>
             </a:endParaRPr>
@@ -9914,6 +9973,14 @@
           <a:prstGeom prst="rect">
             <a:avLst/>
           </a:prstGeom>
+          <a:solidFill>
+            <a:schemeClr val="bg1">
+              <a:lumMod val="95000"/>
+            </a:schemeClr>
+          </a:solidFill>
+          <a:ln>
+            <a:noFill/>
+          </a:ln>
         </p:spPr>
         <p:style>
           <a:lnRef idx="2">
@@ -9978,6 +10045,14 @@
           <a:prstGeom prst="rect">
             <a:avLst/>
           </a:prstGeom>
+          <a:solidFill>
+            <a:schemeClr val="bg1">
+              <a:lumMod val="95000"/>
+            </a:schemeClr>
+          </a:solidFill>
+          <a:ln>
+            <a:noFill/>
+          </a:ln>
         </p:spPr>
         <p:style>
           <a:lnRef idx="2">
@@ -10032,7 +10107,7 @@
                 <a:latin typeface="Ubuntu Mono" panose="020B0509030602030204" pitchFamily="49" charset="0"/>
                 <a:ea typeface="思源黑体 CN Light" panose="020B0300000000000000" pitchFamily="34" charset="-122"/>
               </a:rPr>
-              <a:t>是项目相关的配置文件。包括主题，字体</a:t>
+              <a:t>是项目相关的</a:t>
             </a:r>
             <a:r>
               <a:rPr lang="zh-CN" altLang="en-US" sz="2000">
@@ -10042,7 +10117,27 @@
                 <a:latin typeface="Ubuntu Mono" panose="020B0509030602030204" pitchFamily="49" charset="0"/>
                 <a:ea typeface="思源黑体 CN Light" panose="020B0300000000000000" pitchFamily="34" charset="-122"/>
               </a:rPr>
-              <a:t>等。</a:t>
+              <a:t>配置文件。项目的</a:t>
+            </a:r>
+            <a:r>
+              <a:rPr lang="en-US" altLang="zh-CN" sz="2000">
+                <a:solidFill>
+                  <a:schemeClr val="tx1"/>
+                </a:solidFill>
+                <a:latin typeface="Ubuntu Mono" panose="020B0509030602030204" pitchFamily="49" charset="0"/>
+                <a:ea typeface="思源黑体 CN Light" panose="020B0300000000000000" pitchFamily="34" charset="-122"/>
+              </a:rPr>
+              <a:t>appid</a:t>
+            </a:r>
+            <a:r>
+              <a:rPr lang="zh-CN" altLang="en-US" sz="2000">
+                <a:solidFill>
+                  <a:schemeClr val="tx1"/>
+                </a:solidFill>
+                <a:latin typeface="Ubuntu Mono" panose="020B0509030602030204" pitchFamily="49" charset="0"/>
+                <a:ea typeface="思源黑体 CN Light" panose="020B0300000000000000" pitchFamily="34" charset="-122"/>
+              </a:rPr>
+              <a:t>在此处记录。</a:t>
             </a:r>
             <a:endParaRPr lang="en-US" altLang="zh-CN" sz="2000" dirty="0">
               <a:solidFill>

--- a/materials/ch02/ch02-第一个小程序和相关说明.pptx
+++ b/materials/ch02/ch02-第一个小程序和相关说明.pptx
@@ -558,7 +558,7 @@
           <a:p>
             <a:fld id="{10955001-8E90-43AD-87AF-166875BDDBE4}" type="datetimeFigureOut">
               <a:rPr lang="zh-CN" altLang="en-US" smtClean="0"/>
-              <a:t>2020/9/1</a:t>
+              <a:t>2020/9/15</a:t>
             </a:fld>
             <a:endParaRPr lang="zh-CN" altLang="en-US"/>
           </a:p>
@@ -790,7 +790,7 @@
           <a:p>
             <a:fld id="{10955001-8E90-43AD-87AF-166875BDDBE4}" type="datetimeFigureOut">
               <a:rPr lang="zh-CN" altLang="en-US" smtClean="0"/>
-              <a:t>2020/9/1</a:t>
+              <a:t>2020/9/15</a:t>
             </a:fld>
             <a:endParaRPr lang="zh-CN" altLang="en-US"/>
           </a:p>
@@ -972,7 +972,7 @@
               <a:spcBef>
                 <a:spcPts val="1200"/>
               </a:spcBef>
-              <a:defRPr sz="2000" baseline="0">
+              <a:defRPr sz="2200" baseline="0">
                 <a:latin typeface="Ubuntu Mono" panose="020B0509030602030204" pitchFamily="49" charset="0"/>
                 <a:ea typeface="思源黑体 CN Light" panose="020B0300000000000000" pitchFamily="34" charset="-122"/>
               </a:defRPr>
@@ -984,7 +984,7 @@
               <a:spcBef>
                 <a:spcPts val="1200"/>
               </a:spcBef>
-              <a:defRPr sz="1800" baseline="0">
+              <a:defRPr sz="2000" baseline="0">
                 <a:latin typeface="Ubuntu Mono" panose="020B0509030602030204" pitchFamily="49" charset="0"/>
                 <a:ea typeface="思源黑体 CN Light" panose="020B0300000000000000" pitchFamily="34" charset="-122"/>
               </a:defRPr>
@@ -996,7 +996,7 @@
               <a:spcBef>
                 <a:spcPts val="1200"/>
               </a:spcBef>
-              <a:defRPr sz="1600" baseline="0">
+              <a:defRPr sz="1800" baseline="0">
                 <a:latin typeface="Ubuntu Mono" panose="020B0509030602030204" pitchFamily="49" charset="0"/>
                 <a:ea typeface="思源黑体 CN Light" panose="020B0300000000000000" pitchFamily="34" charset="-122"/>
               </a:defRPr>
@@ -1008,7 +1008,7 @@
               <a:spcBef>
                 <a:spcPts val="1200"/>
               </a:spcBef>
-              <a:defRPr sz="1400" baseline="0">
+              <a:defRPr sz="1600" baseline="0">
                 <a:latin typeface="Ubuntu Mono" panose="020B0509030602030204" pitchFamily="49" charset="0"/>
                 <a:ea typeface="思源黑体 CN Light" panose="020B0300000000000000" pitchFamily="34" charset="-122"/>
               </a:defRPr>
@@ -1288,7 +1288,7 @@
           <a:p>
             <a:fld id="{10955001-8E90-43AD-87AF-166875BDDBE4}" type="datetimeFigureOut">
               <a:rPr lang="zh-CN" altLang="en-US" smtClean="0"/>
-              <a:t>2020/9/1</a:t>
+              <a:t>2020/9/15</a:t>
             </a:fld>
             <a:endParaRPr lang="zh-CN" altLang="en-US"/>
           </a:p>
@@ -1717,7 +1717,7 @@
           <a:p>
             <a:fld id="{10955001-8E90-43AD-87AF-166875BDDBE4}" type="datetimeFigureOut">
               <a:rPr lang="zh-CN" altLang="en-US" smtClean="0"/>
-              <a:t>2020/9/1</a:t>
+              <a:t>2020/9/15</a:t>
             </a:fld>
             <a:endParaRPr lang="zh-CN" altLang="en-US"/>
           </a:p>
@@ -2234,7 +2234,7 @@
           <a:p>
             <a:fld id="{10955001-8E90-43AD-87AF-166875BDDBE4}" type="datetimeFigureOut">
               <a:rPr lang="zh-CN" altLang="en-US" smtClean="0"/>
-              <a:t>2020/9/1</a:t>
+              <a:t>2020/9/15</a:t>
             </a:fld>
             <a:endParaRPr lang="zh-CN" altLang="en-US"/>
           </a:p>
@@ -2694,7 +2694,7 @@
           <a:p>
             <a:fld id="{10955001-8E90-43AD-87AF-166875BDDBE4}" type="datetimeFigureOut">
               <a:rPr lang="zh-CN" altLang="en-US" smtClean="0"/>
-              <a:t>2020/9/1</a:t>
+              <a:t>2020/9/15</a:t>
             </a:fld>
             <a:endParaRPr lang="zh-CN" altLang="en-US"/>
           </a:p>
@@ -3006,7 +3006,7 @@
           <a:p>
             <a:fld id="{10955001-8E90-43AD-87AF-166875BDDBE4}" type="datetimeFigureOut">
               <a:rPr lang="zh-CN" altLang="en-US" smtClean="0"/>
-              <a:t>2020/9/1</a:t>
+              <a:t>2020/9/15</a:t>
             </a:fld>
             <a:endParaRPr lang="zh-CN" altLang="en-US"/>
           </a:p>
@@ -3877,7 +3877,9 @@
           </a:xfrm>
         </p:spPr>
         <p:txBody>
-          <a:bodyPr/>
+          <a:bodyPr>
+            <a:normAutofit fontScale="85000" lnSpcReduction="10000"/>
+          </a:bodyPr>
           <a:lstStyle/>
           <a:p>
             <a:r>
@@ -5019,14 +5021,7 @@
           <a:p>
             <a:r>
               <a:rPr lang="zh-CN" altLang="en-US"/>
-              <a:t>在视图渲染层，并不知道什么时候开始有数据过来，同样的，在逻辑层，当要显示数据，可能视图层的准备工作还没有结束。</a:t>
-            </a:r>
-            <a:endParaRPr lang="en-US" altLang="zh-CN"/>
-          </a:p>
-          <a:p>
-            <a:r>
-              <a:rPr lang="zh-CN" altLang="en-US"/>
-              <a:t>所以通过整个页面生命周期中的事件回调函数来解决。</a:t>
+              <a:t>在视图渲染层，并不知道什么时候开始有数据过来，同样的，在逻辑层，当要显示数据，可能视图层的准备工作还没有结束。所以通过整个页面生命周期中的事件回调函数来解决。</a:t>
             </a:r>
             <a:endParaRPr lang="en-US" altLang="zh-CN"/>
           </a:p>
@@ -5055,9 +5050,6 @@
               <a:t>文件中可以有触发事件的机制，比如点击按钮，滑动元素等。</a:t>
             </a:r>
             <a:endParaRPr lang="en-US" altLang="zh-CN"/>
-          </a:p>
-          <a:p>
-            <a:endParaRPr lang="zh-CN" altLang="en-US"/>
           </a:p>
         </p:txBody>
       </p:sp>
@@ -5149,7 +5141,7 @@
         </p:blipFill>
         <p:spPr>
           <a:xfrm>
-            <a:off x="7481305" y="487779"/>
+            <a:off x="7756514" y="487779"/>
             <a:ext cx="4051638" cy="6205984"/>
           </a:xfrm>
         </p:spPr>
@@ -5168,8 +5160,8 @@
         </p:nvSpPr>
         <p:spPr>
           <a:xfrm>
-            <a:off x="1003176" y="1615736"/>
-            <a:ext cx="6152226" cy="4806059"/>
+            <a:off x="923279" y="1615736"/>
+            <a:ext cx="6622740" cy="4682949"/>
           </a:xfrm>
           <a:prstGeom prst="rect">
             <a:avLst/>
@@ -5191,13 +5183,13 @@
               </a:spcBef>
             </a:pPr>
             <a:r>
-              <a:rPr lang="zh-CN" altLang="en-US" b="1">
+              <a:rPr lang="zh-CN" altLang="en-US" sz="2000" b="1">
                 <a:latin typeface="Ubuntu Mono" panose="020B0509030602030204" pitchFamily="49" charset="0"/>
                 <a:ea typeface="思源黑体 CN Light" panose="020B0300000000000000" pitchFamily="34" charset="-122"/>
               </a:rPr>
               <a:t>一些回调函数的说明：</a:t>
             </a:r>
-            <a:endParaRPr lang="en-US" altLang="zh-CN">
+            <a:endParaRPr lang="en-US" altLang="zh-CN" sz="2000">
               <a:latin typeface="Ubuntu Mono" panose="020B0509030602030204" pitchFamily="49" charset="0"/>
               <a:ea typeface="思源黑体 CN Light" panose="020B0300000000000000" pitchFamily="34" charset="-122"/>
             </a:endParaRPr>
@@ -5214,20 +5206,20 @@
               <a:buChar char="•"/>
             </a:pPr>
             <a:r>
-              <a:rPr lang="en-US" altLang="zh-CN">
+              <a:rPr lang="en-US" altLang="zh-CN" sz="2000">
                 <a:latin typeface="Ubuntu Mono" panose="020B0509030602030204" pitchFamily="49" charset="0"/>
                 <a:ea typeface="思源黑体 CN Light" panose="020B0300000000000000" pitchFamily="34" charset="-122"/>
               </a:rPr>
               <a:t>onLoad </a:t>
             </a:r>
             <a:r>
-              <a:rPr lang="zh-CN" altLang="en-US">
+              <a:rPr lang="zh-CN" altLang="en-US" sz="2000">
                 <a:latin typeface="Ubuntu Mono" panose="020B0509030602030204" pitchFamily="49" charset="0"/>
                 <a:ea typeface="思源黑体 CN Light" panose="020B0300000000000000" pitchFamily="34" charset="-122"/>
               </a:rPr>
               <a:t>页面加载时触发，只在首次加载时触发一次。</a:t>
             </a:r>
-            <a:endParaRPr lang="en-US" altLang="zh-CN">
+            <a:endParaRPr lang="en-US" altLang="zh-CN" sz="2000">
               <a:latin typeface="Ubuntu Mono" panose="020B0509030602030204" pitchFamily="49" charset="0"/>
               <a:ea typeface="思源黑体 CN Light" panose="020B0300000000000000" pitchFamily="34" charset="-122"/>
             </a:endParaRPr>
@@ -5244,20 +5236,20 @@
               <a:buChar char="•"/>
             </a:pPr>
             <a:r>
-              <a:rPr lang="en-US" altLang="zh-CN">
+              <a:rPr lang="en-US" altLang="zh-CN" sz="2000">
                 <a:latin typeface="Ubuntu Mono" panose="020B0509030602030204" pitchFamily="49" charset="0"/>
                 <a:ea typeface="思源黑体 CN Light" panose="020B0300000000000000" pitchFamily="34" charset="-122"/>
               </a:rPr>
               <a:t>onShow </a:t>
             </a:r>
             <a:r>
-              <a:rPr lang="zh-CN" altLang="en-US">
+              <a:rPr lang="zh-CN" altLang="en-US" sz="2000">
                 <a:latin typeface="Ubuntu Mono" panose="020B0509030602030204" pitchFamily="49" charset="0"/>
                 <a:ea typeface="思源黑体 CN Light" panose="020B0300000000000000" pitchFamily="34" charset="-122"/>
               </a:rPr>
               <a:t>页面显示时触发。</a:t>
             </a:r>
-            <a:endParaRPr lang="en-US" altLang="zh-CN">
+            <a:endParaRPr lang="en-US" altLang="zh-CN" sz="2000">
               <a:latin typeface="Ubuntu Mono" panose="020B0509030602030204" pitchFamily="49" charset="0"/>
               <a:ea typeface="思源黑体 CN Light" panose="020B0300000000000000" pitchFamily="34" charset="-122"/>
             </a:endParaRPr>
@@ -5274,20 +5266,20 @@
               <a:buChar char="•"/>
             </a:pPr>
             <a:r>
-              <a:rPr lang="en-US" altLang="zh-CN">
+              <a:rPr lang="en-US" altLang="zh-CN" sz="2000">
                 <a:latin typeface="Ubuntu Mono" panose="020B0509030602030204" pitchFamily="49" charset="0"/>
                 <a:ea typeface="思源黑体 CN Light" panose="020B0300000000000000" pitchFamily="34" charset="-122"/>
               </a:rPr>
               <a:t>onReady </a:t>
             </a:r>
             <a:r>
-              <a:rPr lang="zh-CN" altLang="en-US">
+              <a:rPr lang="zh-CN" altLang="en-US" sz="2000">
                 <a:latin typeface="Ubuntu Mono" panose="020B0509030602030204" pitchFamily="49" charset="0"/>
                 <a:ea typeface="思源黑体 CN Light" panose="020B0300000000000000" pitchFamily="34" charset="-122"/>
               </a:rPr>
               <a:t>页面首次加载完成触发，整个页面生命周期只触发一次。</a:t>
             </a:r>
-            <a:endParaRPr lang="en-US" altLang="zh-CN">
+            <a:endParaRPr lang="en-US" altLang="zh-CN" sz="2000">
               <a:latin typeface="Ubuntu Mono" panose="020B0509030602030204" pitchFamily="49" charset="0"/>
               <a:ea typeface="思源黑体 CN Light" panose="020B0300000000000000" pitchFamily="34" charset="-122"/>
             </a:endParaRPr>
@@ -5304,20 +5296,20 @@
               <a:buChar char="•"/>
             </a:pPr>
             <a:r>
-              <a:rPr lang="en-US" altLang="zh-CN">
+              <a:rPr lang="en-US" altLang="zh-CN" sz="2000">
                 <a:latin typeface="Ubuntu Mono" panose="020B0509030602030204" pitchFamily="49" charset="0"/>
                 <a:ea typeface="思源黑体 CN Light" panose="020B0300000000000000" pitchFamily="34" charset="-122"/>
               </a:rPr>
               <a:t>onHide </a:t>
             </a:r>
             <a:r>
-              <a:rPr lang="zh-CN" altLang="en-US">
+              <a:rPr lang="zh-CN" altLang="en-US" sz="2000">
                 <a:latin typeface="Ubuntu Mono" panose="020B0509030602030204" pitchFamily="49" charset="0"/>
                 <a:ea typeface="思源黑体 CN Light" panose="020B0300000000000000" pitchFamily="34" charset="-122"/>
               </a:rPr>
               <a:t>页面隐藏时触发。</a:t>
             </a:r>
-            <a:endParaRPr lang="en-US" altLang="zh-CN">
+            <a:endParaRPr lang="en-US" altLang="zh-CN" sz="2000">
               <a:latin typeface="Ubuntu Mono" panose="020B0509030602030204" pitchFamily="49" charset="0"/>
               <a:ea typeface="思源黑体 CN Light" panose="020B0300000000000000" pitchFamily="34" charset="-122"/>
             </a:endParaRPr>
@@ -5334,20 +5326,20 @@
               <a:buChar char="•"/>
             </a:pPr>
             <a:r>
-              <a:rPr lang="en-US" altLang="zh-CN">
+              <a:rPr lang="en-US" altLang="zh-CN" sz="2000">
                 <a:latin typeface="Ubuntu Mono" panose="020B0509030602030204" pitchFamily="49" charset="0"/>
                 <a:ea typeface="思源黑体 CN Light" panose="020B0300000000000000" pitchFamily="34" charset="-122"/>
               </a:rPr>
               <a:t>onUnload </a:t>
             </a:r>
             <a:r>
-              <a:rPr lang="zh-CN" altLang="en-US">
+              <a:rPr lang="zh-CN" altLang="en-US" sz="2000">
                 <a:latin typeface="Ubuntu Mono" panose="020B0509030602030204" pitchFamily="49" charset="0"/>
                 <a:ea typeface="思源黑体 CN Light" panose="020B0300000000000000" pitchFamily="34" charset="-122"/>
               </a:rPr>
               <a:t>页面卸载时触发，比如跳转到其他页面。</a:t>
             </a:r>
-            <a:endParaRPr lang="en-US" altLang="zh-CN">
+            <a:endParaRPr lang="en-US" altLang="zh-CN" sz="2000">
               <a:latin typeface="Ubuntu Mono" panose="020B0509030602030204" pitchFamily="49" charset="0"/>
               <a:ea typeface="思源黑体 CN Light" panose="020B0300000000000000" pitchFamily="34" charset="-122"/>
             </a:endParaRPr>
@@ -5364,34 +5356,20 @@
               <a:buChar char="•"/>
             </a:pPr>
             <a:r>
-              <a:rPr lang="en-US" altLang="zh-CN">
+              <a:rPr lang="en-US" altLang="zh-CN" sz="2000">
                 <a:latin typeface="Ubuntu Mono" panose="020B0509030602030204" pitchFamily="49" charset="0"/>
                 <a:ea typeface="思源黑体 CN Light" panose="020B0300000000000000" pitchFamily="34" charset="-122"/>
               </a:rPr>
               <a:t>onReachBottom </a:t>
             </a:r>
             <a:r>
-              <a:rPr lang="zh-CN" altLang="en-US">
+              <a:rPr lang="zh-CN" altLang="en-US" sz="2000">
                 <a:latin typeface="Ubuntu Mono" panose="020B0509030602030204" pitchFamily="49" charset="0"/>
                 <a:ea typeface="思源黑体 CN Light" panose="020B0300000000000000" pitchFamily="34" charset="-122"/>
               </a:rPr>
               <a:t>用户上拉页面触底事件时触发。</a:t>
             </a:r>
-            <a:endParaRPr lang="en-US" altLang="zh-CN">
-              <a:latin typeface="Ubuntu Mono" panose="020B0509030602030204" pitchFamily="49" charset="0"/>
-              <a:ea typeface="思源黑体 CN Light" panose="020B0300000000000000" pitchFamily="34" charset="-122"/>
-            </a:endParaRPr>
-          </a:p>
-          <a:p>
-            <a:pPr>
-              <a:lnSpc>
-                <a:spcPct val="150000"/>
-              </a:lnSpc>
-              <a:spcBef>
-                <a:spcPts val="600"/>
-              </a:spcBef>
-            </a:pPr>
-            <a:endParaRPr lang="en-US" altLang="zh-CN">
+            <a:endParaRPr lang="en-US" altLang="zh-CN" sz="2000">
               <a:latin typeface="Ubuntu Mono" panose="020B0509030602030204" pitchFamily="49" charset="0"/>
               <a:ea typeface="思源黑体 CN Light" panose="020B0300000000000000" pitchFamily="34" charset="-122"/>
             </a:endParaRPr>
@@ -7166,7 +7144,7 @@
           <a:p>
             <a:r>
               <a:rPr lang="zh-CN" altLang="en-US"/>
-              <a:t>在一些统计测试中，基本上大部分手机，只要更新到最新版的微信，运行环境都是支持</a:t>
+              <a:t>近几年大部分手机，只要更新到最新版的微信，运行环境都支持</a:t>
             </a:r>
             <a:r>
               <a:rPr lang="en-US" altLang="zh-CN"/>
@@ -7174,7 +7152,7 @@
             </a:r>
             <a:r>
               <a:rPr lang="zh-CN" altLang="en-US"/>
-              <a:t>的。</a:t>
+              <a:t>。</a:t>
             </a:r>
             <a:endParaRPr lang="en-US" altLang="zh-CN"/>
           </a:p>
@@ -7189,15 +7167,7 @@
             </a:r>
             <a:r>
               <a:rPr lang="zh-CN" altLang="en-US"/>
-              <a:t>端的微信，一些手机自带的浏览器，</a:t>
-            </a:r>
-            <a:r>
-              <a:rPr lang="en-US" altLang="zh-CN"/>
-              <a:t>PC</a:t>
-            </a:r>
-            <a:r>
-              <a:rPr lang="zh-CN" altLang="en-US"/>
-              <a:t>端早期的浏览器以及</a:t>
+              <a:t>端的微信，一些早期手机自带的浏览器以及</a:t>
             </a:r>
             <a:r>
               <a:rPr lang="en-US" altLang="zh-CN"/>
@@ -7210,6 +7180,9 @@
             <a:endParaRPr lang="en-US" altLang="zh-CN"/>
           </a:p>
           <a:p>
+            <a:endParaRPr lang="en-US" altLang="zh-CN"/>
+          </a:p>
+          <a:p>
             <a:r>
               <a:rPr lang="zh-CN" altLang="en-US"/>
               <a:t>对于要针对大众普遍使用的小程序，需要考虑一些兼容情况。</a:t>
@@ -7217,6 +7190,9 @@
             <a:endParaRPr lang="en-US" altLang="zh-CN"/>
           </a:p>
           <a:p>
+            <a:endParaRPr lang="en-US" altLang="zh-CN"/>
+          </a:p>
+          <a:p>
             <a:r>
               <a:rPr lang="zh-CN" altLang="en-US"/>
               <a:t>使用</a:t>
@@ -7227,7 +7203,7 @@
             </a:r>
             <a:r>
               <a:rPr lang="zh-CN" altLang="en-US"/>
-              <a:t>可以解决回调嵌套层次太多的问题，当然</a:t>
+              <a:t>可以解决回调嵌套层次太多的问题，</a:t>
             </a:r>
             <a:r>
               <a:rPr lang="en-US" altLang="zh-CN"/>
@@ -7235,7 +7211,7 @@
             </a:r>
             <a:r>
               <a:rPr lang="zh-CN" altLang="en-US"/>
-              <a:t>返回的其实也是</a:t>
+              <a:t>返回的也是</a:t>
             </a:r>
             <a:r>
               <a:rPr lang="en-US" altLang="zh-CN"/>
@@ -7279,7 +7255,7 @@
         </p:nvSpPr>
         <p:spPr>
           <a:xfrm>
-            <a:off x="4784324" y="5592932"/>
+            <a:off x="4784324" y="5807632"/>
             <a:ext cx="6569476" cy="369332"/>
           </a:xfrm>
           <a:prstGeom prst="rect">
